--- a/diapos/ch6_rest/src/Diagrammes.pptx
+++ b/diapos/ch6_rest/src/Diagrammes.pptx
@@ -7,6 +7,7 @@
   <p:sldIdLst>
     <p:sldId id="256" r:id="rId2"/>
     <p:sldId id="257" r:id="rId3"/>
+    <p:sldId id="258" r:id="rId4"/>
   </p:sldIdLst>
   <p:sldSz cx="12192000" cy="6858000"/>
   <p:notesSz cx="6858000" cy="9144000"/>
@@ -109,15 +110,17 @@
 </file>
 
 <file path=ppt/diagrams/colors1.xml><?xml version="1.0" encoding="utf-8"?>
-<dgm:colorsDef xmlns:dgm="http://schemas.openxmlformats.org/drawingml/2006/diagram" xmlns:a="http://schemas.openxmlformats.org/drawingml/2006/main" uniqueId="urn:microsoft.com/office/officeart/2005/8/colors/accent1_2">
+<dgm:colorsDef xmlns:dgm="http://schemas.openxmlformats.org/drawingml/2006/diagram" xmlns:a="http://schemas.openxmlformats.org/drawingml/2006/main" uniqueId="urn:microsoft.com/office/officeart/2005/8/colors/accent6_4">
   <dgm:title val=""/>
   <dgm:desc val=""/>
   <dgm:catLst>
-    <dgm:cat type="accent1" pri="11200"/>
+    <dgm:cat type="accent6" pri="11400"/>
   </dgm:catLst>
   <dgm:styleLbl name="node0">
-    <dgm:fillClrLst meth="repeat">
-      <a:schemeClr val="accent1"/>
+    <dgm:fillClrLst meth="cycle">
+      <a:schemeClr val="accent6">
+        <a:shade val="60000"/>
+      </a:schemeClr>
     </dgm:fillClrLst>
     <dgm:linClrLst meth="repeat">
       <a:schemeClr val="lt1"/>
@@ -128,11 +131,21 @@
     <dgm:txEffectClrLst/>
   </dgm:styleLbl>
   <dgm:styleLbl name="alignNode1">
-    <dgm:fillClrLst meth="repeat">
-      <a:schemeClr val="accent1"/>
+    <dgm:fillClrLst meth="cycle">
+      <a:schemeClr val="accent6">
+        <a:shade val="50000"/>
+      </a:schemeClr>
+      <a:schemeClr val="accent6">
+        <a:tint val="55000"/>
+      </a:schemeClr>
     </dgm:fillClrLst>
-    <dgm:linClrLst meth="repeat">
-      <a:schemeClr val="accent1"/>
+    <dgm:linClrLst meth="cycle">
+      <a:schemeClr val="accent6">
+        <a:shade val="50000"/>
+      </a:schemeClr>
+      <a:schemeClr val="accent6">
+        <a:tint val="55000"/>
+      </a:schemeClr>
     </dgm:linClrLst>
     <dgm:effectClrLst/>
     <dgm:txLinClrLst/>
@@ -140,8 +153,13 @@
     <dgm:txEffectClrLst/>
   </dgm:styleLbl>
   <dgm:styleLbl name="node1">
-    <dgm:fillClrLst meth="repeat">
-      <a:schemeClr val="accent1"/>
+    <dgm:fillClrLst meth="cycle">
+      <a:schemeClr val="accent6">
+        <a:shade val="50000"/>
+      </a:schemeClr>
+      <a:schemeClr val="accent6">
+        <a:tint val="55000"/>
+      </a:schemeClr>
     </dgm:fillClrLst>
     <dgm:linClrLst meth="repeat">
       <a:schemeClr val="lt1"/>
@@ -152,8 +170,13 @@
     <dgm:txEffectClrLst/>
   </dgm:styleLbl>
   <dgm:styleLbl name="lnNode1">
-    <dgm:fillClrLst meth="repeat">
-      <a:schemeClr val="accent1"/>
+    <dgm:fillClrLst meth="cycle">
+      <a:schemeClr val="accent6">
+        <a:shade val="50000"/>
+      </a:schemeClr>
+      <a:schemeClr val="accent6">
+        <a:tint val="55000"/>
+      </a:schemeClr>
     </dgm:fillClrLst>
     <dgm:linClrLst meth="repeat">
       <a:schemeClr val="lt1"/>
@@ -164,8 +187,13 @@
     <dgm:txEffectClrLst/>
   </dgm:styleLbl>
   <dgm:styleLbl name="vennNode1">
-    <dgm:fillClrLst meth="repeat">
-      <a:schemeClr val="accent1">
+    <dgm:fillClrLst meth="cycle">
+      <a:schemeClr val="accent6">
+        <a:shade val="80000"/>
+        <a:alpha val="50000"/>
+      </a:schemeClr>
+      <a:schemeClr val="accent6">
+        <a:tint val="50000"/>
         <a:alpha val="50000"/>
       </a:schemeClr>
     </dgm:fillClrLst>
@@ -178,8 +206,10 @@
     <dgm:txEffectClrLst/>
   </dgm:styleLbl>
   <dgm:styleLbl name="node2">
-    <dgm:fillClrLst meth="repeat">
-      <a:schemeClr val="accent1"/>
+    <dgm:fillClrLst>
+      <a:schemeClr val="accent6">
+        <a:shade val="80000"/>
+      </a:schemeClr>
     </dgm:fillClrLst>
     <dgm:linClrLst meth="repeat">
       <a:schemeClr val="lt1"/>
@@ -190,8 +220,10 @@
     <dgm:txEffectClrLst/>
   </dgm:styleLbl>
   <dgm:styleLbl name="node3">
-    <dgm:fillClrLst meth="repeat">
-      <a:schemeClr val="accent1"/>
+    <dgm:fillClrLst>
+      <a:schemeClr val="accent6">
+        <a:tint val="99000"/>
+      </a:schemeClr>
     </dgm:fillClrLst>
     <dgm:linClrLst meth="repeat">
       <a:schemeClr val="lt1"/>
@@ -202,8 +234,10 @@
     <dgm:txEffectClrLst/>
   </dgm:styleLbl>
   <dgm:styleLbl name="node4">
-    <dgm:fillClrLst meth="repeat">
-      <a:schemeClr val="accent1"/>
+    <dgm:fillClrLst>
+      <a:schemeClr val="accent6">
+        <a:tint val="70000"/>
+      </a:schemeClr>
     </dgm:fillClrLst>
     <dgm:linClrLst meth="repeat">
       <a:schemeClr val="lt1"/>
@@ -214,9 +248,12 @@
     <dgm:txEffectClrLst/>
   </dgm:styleLbl>
   <dgm:styleLbl name="fgImgPlace1">
-    <dgm:fillClrLst meth="repeat">
-      <a:schemeClr val="accent1">
+    <dgm:fillClrLst>
+      <a:schemeClr val="accent6">
         <a:tint val="50000"/>
+      </a:schemeClr>
+      <a:schemeClr val="accent6">
+        <a:tint val="55000"/>
       </a:schemeClr>
     </dgm:fillClrLst>
     <dgm:linClrLst meth="repeat">
@@ -230,9 +267,12 @@
     <dgm:txEffectClrLst/>
   </dgm:styleLbl>
   <dgm:styleLbl name="alignImgPlace1">
-    <dgm:fillClrLst meth="repeat">
-      <a:schemeClr val="accent1">
+    <dgm:fillClrLst>
+      <a:schemeClr val="accent6">
         <a:tint val="50000"/>
+      </a:schemeClr>
+      <a:schemeClr val="accent6">
+        <a:tint val="55000"/>
       </a:schemeClr>
     </dgm:fillClrLst>
     <dgm:linClrLst meth="repeat">
@@ -246,9 +286,12 @@
     <dgm:txEffectClrLst/>
   </dgm:styleLbl>
   <dgm:styleLbl name="bgImgPlace1">
-    <dgm:fillClrLst meth="repeat">
-      <a:schemeClr val="accent1">
+    <dgm:fillClrLst>
+      <a:schemeClr val="accent6">
         <a:tint val="50000"/>
+      </a:schemeClr>
+      <a:schemeClr val="accent6">
+        <a:tint val="55000"/>
       </a:schemeClr>
     </dgm:fillClrLst>
     <dgm:linClrLst meth="repeat">
@@ -262,14 +305,20 @@
     <dgm:txEffectClrLst/>
   </dgm:styleLbl>
   <dgm:styleLbl name="sibTrans2D1">
-    <dgm:fillClrLst meth="repeat">
-      <a:schemeClr val="accent1">
-        <a:tint val="60000"/>
+    <dgm:fillClrLst meth="cycle">
+      <a:schemeClr val="accent6">
+        <a:shade val="90000"/>
+      </a:schemeClr>
+      <a:schemeClr val="accent6">
+        <a:tint val="50000"/>
       </a:schemeClr>
     </dgm:fillClrLst>
-    <dgm:linClrLst meth="repeat">
-      <a:schemeClr val="accent1">
-        <a:tint val="60000"/>
+    <dgm:linClrLst meth="cycle">
+      <a:schemeClr val="accent6">
+        <a:shade val="90000"/>
+      </a:schemeClr>
+      <a:schemeClr val="accent6">
+        <a:tint val="50000"/>
       </a:schemeClr>
     </dgm:linClrLst>
     <dgm:effectClrLst/>
@@ -278,14 +327,20 @@
     <dgm:txEffectClrLst/>
   </dgm:styleLbl>
   <dgm:styleLbl name="fgSibTrans2D1">
-    <dgm:fillClrLst meth="repeat">
-      <a:schemeClr val="accent1">
-        <a:tint val="60000"/>
+    <dgm:fillClrLst meth="cycle">
+      <a:schemeClr val="accent6">
+        <a:shade val="90000"/>
+      </a:schemeClr>
+      <a:schemeClr val="accent6">
+        <a:tint val="50000"/>
       </a:schemeClr>
     </dgm:fillClrLst>
-    <dgm:linClrLst meth="repeat">
-      <a:schemeClr val="accent1">
-        <a:tint val="60000"/>
+    <dgm:linClrLst meth="cycle">
+      <a:schemeClr val="accent6">
+        <a:shade val="90000"/>
+      </a:schemeClr>
+      <a:schemeClr val="accent6">
+        <a:tint val="50000"/>
       </a:schemeClr>
     </dgm:linClrLst>
     <dgm:effectClrLst/>
@@ -294,14 +349,20 @@
     <dgm:txEffectClrLst/>
   </dgm:styleLbl>
   <dgm:styleLbl name="bgSibTrans2D1">
-    <dgm:fillClrLst meth="repeat">
-      <a:schemeClr val="accent1">
-        <a:tint val="60000"/>
+    <dgm:fillClrLst meth="cycle">
+      <a:schemeClr val="accent6">
+        <a:shade val="90000"/>
+      </a:schemeClr>
+      <a:schemeClr val="accent6">
+        <a:tint val="50000"/>
       </a:schemeClr>
     </dgm:fillClrLst>
-    <dgm:linClrLst meth="repeat">
-      <a:schemeClr val="accent1">
-        <a:tint val="60000"/>
+    <dgm:linClrLst meth="cycle">
+      <a:schemeClr val="accent6">
+        <a:shade val="90000"/>
+      </a:schemeClr>
+      <a:schemeClr val="accent6">
+        <a:tint val="50000"/>
       </a:schemeClr>
     </dgm:linClrLst>
     <dgm:effectClrLst/>
@@ -310,11 +371,21 @@
     <dgm:txEffectClrLst/>
   </dgm:styleLbl>
   <dgm:styleLbl name="sibTrans1D1">
-    <dgm:fillClrLst meth="repeat">
-      <a:schemeClr val="accent1"/>
+    <dgm:fillClrLst meth="cycle">
+      <a:schemeClr val="accent6">
+        <a:shade val="90000"/>
+      </a:schemeClr>
+      <a:schemeClr val="accent6">
+        <a:tint val="50000"/>
+      </a:schemeClr>
     </dgm:fillClrLst>
-    <dgm:linClrLst meth="repeat">
-      <a:schemeClr val="accent1"/>
+    <dgm:linClrLst meth="cycle">
+      <a:schemeClr val="accent6">
+        <a:shade val="90000"/>
+      </a:schemeClr>
+      <a:schemeClr val="accent6">
+        <a:tint val="50000"/>
+      </a:schemeClr>
     </dgm:linClrLst>
     <dgm:effectClrLst/>
     <dgm:txLinClrLst/>
@@ -325,12 +396,10 @@
   </dgm:styleLbl>
   <dgm:styleLbl name="callout">
     <dgm:fillClrLst meth="repeat">
-      <a:schemeClr val="accent1"/>
+      <a:schemeClr val="accent6"/>
     </dgm:fillClrLst>
     <dgm:linClrLst meth="repeat">
-      <a:schemeClr val="accent1">
-        <a:tint val="50000"/>
-      </a:schemeClr>
+      <a:schemeClr val="accent6"/>
     </dgm:linClrLst>
     <dgm:effectClrLst/>
     <dgm:txLinClrLst/>
@@ -341,7 +410,9 @@
   </dgm:styleLbl>
   <dgm:styleLbl name="asst0">
     <dgm:fillClrLst meth="repeat">
-      <a:schemeClr val="accent1"/>
+      <a:schemeClr val="accent6">
+        <a:shade val="80000"/>
+      </a:schemeClr>
     </dgm:fillClrLst>
     <dgm:linClrLst meth="repeat">
       <a:schemeClr val="lt1"/>
@@ -353,7 +424,9 @@
   </dgm:styleLbl>
   <dgm:styleLbl name="asst1">
     <dgm:fillClrLst meth="repeat">
-      <a:schemeClr val="accent1"/>
+      <a:schemeClr val="accent6">
+        <a:shade val="80000"/>
+      </a:schemeClr>
     </dgm:fillClrLst>
     <dgm:linClrLst meth="repeat">
       <a:schemeClr val="lt1"/>
@@ -364,8 +437,10 @@
     <dgm:txEffectClrLst/>
   </dgm:styleLbl>
   <dgm:styleLbl name="asst2">
-    <dgm:fillClrLst meth="repeat">
-      <a:schemeClr val="accent1"/>
+    <dgm:fillClrLst>
+      <a:schemeClr val="accent6">
+        <a:tint val="90000"/>
+      </a:schemeClr>
     </dgm:fillClrLst>
     <dgm:linClrLst meth="repeat">
       <a:schemeClr val="lt1"/>
@@ -376,8 +451,10 @@
     <dgm:txEffectClrLst/>
   </dgm:styleLbl>
   <dgm:styleLbl name="asst3">
-    <dgm:fillClrLst meth="repeat">
-      <a:schemeClr val="accent1"/>
+    <dgm:fillClrLst>
+      <a:schemeClr val="accent6">
+        <a:tint val="70000"/>
+      </a:schemeClr>
     </dgm:fillClrLst>
     <dgm:linClrLst meth="repeat">
       <a:schemeClr val="lt1"/>
@@ -388,8 +465,10 @@
     <dgm:txEffectClrLst/>
   </dgm:styleLbl>
   <dgm:styleLbl name="asst4">
-    <dgm:fillClrLst meth="repeat">
-      <a:schemeClr val="accent1"/>
+    <dgm:fillClrLst>
+      <a:schemeClr val="accent6">
+        <a:tint val="50000"/>
+      </a:schemeClr>
     </dgm:fillClrLst>
     <dgm:linClrLst meth="repeat">
       <a:schemeClr val="lt1"/>
@@ -401,71 +480,79 @@
   </dgm:styleLbl>
   <dgm:styleLbl name="parChTrans2D1">
     <dgm:fillClrLst meth="repeat">
-      <a:schemeClr val="accent1">
+      <a:schemeClr val="accent6">
         <a:tint val="60000"/>
       </a:schemeClr>
     </dgm:fillClrLst>
     <dgm:linClrLst meth="repeat">
-      <a:schemeClr val="accent1">
-        <a:tint val="60000"/>
+      <a:schemeClr val="accent6">
+        <a:shade val="80000"/>
+      </a:schemeClr>
+    </dgm:linClrLst>
+    <dgm:effectClrLst/>
+    <dgm:txLinClrLst/>
+    <dgm:txFillClrLst/>
+    <dgm:txEffectClrLst/>
+  </dgm:styleLbl>
+  <dgm:styleLbl name="parChTrans2D2">
+    <dgm:fillClrLst meth="repeat">
+      <a:schemeClr val="accent6">
+        <a:tint val="90000"/>
+      </a:schemeClr>
+    </dgm:fillClrLst>
+    <dgm:linClrLst meth="repeat">
+      <a:schemeClr val="accent6">
+        <a:tint val="90000"/>
+      </a:schemeClr>
+    </dgm:linClrLst>
+    <dgm:effectClrLst/>
+    <dgm:txLinClrLst/>
+    <dgm:txFillClrLst/>
+    <dgm:txEffectClrLst/>
+  </dgm:styleLbl>
+  <dgm:styleLbl name="parChTrans2D3">
+    <dgm:fillClrLst meth="repeat">
+      <a:schemeClr val="accent6">
+        <a:tint val="70000"/>
+      </a:schemeClr>
+    </dgm:fillClrLst>
+    <dgm:linClrLst meth="repeat">
+      <a:schemeClr val="accent6">
+        <a:tint val="70000"/>
+      </a:schemeClr>
+    </dgm:linClrLst>
+    <dgm:effectClrLst/>
+    <dgm:txLinClrLst/>
+    <dgm:txFillClrLst/>
+    <dgm:txEffectClrLst/>
+  </dgm:styleLbl>
+  <dgm:styleLbl name="parChTrans2D4">
+    <dgm:fillClrLst meth="repeat">
+      <a:schemeClr val="accent6">
+        <a:tint val="50000"/>
+      </a:schemeClr>
+    </dgm:fillClrLst>
+    <dgm:linClrLst meth="repeat">
+      <a:schemeClr val="accent6">
+        <a:tint val="50000"/>
       </a:schemeClr>
     </dgm:linClrLst>
     <dgm:effectClrLst/>
     <dgm:txLinClrLst/>
     <dgm:txFillClrLst meth="repeat">
-      <a:schemeClr val="lt1"/>
+      <a:schemeClr val="dk1"/>
     </dgm:txFillClrLst>
     <dgm:txEffectClrLst/>
   </dgm:styleLbl>
-  <dgm:styleLbl name="parChTrans2D2">
+  <dgm:styleLbl name="parChTrans1D1">
     <dgm:fillClrLst meth="repeat">
-      <a:schemeClr val="accent1"/>
+      <a:schemeClr val="accent6">
+        <a:shade val="80000"/>
+      </a:schemeClr>
     </dgm:fillClrLst>
     <dgm:linClrLst meth="repeat">
-      <a:schemeClr val="accent1"/>
-    </dgm:linClrLst>
-    <dgm:effectClrLst/>
-    <dgm:txLinClrLst/>
-    <dgm:txFillClrLst meth="repeat">
-      <a:schemeClr val="lt1"/>
-    </dgm:txFillClrLst>
-    <dgm:txEffectClrLst/>
-  </dgm:styleLbl>
-  <dgm:styleLbl name="parChTrans2D3">
-    <dgm:fillClrLst meth="repeat">
-      <a:schemeClr val="accent1"/>
-    </dgm:fillClrLst>
-    <dgm:linClrLst meth="repeat">
-      <a:schemeClr val="accent1"/>
-    </dgm:linClrLst>
-    <dgm:effectClrLst/>
-    <dgm:txLinClrLst/>
-    <dgm:txFillClrLst meth="repeat">
-      <a:schemeClr val="lt1"/>
-    </dgm:txFillClrLst>
-    <dgm:txEffectClrLst/>
-  </dgm:styleLbl>
-  <dgm:styleLbl name="parChTrans2D4">
-    <dgm:fillClrLst meth="repeat">
-      <a:schemeClr val="accent1"/>
-    </dgm:fillClrLst>
-    <dgm:linClrLst meth="repeat">
-      <a:schemeClr val="accent1"/>
-    </dgm:linClrLst>
-    <dgm:effectClrLst/>
-    <dgm:txLinClrLst/>
-    <dgm:txFillClrLst meth="repeat">
-      <a:schemeClr val="lt1"/>
-    </dgm:txFillClrLst>
-    <dgm:txEffectClrLst/>
-  </dgm:styleLbl>
-  <dgm:styleLbl name="parChTrans1D1">
-    <dgm:fillClrLst meth="repeat">
-      <a:schemeClr val="accent1"/>
-    </dgm:fillClrLst>
-    <dgm:linClrLst meth="repeat">
-      <a:schemeClr val="accent1">
-        <a:shade val="60000"/>
+      <a:schemeClr val="accent6">
+        <a:shade val="80000"/>
       </a:schemeClr>
     </dgm:linClrLst>
     <dgm:effectClrLst/>
@@ -477,11 +564,13 @@
   </dgm:styleLbl>
   <dgm:styleLbl name="parChTrans1D2">
     <dgm:fillClrLst meth="repeat">
-      <a:schemeClr val="accent1"/>
+      <a:schemeClr val="accent6">
+        <a:tint val="90000"/>
+      </a:schemeClr>
     </dgm:fillClrLst>
     <dgm:linClrLst meth="repeat">
-      <a:schemeClr val="accent1">
-        <a:shade val="60000"/>
+      <a:schemeClr val="accent6">
+        <a:tint val="90000"/>
       </a:schemeClr>
     </dgm:linClrLst>
     <dgm:effectClrLst/>
@@ -493,11 +582,13 @@
   </dgm:styleLbl>
   <dgm:styleLbl name="parChTrans1D3">
     <dgm:fillClrLst meth="repeat">
-      <a:schemeClr val="accent1"/>
+      <a:schemeClr val="accent6">
+        <a:tint val="70000"/>
+      </a:schemeClr>
     </dgm:fillClrLst>
     <dgm:linClrLst meth="repeat">
-      <a:schemeClr val="accent1">
-        <a:shade val="80000"/>
+      <a:schemeClr val="accent6">
+        <a:tint val="70000"/>
       </a:schemeClr>
     </dgm:linClrLst>
     <dgm:effectClrLst/>
@@ -509,11 +600,13 @@
   </dgm:styleLbl>
   <dgm:styleLbl name="parChTrans1D4">
     <dgm:fillClrLst meth="repeat">
-      <a:schemeClr val="accent1"/>
+      <a:schemeClr val="accent6">
+        <a:tint val="50000"/>
+      </a:schemeClr>
     </dgm:fillClrLst>
     <dgm:linClrLst meth="repeat">
-      <a:schemeClr val="accent1">
-        <a:shade val="80000"/>
+      <a:schemeClr val="accent6">
+        <a:tint val="50000"/>
       </a:schemeClr>
     </dgm:linClrLst>
     <dgm:effectClrLst/>
@@ -529,8 +622,13 @@
         <a:alpha val="90000"/>
       </a:schemeClr>
     </dgm:fillClrLst>
-    <dgm:linClrLst meth="repeat">
-      <a:schemeClr val="accent1"/>
+    <dgm:linClrLst meth="cycle">
+      <a:schemeClr val="accent6">
+        <a:shade val="50000"/>
+      </a:schemeClr>
+      <a:schemeClr val="accent6">
+        <a:tint val="55000"/>
+      </a:schemeClr>
     </dgm:linClrLst>
     <dgm:effectClrLst/>
     <dgm:txLinClrLst/>
@@ -545,8 +643,13 @@
         <a:alpha val="90000"/>
       </a:schemeClr>
     </dgm:fillClrLst>
-    <dgm:linClrLst meth="repeat">
-      <a:schemeClr val="accent1"/>
+    <dgm:linClrLst meth="cycle">
+      <a:schemeClr val="accent6">
+        <a:shade val="50000"/>
+      </a:schemeClr>
+      <a:schemeClr val="accent6">
+        <a:tint val="55000"/>
+      </a:schemeClr>
     </dgm:linClrLst>
     <dgm:effectClrLst/>
     <dgm:txLinClrLst/>
@@ -561,8 +664,13 @@
         <a:alpha val="90000"/>
       </a:schemeClr>
     </dgm:fillClrLst>
-    <dgm:linClrLst meth="repeat">
-      <a:schemeClr val="accent1"/>
+    <dgm:linClrLst meth="cycle">
+      <a:schemeClr val="accent6">
+        <a:shade val="50000"/>
+      </a:schemeClr>
+      <a:schemeClr val="accent6">
+        <a:tint val="55000"/>
+      </a:schemeClr>
     </dgm:linClrLst>
     <dgm:effectClrLst/>
     <dgm:txLinClrLst/>
@@ -574,11 +682,11 @@
   <dgm:styleLbl name="trAlignAcc1">
     <dgm:fillClrLst meth="repeat">
       <a:schemeClr val="lt1">
-        <a:alpha val="40000"/>
+        <a:alpha val="55000"/>
       </a:schemeClr>
     </dgm:fillClrLst>
     <dgm:linClrLst meth="repeat">
-      <a:schemeClr val="accent1"/>
+      <a:schemeClr val="accent6"/>
     </dgm:linClrLst>
     <dgm:effectClrLst/>
     <dgm:txLinClrLst/>
@@ -593,8 +701,13 @@
         <a:alpha val="90000"/>
       </a:schemeClr>
     </dgm:fillClrLst>
-    <dgm:linClrLst meth="repeat">
-      <a:schemeClr val="accent1"/>
+    <dgm:linClrLst meth="cycle">
+      <a:schemeClr val="accent6">
+        <a:shade val="50000"/>
+      </a:schemeClr>
+      <a:schemeClr val="accent6">
+        <a:tint val="55000"/>
+      </a:schemeClr>
     </dgm:linClrLst>
     <dgm:effectClrLst/>
     <dgm:txLinClrLst/>
@@ -607,8 +720,13 @@
     <dgm:fillClrLst meth="repeat">
       <a:schemeClr val="lt1"/>
     </dgm:fillClrLst>
-    <dgm:linClrLst meth="repeat">
-      <a:schemeClr val="accent1"/>
+    <dgm:linClrLst meth="cycle">
+      <a:schemeClr val="accent6">
+        <a:shade val="50000"/>
+      </a:schemeClr>
+      <a:schemeClr val="accent6">
+        <a:tint val="55000"/>
+      </a:schemeClr>
     </dgm:linClrLst>
     <dgm:effectClrLst/>
     <dgm:txLinClrLst/>
@@ -622,7 +740,7 @@
       <a:schemeClr val="lt1"/>
     </dgm:fillClrLst>
     <dgm:linClrLst meth="repeat">
-      <a:schemeClr val="accent1"/>
+      <a:schemeClr val="accent6"/>
     </dgm:linClrLst>
     <dgm:effectClrLst/>
     <dgm:txLinClrLst/>
@@ -636,7 +754,7 @@
       <a:schemeClr val="lt1"/>
     </dgm:fillClrLst>
     <dgm:linClrLst meth="repeat">
-      <a:schemeClr val="accent1"/>
+      <a:schemeClr val="accent6"/>
     </dgm:linClrLst>
     <dgm:effectClrLst/>
     <dgm:txLinClrLst/>
@@ -647,15 +765,15 @@
   </dgm:styleLbl>
   <dgm:styleLbl name="fgAccFollowNode1">
     <dgm:fillClrLst meth="repeat">
-      <a:schemeClr val="accent1">
+      <a:schemeClr val="accent6">
         <a:alpha val="90000"/>
-        <a:tint val="40000"/>
+        <a:tint val="55000"/>
       </a:schemeClr>
     </dgm:fillClrLst>
     <dgm:linClrLst meth="repeat">
-      <a:schemeClr val="accent1">
+      <a:schemeClr val="accent6">
         <a:alpha val="90000"/>
-        <a:tint val="40000"/>
+        <a:tint val="55000"/>
       </a:schemeClr>
     </dgm:linClrLst>
     <dgm:effectClrLst/>
@@ -667,15 +785,15 @@
   </dgm:styleLbl>
   <dgm:styleLbl name="alignAccFollowNode1">
     <dgm:fillClrLst meth="repeat">
-      <a:schemeClr val="accent1">
+      <a:schemeClr val="accent6">
         <a:alpha val="90000"/>
-        <a:tint val="40000"/>
+        <a:tint val="55000"/>
       </a:schemeClr>
     </dgm:fillClrLst>
     <dgm:linClrLst meth="repeat">
-      <a:schemeClr val="accent1">
+      <a:schemeClr val="accent6">
         <a:alpha val="90000"/>
-        <a:tint val="40000"/>
+        <a:tint val="55000"/>
       </a:schemeClr>
     </dgm:linClrLst>
     <dgm:effectClrLst/>
@@ -687,141 +805,9 @@
   </dgm:styleLbl>
   <dgm:styleLbl name="bgAccFollowNode1">
     <dgm:fillClrLst meth="repeat">
-      <a:schemeClr val="accent1">
+      <a:schemeClr val="accent6">
         <a:alpha val="90000"/>
-        <a:tint val="40000"/>
-      </a:schemeClr>
-    </dgm:fillClrLst>
-    <dgm:linClrLst meth="repeat">
-      <a:schemeClr val="accent1">
-        <a:alpha val="90000"/>
-        <a:tint val="40000"/>
-      </a:schemeClr>
-    </dgm:linClrLst>
-    <dgm:effectClrLst/>
-    <dgm:txLinClrLst/>
-    <dgm:txFillClrLst meth="repeat">
-      <a:schemeClr val="dk1"/>
-    </dgm:txFillClrLst>
-    <dgm:txEffectClrLst/>
-  </dgm:styleLbl>
-  <dgm:styleLbl name="fgAcc0">
-    <dgm:fillClrLst meth="repeat">
-      <a:schemeClr val="lt1">
-        <a:alpha val="90000"/>
-      </a:schemeClr>
-    </dgm:fillClrLst>
-    <dgm:linClrLst meth="repeat">
-      <a:schemeClr val="accent1"/>
-    </dgm:linClrLst>
-    <dgm:effectClrLst/>
-    <dgm:txLinClrLst/>
-    <dgm:txFillClrLst meth="repeat">
-      <a:schemeClr val="dk1"/>
-    </dgm:txFillClrLst>
-    <dgm:txEffectClrLst/>
-  </dgm:styleLbl>
-  <dgm:styleLbl name="fgAcc2">
-    <dgm:fillClrLst meth="repeat">
-      <a:schemeClr val="lt1">
-        <a:alpha val="90000"/>
-      </a:schemeClr>
-    </dgm:fillClrLst>
-    <dgm:linClrLst meth="repeat">
-      <a:schemeClr val="accent1"/>
-    </dgm:linClrLst>
-    <dgm:effectClrLst/>
-    <dgm:txLinClrLst/>
-    <dgm:txFillClrLst meth="repeat">
-      <a:schemeClr val="dk1"/>
-    </dgm:txFillClrLst>
-    <dgm:txEffectClrLst/>
-  </dgm:styleLbl>
-  <dgm:styleLbl name="fgAcc3">
-    <dgm:fillClrLst meth="repeat">
-      <a:schemeClr val="lt1">
-        <a:alpha val="90000"/>
-      </a:schemeClr>
-    </dgm:fillClrLst>
-    <dgm:linClrLst meth="repeat">
-      <a:schemeClr val="accent1"/>
-    </dgm:linClrLst>
-    <dgm:effectClrLst/>
-    <dgm:txLinClrLst/>
-    <dgm:txFillClrLst meth="repeat">
-      <a:schemeClr val="dk1"/>
-    </dgm:txFillClrLst>
-    <dgm:txEffectClrLst/>
-  </dgm:styleLbl>
-  <dgm:styleLbl name="fgAcc4">
-    <dgm:fillClrLst meth="repeat">
-      <a:schemeClr val="lt1">
-        <a:alpha val="90000"/>
-      </a:schemeClr>
-    </dgm:fillClrLst>
-    <dgm:linClrLst meth="repeat">
-      <a:schemeClr val="accent1"/>
-    </dgm:linClrLst>
-    <dgm:effectClrLst/>
-    <dgm:txLinClrLst/>
-    <dgm:txFillClrLst meth="repeat">
-      <a:schemeClr val="dk1"/>
-    </dgm:txFillClrLst>
-    <dgm:txEffectClrLst/>
-  </dgm:styleLbl>
-  <dgm:styleLbl name="bgShp">
-    <dgm:fillClrLst meth="repeat">
-      <a:schemeClr val="accent1">
-        <a:tint val="40000"/>
-      </a:schemeClr>
-    </dgm:fillClrLst>
-    <dgm:linClrLst meth="repeat">
-      <a:schemeClr val="accent1"/>
-    </dgm:linClrLst>
-    <dgm:effectClrLst/>
-    <dgm:txLinClrLst/>
-    <dgm:txFillClrLst meth="repeat">
-      <a:schemeClr val="dk1"/>
-    </dgm:txFillClrLst>
-    <dgm:txEffectClrLst/>
-  </dgm:styleLbl>
-  <dgm:styleLbl name="dkBgShp">
-    <dgm:fillClrLst meth="repeat">
-      <a:schemeClr val="accent1">
-        <a:shade val="80000"/>
-      </a:schemeClr>
-    </dgm:fillClrLst>
-    <dgm:linClrLst meth="repeat">
-      <a:schemeClr val="accent1"/>
-    </dgm:linClrLst>
-    <dgm:effectClrLst/>
-    <dgm:txLinClrLst/>
-    <dgm:txFillClrLst meth="repeat">
-      <a:schemeClr val="lt1"/>
-    </dgm:txFillClrLst>
-    <dgm:txEffectClrLst/>
-  </dgm:styleLbl>
-  <dgm:styleLbl name="trBgShp">
-    <dgm:fillClrLst meth="repeat">
-      <a:schemeClr val="accent1">
-        <a:tint val="50000"/>
-        <a:alpha val="40000"/>
-      </a:schemeClr>
-    </dgm:fillClrLst>
-    <dgm:linClrLst meth="repeat">
-      <a:schemeClr val="accent1"/>
-    </dgm:linClrLst>
-    <dgm:effectClrLst/>
-    <dgm:txLinClrLst/>
-    <dgm:txFillClrLst meth="repeat">
-      <a:schemeClr val="lt1"/>
-    </dgm:txFillClrLst>
-    <dgm:txEffectClrLst/>
-  </dgm:styleLbl>
-  <dgm:styleLbl name="fgShp">
-    <dgm:fillClrLst meth="repeat">
-      <a:schemeClr val="accent1">
-        <a:tint val="60000"/>
+        <a:tint val="55000"/>
       </a:schemeClr>
     </dgm:fillClrLst>
     <dgm:linClrLst meth="repeat">
@@ -834,6 +820,143 @@
     </dgm:txFillClrLst>
     <dgm:txEffectClrLst/>
   </dgm:styleLbl>
+  <dgm:styleLbl name="fgAcc0">
+    <dgm:fillClrLst meth="repeat">
+      <a:schemeClr val="lt1">
+        <a:alpha val="90000"/>
+      </a:schemeClr>
+    </dgm:fillClrLst>
+    <dgm:linClrLst meth="repeat">
+      <a:schemeClr val="accent6">
+        <a:shade val="80000"/>
+      </a:schemeClr>
+    </dgm:linClrLst>
+    <dgm:effectClrLst/>
+    <dgm:txLinClrLst/>
+    <dgm:txFillClrLst meth="repeat">
+      <a:schemeClr val="dk1"/>
+    </dgm:txFillClrLst>
+    <dgm:txEffectClrLst/>
+  </dgm:styleLbl>
+  <dgm:styleLbl name="fgAcc2">
+    <dgm:fillClrLst meth="repeat">
+      <a:schemeClr val="lt1">
+        <a:alpha val="90000"/>
+      </a:schemeClr>
+    </dgm:fillClrLst>
+    <dgm:linClrLst meth="repeat">
+      <a:schemeClr val="accent6">
+        <a:tint val="90000"/>
+      </a:schemeClr>
+    </dgm:linClrLst>
+    <dgm:effectClrLst/>
+    <dgm:txLinClrLst/>
+    <dgm:txFillClrLst meth="repeat">
+      <a:schemeClr val="dk1"/>
+    </dgm:txFillClrLst>
+    <dgm:txEffectClrLst/>
+  </dgm:styleLbl>
+  <dgm:styleLbl name="fgAcc3">
+    <dgm:fillClrLst meth="repeat">
+      <a:schemeClr val="lt1">
+        <a:alpha val="90000"/>
+      </a:schemeClr>
+    </dgm:fillClrLst>
+    <dgm:linClrLst meth="repeat">
+      <a:schemeClr val="accent6">
+        <a:tint val="70000"/>
+      </a:schemeClr>
+    </dgm:linClrLst>
+    <dgm:effectClrLst/>
+    <dgm:txLinClrLst/>
+    <dgm:txFillClrLst meth="repeat">
+      <a:schemeClr val="dk1"/>
+    </dgm:txFillClrLst>
+    <dgm:txEffectClrLst/>
+  </dgm:styleLbl>
+  <dgm:styleLbl name="fgAcc4">
+    <dgm:fillClrLst meth="repeat">
+      <a:schemeClr val="lt1">
+        <a:alpha val="90000"/>
+      </a:schemeClr>
+    </dgm:fillClrLst>
+    <dgm:linClrLst meth="repeat">
+      <a:schemeClr val="accent6">
+        <a:tint val="50000"/>
+      </a:schemeClr>
+    </dgm:linClrLst>
+    <dgm:effectClrLst/>
+    <dgm:txLinClrLst/>
+    <dgm:txFillClrLst meth="repeat">
+      <a:schemeClr val="dk1"/>
+    </dgm:txFillClrLst>
+    <dgm:txEffectClrLst/>
+  </dgm:styleLbl>
+  <dgm:styleLbl name="bgShp">
+    <dgm:fillClrLst meth="repeat">
+      <a:schemeClr val="accent6">
+        <a:tint val="55000"/>
+      </a:schemeClr>
+    </dgm:fillClrLst>
+    <dgm:linClrLst meth="repeat">
+      <a:schemeClr val="dk1"/>
+    </dgm:linClrLst>
+    <dgm:effectClrLst/>
+    <dgm:txLinClrLst/>
+    <dgm:txFillClrLst meth="repeat">
+      <a:schemeClr val="dk1"/>
+    </dgm:txFillClrLst>
+    <dgm:txEffectClrLst/>
+  </dgm:styleLbl>
+  <dgm:styleLbl name="dkBgShp">
+    <dgm:fillClrLst meth="repeat">
+      <a:schemeClr val="accent6">
+        <a:shade val="90000"/>
+      </a:schemeClr>
+    </dgm:fillClrLst>
+    <dgm:linClrLst meth="repeat">
+      <a:schemeClr val="dk1"/>
+    </dgm:linClrLst>
+    <dgm:effectClrLst/>
+    <dgm:txLinClrLst/>
+    <dgm:txFillClrLst meth="repeat">
+      <a:schemeClr val="lt1"/>
+    </dgm:txFillClrLst>
+    <dgm:txEffectClrLst/>
+  </dgm:styleLbl>
+  <dgm:styleLbl name="trBgShp">
+    <dgm:fillClrLst meth="repeat">
+      <a:schemeClr val="accent6">
+        <a:tint val="50000"/>
+        <a:alpha val="55000"/>
+      </a:schemeClr>
+    </dgm:fillClrLst>
+    <dgm:linClrLst meth="repeat">
+      <a:schemeClr val="accent6"/>
+    </dgm:linClrLst>
+    <dgm:effectClrLst/>
+    <dgm:txLinClrLst/>
+    <dgm:txFillClrLst meth="repeat">
+      <a:schemeClr val="lt1"/>
+    </dgm:txFillClrLst>
+    <dgm:txEffectClrLst/>
+  </dgm:styleLbl>
+  <dgm:styleLbl name="fgShp">
+    <dgm:fillClrLst meth="repeat">
+      <a:schemeClr val="accent6">
+        <a:tint val="55000"/>
+      </a:schemeClr>
+    </dgm:fillClrLst>
+    <dgm:linClrLst meth="repeat">
+      <a:schemeClr val="lt1"/>
+    </dgm:linClrLst>
+    <dgm:effectClrLst/>
+    <dgm:txLinClrLst/>
+    <dgm:txFillClrLst meth="repeat">
+      <a:schemeClr val="dk1"/>
+    </dgm:txFillClrLst>
+    <dgm:txEffectClrLst/>
+  </dgm:styleLbl>
   <dgm:styleLbl name="revTx">
     <dgm:fillClrLst meth="repeat">
       <a:schemeClr val="lt1">
@@ -855,11 +978,880 @@
 </dgm:colorsDef>
 </file>
 
+<file path=ppt/diagrams/colors2.xml><?xml version="1.0" encoding="utf-8"?>
+<dgm:colorsDef xmlns:dgm="http://schemas.openxmlformats.org/drawingml/2006/diagram" xmlns:a="http://schemas.openxmlformats.org/drawingml/2006/main" uniqueId="urn:microsoft.com/office/officeart/2005/8/colors/accent6_4">
+  <dgm:title val=""/>
+  <dgm:desc val=""/>
+  <dgm:catLst>
+    <dgm:cat type="accent6" pri="11400"/>
+  </dgm:catLst>
+  <dgm:styleLbl name="node0">
+    <dgm:fillClrLst meth="cycle">
+      <a:schemeClr val="accent6">
+        <a:shade val="60000"/>
+      </a:schemeClr>
+    </dgm:fillClrLst>
+    <dgm:linClrLst meth="repeat">
+      <a:schemeClr val="lt1"/>
+    </dgm:linClrLst>
+    <dgm:effectClrLst/>
+    <dgm:txLinClrLst/>
+    <dgm:txFillClrLst/>
+    <dgm:txEffectClrLst/>
+  </dgm:styleLbl>
+  <dgm:styleLbl name="alignNode1">
+    <dgm:fillClrLst meth="cycle">
+      <a:schemeClr val="accent6">
+        <a:shade val="50000"/>
+      </a:schemeClr>
+      <a:schemeClr val="accent6">
+        <a:tint val="55000"/>
+      </a:schemeClr>
+    </dgm:fillClrLst>
+    <dgm:linClrLst meth="cycle">
+      <a:schemeClr val="accent6">
+        <a:shade val="50000"/>
+      </a:schemeClr>
+      <a:schemeClr val="accent6">
+        <a:tint val="55000"/>
+      </a:schemeClr>
+    </dgm:linClrLst>
+    <dgm:effectClrLst/>
+    <dgm:txLinClrLst/>
+    <dgm:txFillClrLst/>
+    <dgm:txEffectClrLst/>
+  </dgm:styleLbl>
+  <dgm:styleLbl name="node1">
+    <dgm:fillClrLst meth="cycle">
+      <a:schemeClr val="accent6">
+        <a:shade val="50000"/>
+      </a:schemeClr>
+      <a:schemeClr val="accent6">
+        <a:tint val="55000"/>
+      </a:schemeClr>
+    </dgm:fillClrLst>
+    <dgm:linClrLst meth="repeat">
+      <a:schemeClr val="lt1"/>
+    </dgm:linClrLst>
+    <dgm:effectClrLst/>
+    <dgm:txLinClrLst/>
+    <dgm:txFillClrLst/>
+    <dgm:txEffectClrLst/>
+  </dgm:styleLbl>
+  <dgm:styleLbl name="lnNode1">
+    <dgm:fillClrLst meth="cycle">
+      <a:schemeClr val="accent6">
+        <a:shade val="50000"/>
+      </a:schemeClr>
+      <a:schemeClr val="accent6">
+        <a:tint val="55000"/>
+      </a:schemeClr>
+    </dgm:fillClrLst>
+    <dgm:linClrLst meth="repeat">
+      <a:schemeClr val="lt1"/>
+    </dgm:linClrLst>
+    <dgm:effectClrLst/>
+    <dgm:txLinClrLst/>
+    <dgm:txFillClrLst/>
+    <dgm:txEffectClrLst/>
+  </dgm:styleLbl>
+  <dgm:styleLbl name="vennNode1">
+    <dgm:fillClrLst meth="cycle">
+      <a:schemeClr val="accent6">
+        <a:shade val="80000"/>
+        <a:alpha val="50000"/>
+      </a:schemeClr>
+      <a:schemeClr val="accent6">
+        <a:tint val="50000"/>
+        <a:alpha val="50000"/>
+      </a:schemeClr>
+    </dgm:fillClrLst>
+    <dgm:linClrLst meth="repeat">
+      <a:schemeClr val="lt1"/>
+    </dgm:linClrLst>
+    <dgm:effectClrLst/>
+    <dgm:txLinClrLst/>
+    <dgm:txFillClrLst/>
+    <dgm:txEffectClrLst/>
+  </dgm:styleLbl>
+  <dgm:styleLbl name="node2">
+    <dgm:fillClrLst>
+      <a:schemeClr val="accent6">
+        <a:shade val="80000"/>
+      </a:schemeClr>
+    </dgm:fillClrLst>
+    <dgm:linClrLst meth="repeat">
+      <a:schemeClr val="lt1"/>
+    </dgm:linClrLst>
+    <dgm:effectClrLst/>
+    <dgm:txLinClrLst/>
+    <dgm:txFillClrLst/>
+    <dgm:txEffectClrLst/>
+  </dgm:styleLbl>
+  <dgm:styleLbl name="node3">
+    <dgm:fillClrLst>
+      <a:schemeClr val="accent6">
+        <a:tint val="99000"/>
+      </a:schemeClr>
+    </dgm:fillClrLst>
+    <dgm:linClrLst meth="repeat">
+      <a:schemeClr val="lt1"/>
+    </dgm:linClrLst>
+    <dgm:effectClrLst/>
+    <dgm:txLinClrLst/>
+    <dgm:txFillClrLst/>
+    <dgm:txEffectClrLst/>
+  </dgm:styleLbl>
+  <dgm:styleLbl name="node4">
+    <dgm:fillClrLst>
+      <a:schemeClr val="accent6">
+        <a:tint val="70000"/>
+      </a:schemeClr>
+    </dgm:fillClrLst>
+    <dgm:linClrLst meth="repeat">
+      <a:schemeClr val="lt1"/>
+    </dgm:linClrLst>
+    <dgm:effectClrLst/>
+    <dgm:txLinClrLst/>
+    <dgm:txFillClrLst/>
+    <dgm:txEffectClrLst/>
+  </dgm:styleLbl>
+  <dgm:styleLbl name="fgImgPlace1">
+    <dgm:fillClrLst>
+      <a:schemeClr val="accent6">
+        <a:tint val="50000"/>
+      </a:schemeClr>
+      <a:schemeClr val="accent6">
+        <a:tint val="55000"/>
+      </a:schemeClr>
+    </dgm:fillClrLst>
+    <dgm:linClrLst meth="repeat">
+      <a:schemeClr val="lt1"/>
+    </dgm:linClrLst>
+    <dgm:effectClrLst/>
+    <dgm:txLinClrLst/>
+    <dgm:txFillClrLst meth="repeat">
+      <a:schemeClr val="lt1"/>
+    </dgm:txFillClrLst>
+    <dgm:txEffectClrLst/>
+  </dgm:styleLbl>
+  <dgm:styleLbl name="alignImgPlace1">
+    <dgm:fillClrLst>
+      <a:schemeClr val="accent6">
+        <a:tint val="50000"/>
+      </a:schemeClr>
+      <a:schemeClr val="accent6">
+        <a:tint val="55000"/>
+      </a:schemeClr>
+    </dgm:fillClrLst>
+    <dgm:linClrLst meth="repeat">
+      <a:schemeClr val="lt1"/>
+    </dgm:linClrLst>
+    <dgm:effectClrLst/>
+    <dgm:txLinClrLst/>
+    <dgm:txFillClrLst meth="repeat">
+      <a:schemeClr val="lt1"/>
+    </dgm:txFillClrLst>
+    <dgm:txEffectClrLst/>
+  </dgm:styleLbl>
+  <dgm:styleLbl name="bgImgPlace1">
+    <dgm:fillClrLst>
+      <a:schemeClr val="accent6">
+        <a:tint val="50000"/>
+      </a:schemeClr>
+      <a:schemeClr val="accent6">
+        <a:tint val="55000"/>
+      </a:schemeClr>
+    </dgm:fillClrLst>
+    <dgm:linClrLst meth="repeat">
+      <a:schemeClr val="lt1"/>
+    </dgm:linClrLst>
+    <dgm:effectClrLst/>
+    <dgm:txLinClrLst/>
+    <dgm:txFillClrLst meth="repeat">
+      <a:schemeClr val="lt1"/>
+    </dgm:txFillClrLst>
+    <dgm:txEffectClrLst/>
+  </dgm:styleLbl>
+  <dgm:styleLbl name="sibTrans2D1">
+    <dgm:fillClrLst meth="cycle">
+      <a:schemeClr val="accent6">
+        <a:shade val="90000"/>
+      </a:schemeClr>
+      <a:schemeClr val="accent6">
+        <a:tint val="50000"/>
+      </a:schemeClr>
+    </dgm:fillClrLst>
+    <dgm:linClrLst meth="cycle">
+      <a:schemeClr val="accent6">
+        <a:shade val="90000"/>
+      </a:schemeClr>
+      <a:schemeClr val="accent6">
+        <a:tint val="50000"/>
+      </a:schemeClr>
+    </dgm:linClrLst>
+    <dgm:effectClrLst/>
+    <dgm:txLinClrLst/>
+    <dgm:txFillClrLst/>
+    <dgm:txEffectClrLst/>
+  </dgm:styleLbl>
+  <dgm:styleLbl name="fgSibTrans2D1">
+    <dgm:fillClrLst meth="cycle">
+      <a:schemeClr val="accent6">
+        <a:shade val="90000"/>
+      </a:schemeClr>
+      <a:schemeClr val="accent6">
+        <a:tint val="50000"/>
+      </a:schemeClr>
+    </dgm:fillClrLst>
+    <dgm:linClrLst meth="cycle">
+      <a:schemeClr val="accent6">
+        <a:shade val="90000"/>
+      </a:schemeClr>
+      <a:schemeClr val="accent6">
+        <a:tint val="50000"/>
+      </a:schemeClr>
+    </dgm:linClrLst>
+    <dgm:effectClrLst/>
+    <dgm:txLinClrLst/>
+    <dgm:txFillClrLst/>
+    <dgm:txEffectClrLst/>
+  </dgm:styleLbl>
+  <dgm:styleLbl name="bgSibTrans2D1">
+    <dgm:fillClrLst meth="cycle">
+      <a:schemeClr val="accent6">
+        <a:shade val="90000"/>
+      </a:schemeClr>
+      <a:schemeClr val="accent6">
+        <a:tint val="50000"/>
+      </a:schemeClr>
+    </dgm:fillClrLst>
+    <dgm:linClrLst meth="cycle">
+      <a:schemeClr val="accent6">
+        <a:shade val="90000"/>
+      </a:schemeClr>
+      <a:schemeClr val="accent6">
+        <a:tint val="50000"/>
+      </a:schemeClr>
+    </dgm:linClrLst>
+    <dgm:effectClrLst/>
+    <dgm:txLinClrLst/>
+    <dgm:txFillClrLst/>
+    <dgm:txEffectClrLst/>
+  </dgm:styleLbl>
+  <dgm:styleLbl name="sibTrans1D1">
+    <dgm:fillClrLst meth="cycle">
+      <a:schemeClr val="accent6">
+        <a:shade val="90000"/>
+      </a:schemeClr>
+      <a:schemeClr val="accent6">
+        <a:tint val="50000"/>
+      </a:schemeClr>
+    </dgm:fillClrLst>
+    <dgm:linClrLst meth="cycle">
+      <a:schemeClr val="accent6">
+        <a:shade val="90000"/>
+      </a:schemeClr>
+      <a:schemeClr val="accent6">
+        <a:tint val="50000"/>
+      </a:schemeClr>
+    </dgm:linClrLst>
+    <dgm:effectClrLst/>
+    <dgm:txLinClrLst/>
+    <dgm:txFillClrLst meth="repeat">
+      <a:schemeClr val="tx1"/>
+    </dgm:txFillClrLst>
+    <dgm:txEffectClrLst/>
+  </dgm:styleLbl>
+  <dgm:styleLbl name="callout">
+    <dgm:fillClrLst meth="repeat">
+      <a:schemeClr val="accent6"/>
+    </dgm:fillClrLst>
+    <dgm:linClrLst meth="repeat">
+      <a:schemeClr val="accent6"/>
+    </dgm:linClrLst>
+    <dgm:effectClrLst/>
+    <dgm:txLinClrLst/>
+    <dgm:txFillClrLst meth="repeat">
+      <a:schemeClr val="tx1"/>
+    </dgm:txFillClrLst>
+    <dgm:txEffectClrLst/>
+  </dgm:styleLbl>
+  <dgm:styleLbl name="asst0">
+    <dgm:fillClrLst meth="repeat">
+      <a:schemeClr val="accent6">
+        <a:shade val="80000"/>
+      </a:schemeClr>
+    </dgm:fillClrLst>
+    <dgm:linClrLst meth="repeat">
+      <a:schemeClr val="lt1"/>
+    </dgm:linClrLst>
+    <dgm:effectClrLst/>
+    <dgm:txLinClrLst/>
+    <dgm:txFillClrLst/>
+    <dgm:txEffectClrLst/>
+  </dgm:styleLbl>
+  <dgm:styleLbl name="asst1">
+    <dgm:fillClrLst meth="repeat">
+      <a:schemeClr val="accent6">
+        <a:shade val="80000"/>
+      </a:schemeClr>
+    </dgm:fillClrLst>
+    <dgm:linClrLst meth="repeat">
+      <a:schemeClr val="lt1"/>
+    </dgm:linClrLst>
+    <dgm:effectClrLst/>
+    <dgm:txLinClrLst/>
+    <dgm:txFillClrLst/>
+    <dgm:txEffectClrLst/>
+  </dgm:styleLbl>
+  <dgm:styleLbl name="asst2">
+    <dgm:fillClrLst>
+      <a:schemeClr val="accent6">
+        <a:tint val="90000"/>
+      </a:schemeClr>
+    </dgm:fillClrLst>
+    <dgm:linClrLst meth="repeat">
+      <a:schemeClr val="lt1"/>
+    </dgm:linClrLst>
+    <dgm:effectClrLst/>
+    <dgm:txLinClrLst/>
+    <dgm:txFillClrLst/>
+    <dgm:txEffectClrLst/>
+  </dgm:styleLbl>
+  <dgm:styleLbl name="asst3">
+    <dgm:fillClrLst>
+      <a:schemeClr val="accent6">
+        <a:tint val="70000"/>
+      </a:schemeClr>
+    </dgm:fillClrLst>
+    <dgm:linClrLst meth="repeat">
+      <a:schemeClr val="lt1"/>
+    </dgm:linClrLst>
+    <dgm:effectClrLst/>
+    <dgm:txLinClrLst/>
+    <dgm:txFillClrLst/>
+    <dgm:txEffectClrLst/>
+  </dgm:styleLbl>
+  <dgm:styleLbl name="asst4">
+    <dgm:fillClrLst>
+      <a:schemeClr val="accent6">
+        <a:tint val="50000"/>
+      </a:schemeClr>
+    </dgm:fillClrLst>
+    <dgm:linClrLst meth="repeat">
+      <a:schemeClr val="lt1"/>
+    </dgm:linClrLst>
+    <dgm:effectClrLst/>
+    <dgm:txLinClrLst/>
+    <dgm:txFillClrLst/>
+    <dgm:txEffectClrLst/>
+  </dgm:styleLbl>
+  <dgm:styleLbl name="parChTrans2D1">
+    <dgm:fillClrLst meth="repeat">
+      <a:schemeClr val="accent6">
+        <a:tint val="60000"/>
+      </a:schemeClr>
+    </dgm:fillClrLst>
+    <dgm:linClrLst meth="repeat">
+      <a:schemeClr val="accent6">
+        <a:shade val="80000"/>
+      </a:schemeClr>
+    </dgm:linClrLst>
+    <dgm:effectClrLst/>
+    <dgm:txLinClrLst/>
+    <dgm:txFillClrLst/>
+    <dgm:txEffectClrLst/>
+  </dgm:styleLbl>
+  <dgm:styleLbl name="parChTrans2D2">
+    <dgm:fillClrLst meth="repeat">
+      <a:schemeClr val="accent6">
+        <a:tint val="90000"/>
+      </a:schemeClr>
+    </dgm:fillClrLst>
+    <dgm:linClrLst meth="repeat">
+      <a:schemeClr val="accent6">
+        <a:tint val="90000"/>
+      </a:schemeClr>
+    </dgm:linClrLst>
+    <dgm:effectClrLst/>
+    <dgm:txLinClrLst/>
+    <dgm:txFillClrLst/>
+    <dgm:txEffectClrLst/>
+  </dgm:styleLbl>
+  <dgm:styleLbl name="parChTrans2D3">
+    <dgm:fillClrLst meth="repeat">
+      <a:schemeClr val="accent6">
+        <a:tint val="70000"/>
+      </a:schemeClr>
+    </dgm:fillClrLst>
+    <dgm:linClrLst meth="repeat">
+      <a:schemeClr val="accent6">
+        <a:tint val="70000"/>
+      </a:schemeClr>
+    </dgm:linClrLst>
+    <dgm:effectClrLst/>
+    <dgm:txLinClrLst/>
+    <dgm:txFillClrLst/>
+    <dgm:txEffectClrLst/>
+  </dgm:styleLbl>
+  <dgm:styleLbl name="parChTrans2D4">
+    <dgm:fillClrLst meth="repeat">
+      <a:schemeClr val="accent6">
+        <a:tint val="50000"/>
+      </a:schemeClr>
+    </dgm:fillClrLst>
+    <dgm:linClrLst meth="repeat">
+      <a:schemeClr val="accent6">
+        <a:tint val="50000"/>
+      </a:schemeClr>
+    </dgm:linClrLst>
+    <dgm:effectClrLst/>
+    <dgm:txLinClrLst/>
+    <dgm:txFillClrLst meth="repeat">
+      <a:schemeClr val="dk1"/>
+    </dgm:txFillClrLst>
+    <dgm:txEffectClrLst/>
+  </dgm:styleLbl>
+  <dgm:styleLbl name="parChTrans1D1">
+    <dgm:fillClrLst meth="repeat">
+      <a:schemeClr val="accent6">
+        <a:shade val="80000"/>
+      </a:schemeClr>
+    </dgm:fillClrLst>
+    <dgm:linClrLst meth="repeat">
+      <a:schemeClr val="accent6">
+        <a:shade val="80000"/>
+      </a:schemeClr>
+    </dgm:linClrLst>
+    <dgm:effectClrLst/>
+    <dgm:txLinClrLst/>
+    <dgm:txFillClrLst meth="repeat">
+      <a:schemeClr val="tx1"/>
+    </dgm:txFillClrLst>
+    <dgm:txEffectClrLst/>
+  </dgm:styleLbl>
+  <dgm:styleLbl name="parChTrans1D2">
+    <dgm:fillClrLst meth="repeat">
+      <a:schemeClr val="accent6">
+        <a:tint val="90000"/>
+      </a:schemeClr>
+    </dgm:fillClrLst>
+    <dgm:linClrLst meth="repeat">
+      <a:schemeClr val="accent6">
+        <a:tint val="90000"/>
+      </a:schemeClr>
+    </dgm:linClrLst>
+    <dgm:effectClrLst/>
+    <dgm:txLinClrLst/>
+    <dgm:txFillClrLst meth="repeat">
+      <a:schemeClr val="tx1"/>
+    </dgm:txFillClrLst>
+    <dgm:txEffectClrLst/>
+  </dgm:styleLbl>
+  <dgm:styleLbl name="parChTrans1D3">
+    <dgm:fillClrLst meth="repeat">
+      <a:schemeClr val="accent6">
+        <a:tint val="70000"/>
+      </a:schemeClr>
+    </dgm:fillClrLst>
+    <dgm:linClrLst meth="repeat">
+      <a:schemeClr val="accent6">
+        <a:tint val="70000"/>
+      </a:schemeClr>
+    </dgm:linClrLst>
+    <dgm:effectClrLst/>
+    <dgm:txLinClrLst/>
+    <dgm:txFillClrLst meth="repeat">
+      <a:schemeClr val="tx1"/>
+    </dgm:txFillClrLst>
+    <dgm:txEffectClrLst/>
+  </dgm:styleLbl>
+  <dgm:styleLbl name="parChTrans1D4">
+    <dgm:fillClrLst meth="repeat">
+      <a:schemeClr val="accent6">
+        <a:tint val="50000"/>
+      </a:schemeClr>
+    </dgm:fillClrLst>
+    <dgm:linClrLst meth="repeat">
+      <a:schemeClr val="accent6">
+        <a:tint val="50000"/>
+      </a:schemeClr>
+    </dgm:linClrLst>
+    <dgm:effectClrLst/>
+    <dgm:txLinClrLst/>
+    <dgm:txFillClrLst meth="repeat">
+      <a:schemeClr val="tx1"/>
+    </dgm:txFillClrLst>
+    <dgm:txEffectClrLst/>
+  </dgm:styleLbl>
+  <dgm:styleLbl name="fgAcc1">
+    <dgm:fillClrLst meth="repeat">
+      <a:schemeClr val="lt1">
+        <a:alpha val="90000"/>
+      </a:schemeClr>
+    </dgm:fillClrLst>
+    <dgm:linClrLst meth="cycle">
+      <a:schemeClr val="accent6">
+        <a:shade val="50000"/>
+      </a:schemeClr>
+      <a:schemeClr val="accent6">
+        <a:tint val="55000"/>
+      </a:schemeClr>
+    </dgm:linClrLst>
+    <dgm:effectClrLst/>
+    <dgm:txLinClrLst/>
+    <dgm:txFillClrLst meth="repeat">
+      <a:schemeClr val="dk1"/>
+    </dgm:txFillClrLst>
+    <dgm:txEffectClrLst/>
+  </dgm:styleLbl>
+  <dgm:styleLbl name="conFgAcc1">
+    <dgm:fillClrLst meth="repeat">
+      <a:schemeClr val="lt1">
+        <a:alpha val="90000"/>
+      </a:schemeClr>
+    </dgm:fillClrLst>
+    <dgm:linClrLst meth="cycle">
+      <a:schemeClr val="accent6">
+        <a:shade val="50000"/>
+      </a:schemeClr>
+      <a:schemeClr val="accent6">
+        <a:tint val="55000"/>
+      </a:schemeClr>
+    </dgm:linClrLst>
+    <dgm:effectClrLst/>
+    <dgm:txLinClrLst/>
+    <dgm:txFillClrLst meth="repeat">
+      <a:schemeClr val="dk1"/>
+    </dgm:txFillClrLst>
+    <dgm:txEffectClrLst/>
+  </dgm:styleLbl>
+  <dgm:styleLbl name="alignAcc1">
+    <dgm:fillClrLst meth="repeat">
+      <a:schemeClr val="lt1">
+        <a:alpha val="90000"/>
+      </a:schemeClr>
+    </dgm:fillClrLst>
+    <dgm:linClrLst meth="cycle">
+      <a:schemeClr val="accent6">
+        <a:shade val="50000"/>
+      </a:schemeClr>
+      <a:schemeClr val="accent6">
+        <a:tint val="55000"/>
+      </a:schemeClr>
+    </dgm:linClrLst>
+    <dgm:effectClrLst/>
+    <dgm:txLinClrLst/>
+    <dgm:txFillClrLst meth="repeat">
+      <a:schemeClr val="dk1"/>
+    </dgm:txFillClrLst>
+    <dgm:txEffectClrLst/>
+  </dgm:styleLbl>
+  <dgm:styleLbl name="trAlignAcc1">
+    <dgm:fillClrLst meth="repeat">
+      <a:schemeClr val="lt1">
+        <a:alpha val="55000"/>
+      </a:schemeClr>
+    </dgm:fillClrLst>
+    <dgm:linClrLst meth="repeat">
+      <a:schemeClr val="accent6"/>
+    </dgm:linClrLst>
+    <dgm:effectClrLst/>
+    <dgm:txLinClrLst/>
+    <dgm:txFillClrLst meth="repeat">
+      <a:schemeClr val="dk1"/>
+    </dgm:txFillClrLst>
+    <dgm:txEffectClrLst/>
+  </dgm:styleLbl>
+  <dgm:styleLbl name="bgAcc1">
+    <dgm:fillClrLst meth="repeat">
+      <a:schemeClr val="lt1">
+        <a:alpha val="90000"/>
+      </a:schemeClr>
+    </dgm:fillClrLst>
+    <dgm:linClrLst meth="cycle">
+      <a:schemeClr val="accent6">
+        <a:shade val="50000"/>
+      </a:schemeClr>
+      <a:schemeClr val="accent6">
+        <a:tint val="55000"/>
+      </a:schemeClr>
+    </dgm:linClrLst>
+    <dgm:effectClrLst/>
+    <dgm:txLinClrLst/>
+    <dgm:txFillClrLst meth="repeat">
+      <a:schemeClr val="dk1"/>
+    </dgm:txFillClrLst>
+    <dgm:txEffectClrLst/>
+  </dgm:styleLbl>
+  <dgm:styleLbl name="solidFgAcc1">
+    <dgm:fillClrLst meth="repeat">
+      <a:schemeClr val="lt1"/>
+    </dgm:fillClrLst>
+    <dgm:linClrLst meth="cycle">
+      <a:schemeClr val="accent6">
+        <a:shade val="50000"/>
+      </a:schemeClr>
+      <a:schemeClr val="accent6">
+        <a:tint val="55000"/>
+      </a:schemeClr>
+    </dgm:linClrLst>
+    <dgm:effectClrLst/>
+    <dgm:txLinClrLst/>
+    <dgm:txFillClrLst meth="repeat">
+      <a:schemeClr val="dk1"/>
+    </dgm:txFillClrLst>
+    <dgm:txEffectClrLst/>
+  </dgm:styleLbl>
+  <dgm:styleLbl name="solidAlignAcc1">
+    <dgm:fillClrLst meth="repeat">
+      <a:schemeClr val="lt1"/>
+    </dgm:fillClrLst>
+    <dgm:linClrLst meth="repeat">
+      <a:schemeClr val="accent6"/>
+    </dgm:linClrLst>
+    <dgm:effectClrLst/>
+    <dgm:txLinClrLst/>
+    <dgm:txFillClrLst meth="repeat">
+      <a:schemeClr val="dk1"/>
+    </dgm:txFillClrLst>
+    <dgm:txEffectClrLst/>
+  </dgm:styleLbl>
+  <dgm:styleLbl name="solidBgAcc1">
+    <dgm:fillClrLst meth="repeat">
+      <a:schemeClr val="lt1"/>
+    </dgm:fillClrLst>
+    <dgm:linClrLst meth="repeat">
+      <a:schemeClr val="accent6"/>
+    </dgm:linClrLst>
+    <dgm:effectClrLst/>
+    <dgm:txLinClrLst/>
+    <dgm:txFillClrLst meth="repeat">
+      <a:schemeClr val="dk1"/>
+    </dgm:txFillClrLst>
+    <dgm:txEffectClrLst/>
+  </dgm:styleLbl>
+  <dgm:styleLbl name="fgAccFollowNode1">
+    <dgm:fillClrLst meth="repeat">
+      <a:schemeClr val="accent6">
+        <a:alpha val="90000"/>
+        <a:tint val="55000"/>
+      </a:schemeClr>
+    </dgm:fillClrLst>
+    <dgm:linClrLst meth="repeat">
+      <a:schemeClr val="accent6">
+        <a:alpha val="90000"/>
+        <a:tint val="55000"/>
+      </a:schemeClr>
+    </dgm:linClrLst>
+    <dgm:effectClrLst/>
+    <dgm:txLinClrLst/>
+    <dgm:txFillClrLst meth="repeat">
+      <a:schemeClr val="dk1"/>
+    </dgm:txFillClrLst>
+    <dgm:txEffectClrLst/>
+  </dgm:styleLbl>
+  <dgm:styleLbl name="alignAccFollowNode1">
+    <dgm:fillClrLst meth="repeat">
+      <a:schemeClr val="accent6">
+        <a:alpha val="90000"/>
+        <a:tint val="55000"/>
+      </a:schemeClr>
+    </dgm:fillClrLst>
+    <dgm:linClrLst meth="repeat">
+      <a:schemeClr val="accent6">
+        <a:alpha val="90000"/>
+        <a:tint val="55000"/>
+      </a:schemeClr>
+    </dgm:linClrLst>
+    <dgm:effectClrLst/>
+    <dgm:txLinClrLst/>
+    <dgm:txFillClrLst meth="repeat">
+      <a:schemeClr val="dk1"/>
+    </dgm:txFillClrLst>
+    <dgm:txEffectClrLst/>
+  </dgm:styleLbl>
+  <dgm:styleLbl name="bgAccFollowNode1">
+    <dgm:fillClrLst meth="repeat">
+      <a:schemeClr val="accent6">
+        <a:alpha val="90000"/>
+        <a:tint val="55000"/>
+      </a:schemeClr>
+    </dgm:fillClrLst>
+    <dgm:linClrLst meth="repeat">
+      <a:schemeClr val="lt1"/>
+    </dgm:linClrLst>
+    <dgm:effectClrLst/>
+    <dgm:txLinClrLst/>
+    <dgm:txFillClrLst meth="repeat">
+      <a:schemeClr val="dk1"/>
+    </dgm:txFillClrLst>
+    <dgm:txEffectClrLst/>
+  </dgm:styleLbl>
+  <dgm:styleLbl name="fgAcc0">
+    <dgm:fillClrLst meth="repeat">
+      <a:schemeClr val="lt1">
+        <a:alpha val="90000"/>
+      </a:schemeClr>
+    </dgm:fillClrLst>
+    <dgm:linClrLst meth="repeat">
+      <a:schemeClr val="accent6">
+        <a:shade val="80000"/>
+      </a:schemeClr>
+    </dgm:linClrLst>
+    <dgm:effectClrLst/>
+    <dgm:txLinClrLst/>
+    <dgm:txFillClrLst meth="repeat">
+      <a:schemeClr val="dk1"/>
+    </dgm:txFillClrLst>
+    <dgm:txEffectClrLst/>
+  </dgm:styleLbl>
+  <dgm:styleLbl name="fgAcc2">
+    <dgm:fillClrLst meth="repeat">
+      <a:schemeClr val="lt1">
+        <a:alpha val="90000"/>
+      </a:schemeClr>
+    </dgm:fillClrLst>
+    <dgm:linClrLst meth="repeat">
+      <a:schemeClr val="accent6">
+        <a:tint val="90000"/>
+      </a:schemeClr>
+    </dgm:linClrLst>
+    <dgm:effectClrLst/>
+    <dgm:txLinClrLst/>
+    <dgm:txFillClrLst meth="repeat">
+      <a:schemeClr val="dk1"/>
+    </dgm:txFillClrLst>
+    <dgm:txEffectClrLst/>
+  </dgm:styleLbl>
+  <dgm:styleLbl name="fgAcc3">
+    <dgm:fillClrLst meth="repeat">
+      <a:schemeClr val="lt1">
+        <a:alpha val="90000"/>
+      </a:schemeClr>
+    </dgm:fillClrLst>
+    <dgm:linClrLst meth="repeat">
+      <a:schemeClr val="accent6">
+        <a:tint val="70000"/>
+      </a:schemeClr>
+    </dgm:linClrLst>
+    <dgm:effectClrLst/>
+    <dgm:txLinClrLst/>
+    <dgm:txFillClrLst meth="repeat">
+      <a:schemeClr val="dk1"/>
+    </dgm:txFillClrLst>
+    <dgm:txEffectClrLst/>
+  </dgm:styleLbl>
+  <dgm:styleLbl name="fgAcc4">
+    <dgm:fillClrLst meth="repeat">
+      <a:schemeClr val="lt1">
+        <a:alpha val="90000"/>
+      </a:schemeClr>
+    </dgm:fillClrLst>
+    <dgm:linClrLst meth="repeat">
+      <a:schemeClr val="accent6">
+        <a:tint val="50000"/>
+      </a:schemeClr>
+    </dgm:linClrLst>
+    <dgm:effectClrLst/>
+    <dgm:txLinClrLst/>
+    <dgm:txFillClrLst meth="repeat">
+      <a:schemeClr val="dk1"/>
+    </dgm:txFillClrLst>
+    <dgm:txEffectClrLst/>
+  </dgm:styleLbl>
+  <dgm:styleLbl name="bgShp">
+    <dgm:fillClrLst meth="repeat">
+      <a:schemeClr val="accent6">
+        <a:tint val="55000"/>
+      </a:schemeClr>
+    </dgm:fillClrLst>
+    <dgm:linClrLst meth="repeat">
+      <a:schemeClr val="dk1"/>
+    </dgm:linClrLst>
+    <dgm:effectClrLst/>
+    <dgm:txLinClrLst/>
+    <dgm:txFillClrLst meth="repeat">
+      <a:schemeClr val="dk1"/>
+    </dgm:txFillClrLst>
+    <dgm:txEffectClrLst/>
+  </dgm:styleLbl>
+  <dgm:styleLbl name="dkBgShp">
+    <dgm:fillClrLst meth="repeat">
+      <a:schemeClr val="accent6">
+        <a:shade val="90000"/>
+      </a:schemeClr>
+    </dgm:fillClrLst>
+    <dgm:linClrLst meth="repeat">
+      <a:schemeClr val="dk1"/>
+    </dgm:linClrLst>
+    <dgm:effectClrLst/>
+    <dgm:txLinClrLst/>
+    <dgm:txFillClrLst meth="repeat">
+      <a:schemeClr val="lt1"/>
+    </dgm:txFillClrLst>
+    <dgm:txEffectClrLst/>
+  </dgm:styleLbl>
+  <dgm:styleLbl name="trBgShp">
+    <dgm:fillClrLst meth="repeat">
+      <a:schemeClr val="accent6">
+        <a:tint val="50000"/>
+        <a:alpha val="55000"/>
+      </a:schemeClr>
+    </dgm:fillClrLst>
+    <dgm:linClrLst meth="repeat">
+      <a:schemeClr val="accent6"/>
+    </dgm:linClrLst>
+    <dgm:effectClrLst/>
+    <dgm:txLinClrLst/>
+    <dgm:txFillClrLst meth="repeat">
+      <a:schemeClr val="lt1"/>
+    </dgm:txFillClrLst>
+    <dgm:txEffectClrLst/>
+  </dgm:styleLbl>
+  <dgm:styleLbl name="fgShp">
+    <dgm:fillClrLst meth="repeat">
+      <a:schemeClr val="accent6">
+        <a:tint val="55000"/>
+      </a:schemeClr>
+    </dgm:fillClrLst>
+    <dgm:linClrLst meth="repeat">
+      <a:schemeClr val="lt1"/>
+    </dgm:linClrLst>
+    <dgm:effectClrLst/>
+    <dgm:txLinClrLst/>
+    <dgm:txFillClrLst meth="repeat">
+      <a:schemeClr val="dk1"/>
+    </dgm:txFillClrLst>
+    <dgm:txEffectClrLst/>
+  </dgm:styleLbl>
+  <dgm:styleLbl name="revTx">
+    <dgm:fillClrLst meth="repeat">
+      <a:schemeClr val="lt1">
+        <a:alpha val="0"/>
+      </a:schemeClr>
+    </dgm:fillClrLst>
+    <dgm:linClrLst meth="repeat">
+      <a:schemeClr val="dk1">
+        <a:alpha val="0"/>
+      </a:schemeClr>
+    </dgm:linClrLst>
+    <dgm:effectClrLst/>
+    <dgm:txLinClrLst/>
+    <dgm:txFillClrLst meth="repeat">
+      <a:schemeClr val="tx1"/>
+    </dgm:txFillClrLst>
+    <dgm:txEffectClrLst/>
+  </dgm:styleLbl>
+</dgm:colorsDef>
+</file>
+
 <file path=ppt/diagrams/data1.xml><?xml version="1.0" encoding="utf-8"?>
 <dgm:dataModel xmlns:dgm="http://schemas.openxmlformats.org/drawingml/2006/diagram" xmlns:a="http://schemas.openxmlformats.org/drawingml/2006/main">
   <dgm:ptLst>
     <dgm:pt modelId="{30ADB701-E92F-5040-A5F1-743C5A11E9F6}" type="doc">
-      <dgm:prSet loTypeId="urn:microsoft.com/office/officeart/2005/8/layout/hierarchy2" loCatId="" qsTypeId="urn:microsoft.com/office/officeart/2005/8/quickstyle/simple1" qsCatId="simple" csTypeId="urn:microsoft.com/office/officeart/2005/8/colors/accent1_2" csCatId="accent1" phldr="1"/>
+      <dgm:prSet loTypeId="urn:microsoft.com/office/officeart/2005/8/layout/hierarchy2" loCatId="" qsTypeId="urn:microsoft.com/office/officeart/2005/8/quickstyle/simple1" qsCatId="simple" csTypeId="urn:microsoft.com/office/officeart/2005/8/colors/accent6_4" csCatId="accent6" phldr="1"/>
       <dgm:spPr/>
       <dgm:t>
         <a:bodyPr/>
@@ -1369,6 +2361,661 @@
 </dgm:dataModel>
 </file>
 
+<file path=ppt/diagrams/data2.xml><?xml version="1.0" encoding="utf-8"?>
+<dgm:dataModel xmlns:dgm="http://schemas.openxmlformats.org/drawingml/2006/diagram" xmlns:a="http://schemas.openxmlformats.org/drawingml/2006/main">
+  <dgm:ptLst>
+    <dgm:pt modelId="{30ADB701-E92F-5040-A5F1-743C5A11E9F6}" type="doc">
+      <dgm:prSet loTypeId="urn:microsoft.com/office/officeart/2005/8/layout/hierarchy2" loCatId="" qsTypeId="urn:microsoft.com/office/officeart/2005/8/quickstyle/simple1" qsCatId="simple" csTypeId="urn:microsoft.com/office/officeart/2005/8/colors/accent6_4" csCatId="accent6" phldr="1"/>
+      <dgm:spPr/>
+      <dgm:t>
+        <a:bodyPr/>
+        <a:lstStyle/>
+        <a:p>
+          <a:endParaRPr lang="en-US"/>
+        </a:p>
+      </dgm:t>
+    </dgm:pt>
+    <dgm:pt modelId="{83962F82-338A-CE46-B755-2E0D9A69C36F}">
+      <dgm:prSet phldrT="[Text]"/>
+      <dgm:spPr/>
+      <dgm:t>
+        <a:bodyPr/>
+        <a:lstStyle/>
+        <a:p>
+          <a:r>
+            <a:rPr lang="en-US" dirty="0"/>
+            <a:t>Root</a:t>
+          </a:r>
+        </a:p>
+      </dgm:t>
+    </dgm:pt>
+    <dgm:pt modelId="{F0E18B84-23F9-CA48-B3B8-4A6F607A6DD4}" type="parTrans" cxnId="{6D02EFDE-9EC4-7B40-85CD-D76B716459ED}">
+      <dgm:prSet/>
+      <dgm:spPr/>
+      <dgm:t>
+        <a:bodyPr/>
+        <a:lstStyle/>
+        <a:p>
+          <a:endParaRPr lang="en-US"/>
+        </a:p>
+      </dgm:t>
+    </dgm:pt>
+    <dgm:pt modelId="{B995FAD3-0582-3B46-9840-4758C3121348}" type="sibTrans" cxnId="{6D02EFDE-9EC4-7B40-85CD-D76B716459ED}">
+      <dgm:prSet/>
+      <dgm:spPr/>
+      <dgm:t>
+        <a:bodyPr/>
+        <a:lstStyle/>
+        <a:p>
+          <a:endParaRPr lang="en-US"/>
+        </a:p>
+      </dgm:t>
+    </dgm:pt>
+    <dgm:pt modelId="{F9815D4B-8D9F-2344-AF61-7D87E47F858A}">
+      <dgm:prSet phldrT="[Text]"/>
+      <dgm:spPr/>
+      <dgm:t>
+        <a:bodyPr/>
+        <a:lstStyle/>
+        <a:p>
+          <a:r>
+            <a:rPr lang="en-US" dirty="0"/>
+            <a:t>clients</a:t>
+          </a:r>
+        </a:p>
+      </dgm:t>
+    </dgm:pt>
+    <dgm:pt modelId="{4B42F27F-488F-CD4B-89F8-C9B9126DCC15}" type="parTrans" cxnId="{9955146A-F071-8D49-A9B2-CC59F4BF0C0E}">
+      <dgm:prSet/>
+      <dgm:spPr/>
+      <dgm:t>
+        <a:bodyPr/>
+        <a:lstStyle/>
+        <a:p>
+          <a:endParaRPr lang="en-US"/>
+        </a:p>
+      </dgm:t>
+    </dgm:pt>
+    <dgm:pt modelId="{00EB612A-795A-0642-B2FF-BB10B347B964}" type="sibTrans" cxnId="{9955146A-F071-8D49-A9B2-CC59F4BF0C0E}">
+      <dgm:prSet/>
+      <dgm:spPr/>
+      <dgm:t>
+        <a:bodyPr/>
+        <a:lstStyle/>
+        <a:p>
+          <a:endParaRPr lang="en-US"/>
+        </a:p>
+      </dgm:t>
+    </dgm:pt>
+    <dgm:pt modelId="{46CF4A32-F371-5948-956C-5BD0283CF34C}">
+      <dgm:prSet phldrT="[Text]"/>
+      <dgm:spPr/>
+      <dgm:t>
+        <a:bodyPr/>
+        <a:lstStyle/>
+        <a:p>
+          <a:r>
+            <a:rPr lang="en-US" dirty="0" err="1"/>
+            <a:t>api</a:t>
+          </a:r>
+          <a:endParaRPr lang="en-US" dirty="0"/>
+        </a:p>
+      </dgm:t>
+    </dgm:pt>
+    <dgm:pt modelId="{0553A024-2276-994C-A7DF-34458F7C4351}" type="sibTrans" cxnId="{DA645EE0-F90A-C847-8DC0-78001DC18566}">
+      <dgm:prSet/>
+      <dgm:spPr/>
+      <dgm:t>
+        <a:bodyPr/>
+        <a:lstStyle/>
+        <a:p>
+          <a:endParaRPr lang="en-US"/>
+        </a:p>
+      </dgm:t>
+    </dgm:pt>
+    <dgm:pt modelId="{002B7137-C036-5743-9F99-821C591BD10D}" type="parTrans" cxnId="{DA645EE0-F90A-C847-8DC0-78001DC18566}">
+      <dgm:prSet/>
+      <dgm:spPr/>
+      <dgm:t>
+        <a:bodyPr/>
+        <a:lstStyle/>
+        <a:p>
+          <a:endParaRPr lang="en-US"/>
+        </a:p>
+      </dgm:t>
+    </dgm:pt>
+    <dgm:pt modelId="{9D15C294-AC5F-9D4B-9098-DF25C0EA286F}">
+      <dgm:prSet phldrT="[Text]"/>
+      <dgm:spPr/>
+      <dgm:t>
+        <a:bodyPr/>
+        <a:lstStyle/>
+        <a:p>
+          <a:r>
+            <a:rPr lang="en-US" dirty="0"/>
+            <a:t>web</a:t>
+          </a:r>
+        </a:p>
+      </dgm:t>
+    </dgm:pt>
+    <dgm:pt modelId="{FD4381B1-0C55-4547-BDC4-393783D037C1}" type="sibTrans" cxnId="{7849A975-720C-5E48-82EF-1EA7D8AF3B05}">
+      <dgm:prSet/>
+      <dgm:spPr/>
+      <dgm:t>
+        <a:bodyPr/>
+        <a:lstStyle/>
+        <a:p>
+          <a:endParaRPr lang="en-US"/>
+        </a:p>
+      </dgm:t>
+    </dgm:pt>
+    <dgm:pt modelId="{1C2F1795-0E4B-5D4D-9096-8261F1BF50B6}" type="parTrans" cxnId="{7849A975-720C-5E48-82EF-1EA7D8AF3B05}">
+      <dgm:prSet/>
+      <dgm:spPr/>
+      <dgm:t>
+        <a:bodyPr/>
+        <a:lstStyle/>
+        <a:p>
+          <a:endParaRPr lang="en-US"/>
+        </a:p>
+      </dgm:t>
+    </dgm:pt>
+    <dgm:pt modelId="{F242AF7B-5635-8A40-8F0A-7DB3EBF66035}">
+      <dgm:prSet phldrT="[Text]"/>
+      <dgm:spPr/>
+      <dgm:t>
+        <a:bodyPr/>
+        <a:lstStyle/>
+        <a:p>
+          <a:r>
+            <a:rPr lang="en-US" dirty="0" err="1"/>
+            <a:t>ma_page.php</a:t>
+          </a:r>
+          <a:endParaRPr lang="en-US" dirty="0"/>
+        </a:p>
+      </dgm:t>
+    </dgm:pt>
+    <dgm:pt modelId="{ECC75556-0990-C14D-926A-F9CF246EC8A0}" type="sibTrans" cxnId="{E93A3932-26DD-CB41-82E1-1EE697FEDF39}">
+      <dgm:prSet/>
+      <dgm:spPr/>
+      <dgm:t>
+        <a:bodyPr/>
+        <a:lstStyle/>
+        <a:p>
+          <a:endParaRPr lang="en-US"/>
+        </a:p>
+      </dgm:t>
+    </dgm:pt>
+    <dgm:pt modelId="{770542BB-9B31-5F4C-BD53-391A5E37B52D}" type="parTrans" cxnId="{E93A3932-26DD-CB41-82E1-1EE697FEDF39}">
+      <dgm:prSet/>
+      <dgm:spPr/>
+      <dgm:t>
+        <a:bodyPr/>
+        <a:lstStyle/>
+        <a:p>
+          <a:endParaRPr lang="en-US"/>
+        </a:p>
+      </dgm:t>
+    </dgm:pt>
+    <dgm:pt modelId="{C582A396-71FA-7541-AD29-FEE7343C5B4C}">
+      <dgm:prSet/>
+      <dgm:spPr/>
+      <dgm:t>
+        <a:bodyPr/>
+        <a:lstStyle/>
+        <a:p>
+          <a:r>
+            <a:rPr lang="en-US" dirty="0" err="1"/>
+            <a:t>index.php</a:t>
+          </a:r>
+          <a:endParaRPr lang="en-US" dirty="0"/>
+        </a:p>
+      </dgm:t>
+    </dgm:pt>
+    <dgm:pt modelId="{5ACBA1A4-1477-6049-9EF0-D49C13CC33B9}" type="parTrans" cxnId="{CE62244C-8B63-2744-BEA3-0CE4B2646D51}">
+      <dgm:prSet/>
+      <dgm:spPr/>
+      <dgm:t>
+        <a:bodyPr/>
+        <a:lstStyle/>
+        <a:p>
+          <a:endParaRPr lang="en-US"/>
+        </a:p>
+      </dgm:t>
+    </dgm:pt>
+    <dgm:pt modelId="{9FD36159-559B-9E4C-9281-E80DCCD13FAF}" type="sibTrans" cxnId="{CE62244C-8B63-2744-BEA3-0CE4B2646D51}">
+      <dgm:prSet/>
+      <dgm:spPr/>
+      <dgm:t>
+        <a:bodyPr/>
+        <a:lstStyle/>
+        <a:p>
+          <a:endParaRPr lang="en-US"/>
+        </a:p>
+      </dgm:t>
+    </dgm:pt>
+    <dgm:pt modelId="{C9AEBE78-1D3D-3B49-ACFF-A92597AD2D6D}">
+      <dgm:prSet/>
+      <dgm:spPr/>
+      <dgm:t>
+        <a:bodyPr/>
+        <a:lstStyle/>
+        <a:p>
+          <a:r>
+            <a:rPr lang="en-US" dirty="0" err="1"/>
+            <a:t>getClients.php</a:t>
+          </a:r>
+          <a:endParaRPr lang="en-US" dirty="0"/>
+        </a:p>
+      </dgm:t>
+    </dgm:pt>
+    <dgm:pt modelId="{DB48D4A2-D1D7-C64A-8D2A-A628C853A91D}" type="parTrans" cxnId="{23CF5B21-6A0E-5540-B47C-79EA0DB14BAD}">
+      <dgm:prSet/>
+      <dgm:spPr/>
+      <dgm:t>
+        <a:bodyPr/>
+        <a:lstStyle/>
+        <a:p>
+          <a:endParaRPr lang="en-US"/>
+        </a:p>
+      </dgm:t>
+    </dgm:pt>
+    <dgm:pt modelId="{8C422B05-0EBA-984E-B53A-1F886D22E940}" type="sibTrans" cxnId="{23CF5B21-6A0E-5540-B47C-79EA0DB14BAD}">
+      <dgm:prSet/>
+      <dgm:spPr/>
+      <dgm:t>
+        <a:bodyPr/>
+        <a:lstStyle/>
+        <a:p>
+          <a:endParaRPr lang="en-US"/>
+        </a:p>
+      </dgm:t>
+    </dgm:pt>
+    <dgm:pt modelId="{562AC8EF-082A-934C-89FB-86142763C646}">
+      <dgm:prSet/>
+      <dgm:spPr/>
+      <dgm:t>
+        <a:bodyPr/>
+        <a:lstStyle/>
+        <a:p>
+          <a:r>
+            <a:rPr lang="en-US" dirty="0" err="1"/>
+            <a:t>postClient.php</a:t>
+          </a:r>
+          <a:endParaRPr lang="en-US" dirty="0"/>
+        </a:p>
+      </dgm:t>
+    </dgm:pt>
+    <dgm:pt modelId="{5C034055-3466-4C4E-B76B-F6B7517720CF}" type="parTrans" cxnId="{82E07466-549E-E24C-B11D-FEF359D493DA}">
+      <dgm:prSet/>
+      <dgm:spPr/>
+      <dgm:t>
+        <a:bodyPr/>
+        <a:lstStyle/>
+        <a:p>
+          <a:endParaRPr lang="en-US"/>
+        </a:p>
+      </dgm:t>
+    </dgm:pt>
+    <dgm:pt modelId="{0FEEA3A9-E20B-9140-9FF3-704C87EB4377}" type="sibTrans" cxnId="{82E07466-549E-E24C-B11D-FEF359D493DA}">
+      <dgm:prSet/>
+      <dgm:spPr/>
+      <dgm:t>
+        <a:bodyPr/>
+        <a:lstStyle/>
+        <a:p>
+          <a:endParaRPr lang="en-US"/>
+        </a:p>
+      </dgm:t>
+    </dgm:pt>
+    <dgm:pt modelId="{F4DD4D32-5DAF-8C4E-90E6-97F5812112CC}">
+      <dgm:prSet/>
+      <dgm:spPr/>
+      <dgm:t>
+        <a:bodyPr/>
+        <a:lstStyle/>
+        <a:p>
+          <a:r>
+            <a:rPr lang="en-US" dirty="0" err="1"/>
+            <a:t>routes.php</a:t>
+          </a:r>
+          <a:endParaRPr lang="en-US" dirty="0"/>
+        </a:p>
+      </dgm:t>
+    </dgm:pt>
+    <dgm:pt modelId="{CF230C71-FED3-BC43-B9FA-FF3F83EC4966}" type="parTrans" cxnId="{B348CFBE-31EA-9049-81EB-D57E0649C346}">
+      <dgm:prSet/>
+      <dgm:spPr/>
+      <dgm:t>
+        <a:bodyPr/>
+        <a:lstStyle/>
+        <a:p>
+          <a:endParaRPr lang="en-US"/>
+        </a:p>
+      </dgm:t>
+    </dgm:pt>
+    <dgm:pt modelId="{67F60F26-F5C9-814B-A568-A4A49AC47A0C}" type="sibTrans" cxnId="{B348CFBE-31EA-9049-81EB-D57E0649C346}">
+      <dgm:prSet/>
+      <dgm:spPr/>
+      <dgm:t>
+        <a:bodyPr/>
+        <a:lstStyle/>
+        <a:p>
+          <a:endParaRPr lang="en-US"/>
+        </a:p>
+      </dgm:t>
+    </dgm:pt>
+    <dgm:pt modelId="{141FC52D-E96F-2B41-8342-9ED8D2BFD0E2}" type="pres">
+      <dgm:prSet presAssocID="{30ADB701-E92F-5040-A5F1-743C5A11E9F6}" presName="diagram" presStyleCnt="0">
+        <dgm:presLayoutVars>
+          <dgm:chPref val="1"/>
+          <dgm:dir/>
+          <dgm:animOne val="branch"/>
+          <dgm:animLvl val="lvl"/>
+          <dgm:resizeHandles val="exact"/>
+        </dgm:presLayoutVars>
+      </dgm:prSet>
+      <dgm:spPr/>
+    </dgm:pt>
+    <dgm:pt modelId="{6E6CB3C1-3508-D94C-8E0B-C973F5F0ED66}" type="pres">
+      <dgm:prSet presAssocID="{83962F82-338A-CE46-B755-2E0D9A69C36F}" presName="root1" presStyleCnt="0"/>
+      <dgm:spPr/>
+    </dgm:pt>
+    <dgm:pt modelId="{AD8C8B1B-021B-0244-BB9B-55C4E4B798D4}" type="pres">
+      <dgm:prSet presAssocID="{83962F82-338A-CE46-B755-2E0D9A69C36F}" presName="LevelOneTextNode" presStyleLbl="node0" presStyleIdx="0" presStyleCnt="1">
+        <dgm:presLayoutVars>
+          <dgm:chPref val="3"/>
+        </dgm:presLayoutVars>
+      </dgm:prSet>
+      <dgm:spPr/>
+    </dgm:pt>
+    <dgm:pt modelId="{07BD2742-BA11-9B45-A2DF-5DDE8852D7CE}" type="pres">
+      <dgm:prSet presAssocID="{83962F82-338A-CE46-B755-2E0D9A69C36F}" presName="level2hierChild" presStyleCnt="0"/>
+      <dgm:spPr/>
+    </dgm:pt>
+    <dgm:pt modelId="{3AC78F2F-1B24-8B49-8E7E-6870FB278B1A}" type="pres">
+      <dgm:prSet presAssocID="{1C2F1795-0E4B-5D4D-9096-8261F1BF50B6}" presName="conn2-1" presStyleLbl="parChTrans1D2" presStyleIdx="0" presStyleCnt="3"/>
+      <dgm:spPr/>
+    </dgm:pt>
+    <dgm:pt modelId="{AE1AD929-23AB-224D-B92C-66781CA1AE5D}" type="pres">
+      <dgm:prSet presAssocID="{1C2F1795-0E4B-5D4D-9096-8261F1BF50B6}" presName="connTx" presStyleLbl="parChTrans1D2" presStyleIdx="0" presStyleCnt="3"/>
+      <dgm:spPr/>
+    </dgm:pt>
+    <dgm:pt modelId="{C3AF1821-3B04-7745-BF97-A8DACA607958}" type="pres">
+      <dgm:prSet presAssocID="{9D15C294-AC5F-9D4B-9098-DF25C0EA286F}" presName="root2" presStyleCnt="0"/>
+      <dgm:spPr/>
+    </dgm:pt>
+    <dgm:pt modelId="{3DCF7715-F7AA-A040-94EE-8B5279109B56}" type="pres">
+      <dgm:prSet presAssocID="{9D15C294-AC5F-9D4B-9098-DF25C0EA286F}" presName="LevelTwoTextNode" presStyleLbl="node2" presStyleIdx="0" presStyleCnt="3">
+        <dgm:presLayoutVars>
+          <dgm:chPref val="3"/>
+        </dgm:presLayoutVars>
+      </dgm:prSet>
+      <dgm:spPr/>
+    </dgm:pt>
+    <dgm:pt modelId="{8F15DFDE-B364-B845-89DF-EE5DCF6FD5F4}" type="pres">
+      <dgm:prSet presAssocID="{9D15C294-AC5F-9D4B-9098-DF25C0EA286F}" presName="level3hierChild" presStyleCnt="0"/>
+      <dgm:spPr/>
+    </dgm:pt>
+    <dgm:pt modelId="{C751F64C-D3AD-1341-91BE-FDEBCE8F183E}" type="pres">
+      <dgm:prSet presAssocID="{5ACBA1A4-1477-6049-9EF0-D49C13CC33B9}" presName="conn2-1" presStyleLbl="parChTrans1D3" presStyleIdx="0" presStyleCnt="3"/>
+      <dgm:spPr/>
+    </dgm:pt>
+    <dgm:pt modelId="{8349B6F4-E9B2-8442-BE77-DCFA84495764}" type="pres">
+      <dgm:prSet presAssocID="{5ACBA1A4-1477-6049-9EF0-D49C13CC33B9}" presName="connTx" presStyleLbl="parChTrans1D3" presStyleIdx="0" presStyleCnt="3"/>
+      <dgm:spPr/>
+    </dgm:pt>
+    <dgm:pt modelId="{A8A55CF8-6458-284F-8CE1-60C47DF82607}" type="pres">
+      <dgm:prSet presAssocID="{C582A396-71FA-7541-AD29-FEE7343C5B4C}" presName="root2" presStyleCnt="0"/>
+      <dgm:spPr/>
+    </dgm:pt>
+    <dgm:pt modelId="{33391D5A-6D9C-8F49-94DA-87977452523B}" type="pres">
+      <dgm:prSet presAssocID="{C582A396-71FA-7541-AD29-FEE7343C5B4C}" presName="LevelTwoTextNode" presStyleLbl="node3" presStyleIdx="0" presStyleCnt="3">
+        <dgm:presLayoutVars>
+          <dgm:chPref val="3"/>
+        </dgm:presLayoutVars>
+      </dgm:prSet>
+      <dgm:spPr/>
+    </dgm:pt>
+    <dgm:pt modelId="{19F22A4A-31CF-4A4B-90B8-1EF18E1CB429}" type="pres">
+      <dgm:prSet presAssocID="{C582A396-71FA-7541-AD29-FEE7343C5B4C}" presName="level3hierChild" presStyleCnt="0"/>
+      <dgm:spPr/>
+    </dgm:pt>
+    <dgm:pt modelId="{DC114F2E-5EDF-6E42-AC5A-E6A700211480}" type="pres">
+      <dgm:prSet presAssocID="{770542BB-9B31-5F4C-BD53-391A5E37B52D}" presName="conn2-1" presStyleLbl="parChTrans1D3" presStyleIdx="1" presStyleCnt="3"/>
+      <dgm:spPr/>
+    </dgm:pt>
+    <dgm:pt modelId="{02F53E06-F62B-8C4F-8E06-4E940DFEBAB1}" type="pres">
+      <dgm:prSet presAssocID="{770542BB-9B31-5F4C-BD53-391A5E37B52D}" presName="connTx" presStyleLbl="parChTrans1D3" presStyleIdx="1" presStyleCnt="3"/>
+      <dgm:spPr/>
+    </dgm:pt>
+    <dgm:pt modelId="{13BBBFD6-7570-1E40-9A23-9F1970DD5E94}" type="pres">
+      <dgm:prSet presAssocID="{F242AF7B-5635-8A40-8F0A-7DB3EBF66035}" presName="root2" presStyleCnt="0"/>
+      <dgm:spPr/>
+    </dgm:pt>
+    <dgm:pt modelId="{C09D9E6A-324F-834B-A169-077C50CD7ABD}" type="pres">
+      <dgm:prSet presAssocID="{F242AF7B-5635-8A40-8F0A-7DB3EBF66035}" presName="LevelTwoTextNode" presStyleLbl="node3" presStyleIdx="1" presStyleCnt="3">
+        <dgm:presLayoutVars>
+          <dgm:chPref val="3"/>
+        </dgm:presLayoutVars>
+      </dgm:prSet>
+      <dgm:spPr/>
+    </dgm:pt>
+    <dgm:pt modelId="{36A72B09-11F4-3444-91A9-1FAE532F7990}" type="pres">
+      <dgm:prSet presAssocID="{F242AF7B-5635-8A40-8F0A-7DB3EBF66035}" presName="level3hierChild" presStyleCnt="0"/>
+      <dgm:spPr/>
+    </dgm:pt>
+    <dgm:pt modelId="{56E5EE07-3148-B748-9392-E469372FA3DF}" type="pres">
+      <dgm:prSet presAssocID="{002B7137-C036-5743-9F99-821C591BD10D}" presName="conn2-1" presStyleLbl="parChTrans1D2" presStyleIdx="1" presStyleCnt="3"/>
+      <dgm:spPr/>
+    </dgm:pt>
+    <dgm:pt modelId="{00A6C9EF-D210-2940-9DA9-30C466CA75D2}" type="pres">
+      <dgm:prSet presAssocID="{002B7137-C036-5743-9F99-821C591BD10D}" presName="connTx" presStyleLbl="parChTrans1D2" presStyleIdx="1" presStyleCnt="3"/>
+      <dgm:spPr/>
+    </dgm:pt>
+    <dgm:pt modelId="{28A8978C-F5BF-2847-8D85-1DA569ABC237}" type="pres">
+      <dgm:prSet presAssocID="{46CF4A32-F371-5948-956C-5BD0283CF34C}" presName="root2" presStyleCnt="0"/>
+      <dgm:spPr/>
+    </dgm:pt>
+    <dgm:pt modelId="{6C594C74-5CE8-4646-A8BD-6991672402D6}" type="pres">
+      <dgm:prSet presAssocID="{46CF4A32-F371-5948-956C-5BD0283CF34C}" presName="LevelTwoTextNode" presStyleLbl="node2" presStyleIdx="1" presStyleCnt="3">
+        <dgm:presLayoutVars>
+          <dgm:chPref val="3"/>
+        </dgm:presLayoutVars>
+      </dgm:prSet>
+      <dgm:spPr/>
+    </dgm:pt>
+    <dgm:pt modelId="{ABFF605B-1D95-1642-B5FA-82FD724E2727}" type="pres">
+      <dgm:prSet presAssocID="{46CF4A32-F371-5948-956C-5BD0283CF34C}" presName="level3hierChild" presStyleCnt="0"/>
+      <dgm:spPr/>
+    </dgm:pt>
+    <dgm:pt modelId="{A639F8C6-7609-074B-A2F0-7835CB2ABAF3}" type="pres">
+      <dgm:prSet presAssocID="{4B42F27F-488F-CD4B-89F8-C9B9126DCC15}" presName="conn2-1" presStyleLbl="parChTrans1D3" presStyleIdx="2" presStyleCnt="3"/>
+      <dgm:spPr/>
+    </dgm:pt>
+    <dgm:pt modelId="{EA02D949-22B7-3241-9E68-6C2FEBB8E30F}" type="pres">
+      <dgm:prSet presAssocID="{4B42F27F-488F-CD4B-89F8-C9B9126DCC15}" presName="connTx" presStyleLbl="parChTrans1D3" presStyleIdx="2" presStyleCnt="3"/>
+      <dgm:spPr/>
+    </dgm:pt>
+    <dgm:pt modelId="{5685E3F4-05E1-2C48-B9DD-5680B50E3E40}" type="pres">
+      <dgm:prSet presAssocID="{F9815D4B-8D9F-2344-AF61-7D87E47F858A}" presName="root2" presStyleCnt="0"/>
+      <dgm:spPr/>
+    </dgm:pt>
+    <dgm:pt modelId="{6572CC6F-7451-0846-A396-94EF4DF7F241}" type="pres">
+      <dgm:prSet presAssocID="{F9815D4B-8D9F-2344-AF61-7D87E47F858A}" presName="LevelTwoTextNode" presStyleLbl="node3" presStyleIdx="2" presStyleCnt="3">
+        <dgm:presLayoutVars>
+          <dgm:chPref val="3"/>
+        </dgm:presLayoutVars>
+      </dgm:prSet>
+      <dgm:spPr/>
+    </dgm:pt>
+    <dgm:pt modelId="{5C43EF3B-22DD-8D44-85D6-10994AD96227}" type="pres">
+      <dgm:prSet presAssocID="{F9815D4B-8D9F-2344-AF61-7D87E47F858A}" presName="level3hierChild" presStyleCnt="0"/>
+      <dgm:spPr/>
+    </dgm:pt>
+    <dgm:pt modelId="{A4473233-2DA2-DE40-A14B-5ED6AD78AD4D}" type="pres">
+      <dgm:prSet presAssocID="{DB48D4A2-D1D7-C64A-8D2A-A628C853A91D}" presName="conn2-1" presStyleLbl="parChTrans1D4" presStyleIdx="0" presStyleCnt="2"/>
+      <dgm:spPr/>
+    </dgm:pt>
+    <dgm:pt modelId="{4000DBE0-2CD8-1140-AE17-E2927F2930A4}" type="pres">
+      <dgm:prSet presAssocID="{DB48D4A2-D1D7-C64A-8D2A-A628C853A91D}" presName="connTx" presStyleLbl="parChTrans1D4" presStyleIdx="0" presStyleCnt="2"/>
+      <dgm:spPr/>
+    </dgm:pt>
+    <dgm:pt modelId="{3DF165E3-8313-8848-BEFD-EE4A657A04BC}" type="pres">
+      <dgm:prSet presAssocID="{C9AEBE78-1D3D-3B49-ACFF-A92597AD2D6D}" presName="root2" presStyleCnt="0"/>
+      <dgm:spPr/>
+    </dgm:pt>
+    <dgm:pt modelId="{088D0DD8-8579-C746-8A93-D6FACD0FC1FB}" type="pres">
+      <dgm:prSet presAssocID="{C9AEBE78-1D3D-3B49-ACFF-A92597AD2D6D}" presName="LevelTwoTextNode" presStyleLbl="node4" presStyleIdx="0" presStyleCnt="2">
+        <dgm:presLayoutVars>
+          <dgm:chPref val="3"/>
+        </dgm:presLayoutVars>
+      </dgm:prSet>
+      <dgm:spPr/>
+    </dgm:pt>
+    <dgm:pt modelId="{F5067A1A-B777-1C44-BB06-03D449E05210}" type="pres">
+      <dgm:prSet presAssocID="{C9AEBE78-1D3D-3B49-ACFF-A92597AD2D6D}" presName="level3hierChild" presStyleCnt="0"/>
+      <dgm:spPr/>
+    </dgm:pt>
+    <dgm:pt modelId="{CB86404A-9438-9D4F-B2B0-548CC15B4EB2}" type="pres">
+      <dgm:prSet presAssocID="{5C034055-3466-4C4E-B76B-F6B7517720CF}" presName="conn2-1" presStyleLbl="parChTrans1D4" presStyleIdx="1" presStyleCnt="2"/>
+      <dgm:spPr/>
+    </dgm:pt>
+    <dgm:pt modelId="{0DDCEA34-BDA8-BB48-9DC9-5149DE0F71E8}" type="pres">
+      <dgm:prSet presAssocID="{5C034055-3466-4C4E-B76B-F6B7517720CF}" presName="connTx" presStyleLbl="parChTrans1D4" presStyleIdx="1" presStyleCnt="2"/>
+      <dgm:spPr/>
+    </dgm:pt>
+    <dgm:pt modelId="{0F9A65C5-2915-1F40-89CC-07C35087F3BC}" type="pres">
+      <dgm:prSet presAssocID="{562AC8EF-082A-934C-89FB-86142763C646}" presName="root2" presStyleCnt="0"/>
+      <dgm:spPr/>
+    </dgm:pt>
+    <dgm:pt modelId="{E0F39DA9-7477-1D4F-9C4C-521C67211920}" type="pres">
+      <dgm:prSet presAssocID="{562AC8EF-082A-934C-89FB-86142763C646}" presName="LevelTwoTextNode" presStyleLbl="node4" presStyleIdx="1" presStyleCnt="2">
+        <dgm:presLayoutVars>
+          <dgm:chPref val="3"/>
+        </dgm:presLayoutVars>
+      </dgm:prSet>
+      <dgm:spPr/>
+    </dgm:pt>
+    <dgm:pt modelId="{F4491407-B9F1-3942-8658-89291690104A}" type="pres">
+      <dgm:prSet presAssocID="{562AC8EF-082A-934C-89FB-86142763C646}" presName="level3hierChild" presStyleCnt="0"/>
+      <dgm:spPr/>
+    </dgm:pt>
+    <dgm:pt modelId="{868D541A-242B-4D48-AC18-80884F6F6FB1}" type="pres">
+      <dgm:prSet presAssocID="{CF230C71-FED3-BC43-B9FA-FF3F83EC4966}" presName="conn2-1" presStyleLbl="parChTrans1D2" presStyleIdx="2" presStyleCnt="3"/>
+      <dgm:spPr/>
+    </dgm:pt>
+    <dgm:pt modelId="{FED9B719-9177-2A46-B232-127585333CDC}" type="pres">
+      <dgm:prSet presAssocID="{CF230C71-FED3-BC43-B9FA-FF3F83EC4966}" presName="connTx" presStyleLbl="parChTrans1D2" presStyleIdx="2" presStyleCnt="3"/>
+      <dgm:spPr/>
+    </dgm:pt>
+    <dgm:pt modelId="{0D4C9113-6FE6-C147-9B4F-1E1F4425384F}" type="pres">
+      <dgm:prSet presAssocID="{F4DD4D32-5DAF-8C4E-90E6-97F5812112CC}" presName="root2" presStyleCnt="0"/>
+      <dgm:spPr/>
+    </dgm:pt>
+    <dgm:pt modelId="{B18233EB-8105-BE40-B187-6C6196C092DC}" type="pres">
+      <dgm:prSet presAssocID="{F4DD4D32-5DAF-8C4E-90E6-97F5812112CC}" presName="LevelTwoTextNode" presStyleLbl="node2" presStyleIdx="2" presStyleCnt="3">
+        <dgm:presLayoutVars>
+          <dgm:chPref val="3"/>
+        </dgm:presLayoutVars>
+      </dgm:prSet>
+      <dgm:spPr/>
+    </dgm:pt>
+    <dgm:pt modelId="{2FA75E7A-D918-CC4C-BBC7-5DAC3517A901}" type="pres">
+      <dgm:prSet presAssocID="{F4DD4D32-5DAF-8C4E-90E6-97F5812112CC}" presName="level3hierChild" presStyleCnt="0"/>
+      <dgm:spPr/>
+    </dgm:pt>
+  </dgm:ptLst>
+  <dgm:cxnLst>
+    <dgm:cxn modelId="{DA67CB0C-B689-E142-B458-B33A7A78E332}" type="presOf" srcId="{1C2F1795-0E4B-5D4D-9096-8261F1BF50B6}" destId="{3AC78F2F-1B24-8B49-8E7E-6870FB278B1A}" srcOrd="0" destOrd="0" presId="urn:microsoft.com/office/officeart/2005/8/layout/hierarchy2"/>
+    <dgm:cxn modelId="{665B7910-1387-164F-85F9-E69B39F5B688}" type="presOf" srcId="{5C034055-3466-4C4E-B76B-F6B7517720CF}" destId="{0DDCEA34-BDA8-BB48-9DC9-5149DE0F71E8}" srcOrd="1" destOrd="0" presId="urn:microsoft.com/office/officeart/2005/8/layout/hierarchy2"/>
+    <dgm:cxn modelId="{23CF5B21-6A0E-5540-B47C-79EA0DB14BAD}" srcId="{F9815D4B-8D9F-2344-AF61-7D87E47F858A}" destId="{C9AEBE78-1D3D-3B49-ACFF-A92597AD2D6D}" srcOrd="0" destOrd="0" parTransId="{DB48D4A2-D1D7-C64A-8D2A-A628C853A91D}" sibTransId="{8C422B05-0EBA-984E-B53A-1F886D22E940}"/>
+    <dgm:cxn modelId="{1214232E-1AB9-C34F-966C-A29ED2091379}" type="presOf" srcId="{5ACBA1A4-1477-6049-9EF0-D49C13CC33B9}" destId="{8349B6F4-E9B2-8442-BE77-DCFA84495764}" srcOrd="1" destOrd="0" presId="urn:microsoft.com/office/officeart/2005/8/layout/hierarchy2"/>
+    <dgm:cxn modelId="{E93A3932-26DD-CB41-82E1-1EE697FEDF39}" srcId="{9D15C294-AC5F-9D4B-9098-DF25C0EA286F}" destId="{F242AF7B-5635-8A40-8F0A-7DB3EBF66035}" srcOrd="1" destOrd="0" parTransId="{770542BB-9B31-5F4C-BD53-391A5E37B52D}" sibTransId="{ECC75556-0990-C14D-926A-F9CF246EC8A0}"/>
+    <dgm:cxn modelId="{7E4E9A4A-F618-E743-950F-7E44ECCC1DF5}" type="presOf" srcId="{770542BB-9B31-5F4C-BD53-391A5E37B52D}" destId="{02F53E06-F62B-8C4F-8E06-4E940DFEBAB1}" srcOrd="1" destOrd="0" presId="urn:microsoft.com/office/officeart/2005/8/layout/hierarchy2"/>
+    <dgm:cxn modelId="{CE62244C-8B63-2744-BEA3-0CE4B2646D51}" srcId="{9D15C294-AC5F-9D4B-9098-DF25C0EA286F}" destId="{C582A396-71FA-7541-AD29-FEE7343C5B4C}" srcOrd="0" destOrd="0" parTransId="{5ACBA1A4-1477-6049-9EF0-D49C13CC33B9}" sibTransId="{9FD36159-559B-9E4C-9281-E80DCCD13FAF}"/>
+    <dgm:cxn modelId="{9E83A751-AD0B-D141-A100-D19FAB7F7E9F}" type="presOf" srcId="{5C034055-3466-4C4E-B76B-F6B7517720CF}" destId="{CB86404A-9438-9D4F-B2B0-548CC15B4EB2}" srcOrd="0" destOrd="0" presId="urn:microsoft.com/office/officeart/2005/8/layout/hierarchy2"/>
+    <dgm:cxn modelId="{5C648055-BF3A-F64D-B882-69AEAC42405D}" type="presOf" srcId="{DB48D4A2-D1D7-C64A-8D2A-A628C853A91D}" destId="{4000DBE0-2CD8-1140-AE17-E2927F2930A4}" srcOrd="1" destOrd="0" presId="urn:microsoft.com/office/officeart/2005/8/layout/hierarchy2"/>
+    <dgm:cxn modelId="{82E07466-549E-E24C-B11D-FEF359D493DA}" srcId="{F9815D4B-8D9F-2344-AF61-7D87E47F858A}" destId="{562AC8EF-082A-934C-89FB-86142763C646}" srcOrd="1" destOrd="0" parTransId="{5C034055-3466-4C4E-B76B-F6B7517720CF}" sibTransId="{0FEEA3A9-E20B-9140-9FF3-704C87EB4377}"/>
+    <dgm:cxn modelId="{B3AF9D69-B53D-4949-A152-26DDF6154E29}" type="presOf" srcId="{83962F82-338A-CE46-B755-2E0D9A69C36F}" destId="{AD8C8B1B-021B-0244-BB9B-55C4E4B798D4}" srcOrd="0" destOrd="0" presId="urn:microsoft.com/office/officeart/2005/8/layout/hierarchy2"/>
+    <dgm:cxn modelId="{9955146A-F071-8D49-A9B2-CC59F4BF0C0E}" srcId="{46CF4A32-F371-5948-956C-5BD0283CF34C}" destId="{F9815D4B-8D9F-2344-AF61-7D87E47F858A}" srcOrd="0" destOrd="0" parTransId="{4B42F27F-488F-CD4B-89F8-C9B9126DCC15}" sibTransId="{00EB612A-795A-0642-B2FF-BB10B347B964}"/>
+    <dgm:cxn modelId="{7849A975-720C-5E48-82EF-1EA7D8AF3B05}" srcId="{83962F82-338A-CE46-B755-2E0D9A69C36F}" destId="{9D15C294-AC5F-9D4B-9098-DF25C0EA286F}" srcOrd="0" destOrd="0" parTransId="{1C2F1795-0E4B-5D4D-9096-8261F1BF50B6}" sibTransId="{FD4381B1-0C55-4547-BDC4-393783D037C1}"/>
+    <dgm:cxn modelId="{DD821383-77F7-CC41-A633-B0E10DF6B20C}" type="presOf" srcId="{DB48D4A2-D1D7-C64A-8D2A-A628C853A91D}" destId="{A4473233-2DA2-DE40-A14B-5ED6AD78AD4D}" srcOrd="0" destOrd="0" presId="urn:microsoft.com/office/officeart/2005/8/layout/hierarchy2"/>
+    <dgm:cxn modelId="{80A05B88-7068-ED43-A55D-9E30A66FAFB1}" type="presOf" srcId="{30ADB701-E92F-5040-A5F1-743C5A11E9F6}" destId="{141FC52D-E96F-2B41-8342-9ED8D2BFD0E2}" srcOrd="0" destOrd="0" presId="urn:microsoft.com/office/officeart/2005/8/layout/hierarchy2"/>
+    <dgm:cxn modelId="{06C2ED8A-6900-C048-8E89-4034D24DF4C7}" type="presOf" srcId="{46CF4A32-F371-5948-956C-5BD0283CF34C}" destId="{6C594C74-5CE8-4646-A8BD-6991672402D6}" srcOrd="0" destOrd="0" presId="urn:microsoft.com/office/officeart/2005/8/layout/hierarchy2"/>
+    <dgm:cxn modelId="{31E6488D-CCB8-384F-A94A-9A43E04D9095}" type="presOf" srcId="{5ACBA1A4-1477-6049-9EF0-D49C13CC33B9}" destId="{C751F64C-D3AD-1341-91BE-FDEBCE8F183E}" srcOrd="0" destOrd="0" presId="urn:microsoft.com/office/officeart/2005/8/layout/hierarchy2"/>
+    <dgm:cxn modelId="{2CC08190-5313-D04E-878B-550D4BE85E92}" type="presOf" srcId="{F9815D4B-8D9F-2344-AF61-7D87E47F858A}" destId="{6572CC6F-7451-0846-A396-94EF4DF7F241}" srcOrd="0" destOrd="0" presId="urn:microsoft.com/office/officeart/2005/8/layout/hierarchy2"/>
+    <dgm:cxn modelId="{52309D91-C826-4349-BCB2-BF026AC1B3BF}" type="presOf" srcId="{1C2F1795-0E4B-5D4D-9096-8261F1BF50B6}" destId="{AE1AD929-23AB-224D-B92C-66781CA1AE5D}" srcOrd="1" destOrd="0" presId="urn:microsoft.com/office/officeart/2005/8/layout/hierarchy2"/>
+    <dgm:cxn modelId="{C6DDF292-5B26-6A47-ACE7-ED2FF2410C5A}" type="presOf" srcId="{F242AF7B-5635-8A40-8F0A-7DB3EBF66035}" destId="{C09D9E6A-324F-834B-A169-077C50CD7ABD}" srcOrd="0" destOrd="0" presId="urn:microsoft.com/office/officeart/2005/8/layout/hierarchy2"/>
+    <dgm:cxn modelId="{C38DB6A2-CDAF-A841-94CB-E8C82C122516}" type="presOf" srcId="{770542BB-9B31-5F4C-BD53-391A5E37B52D}" destId="{DC114F2E-5EDF-6E42-AC5A-E6A700211480}" srcOrd="0" destOrd="0" presId="urn:microsoft.com/office/officeart/2005/8/layout/hierarchy2"/>
+    <dgm:cxn modelId="{658111A8-93CE-5140-90A6-7C116D654DA4}" type="presOf" srcId="{002B7137-C036-5743-9F99-821C591BD10D}" destId="{00A6C9EF-D210-2940-9DA9-30C466CA75D2}" srcOrd="1" destOrd="0" presId="urn:microsoft.com/office/officeart/2005/8/layout/hierarchy2"/>
+    <dgm:cxn modelId="{CAF3E7AE-4214-4544-ABE4-DA3FC5BA79A9}" type="presOf" srcId="{C9AEBE78-1D3D-3B49-ACFF-A92597AD2D6D}" destId="{088D0DD8-8579-C746-8A93-D6FACD0FC1FB}" srcOrd="0" destOrd="0" presId="urn:microsoft.com/office/officeart/2005/8/layout/hierarchy2"/>
+    <dgm:cxn modelId="{8045D6B2-FA38-C447-842A-C26CBAD21495}" type="presOf" srcId="{F4DD4D32-5DAF-8C4E-90E6-97F5812112CC}" destId="{B18233EB-8105-BE40-B187-6C6196C092DC}" srcOrd="0" destOrd="0" presId="urn:microsoft.com/office/officeart/2005/8/layout/hierarchy2"/>
+    <dgm:cxn modelId="{82DA1CBE-28D3-8646-9641-27525583F711}" type="presOf" srcId="{4B42F27F-488F-CD4B-89F8-C9B9126DCC15}" destId="{EA02D949-22B7-3241-9E68-6C2FEBB8E30F}" srcOrd="1" destOrd="0" presId="urn:microsoft.com/office/officeart/2005/8/layout/hierarchy2"/>
+    <dgm:cxn modelId="{B348CFBE-31EA-9049-81EB-D57E0649C346}" srcId="{83962F82-338A-CE46-B755-2E0D9A69C36F}" destId="{F4DD4D32-5DAF-8C4E-90E6-97F5812112CC}" srcOrd="2" destOrd="0" parTransId="{CF230C71-FED3-BC43-B9FA-FF3F83EC4966}" sibTransId="{67F60F26-F5C9-814B-A568-A4A49AC47A0C}"/>
+    <dgm:cxn modelId="{3FC704CD-532D-EB44-AE56-DEE4E2B35BDA}" type="presOf" srcId="{9D15C294-AC5F-9D4B-9098-DF25C0EA286F}" destId="{3DCF7715-F7AA-A040-94EE-8B5279109B56}" srcOrd="0" destOrd="0" presId="urn:microsoft.com/office/officeart/2005/8/layout/hierarchy2"/>
+    <dgm:cxn modelId="{945273D9-91F5-304D-A458-D06AE6986418}" type="presOf" srcId="{002B7137-C036-5743-9F99-821C591BD10D}" destId="{56E5EE07-3148-B748-9392-E469372FA3DF}" srcOrd="0" destOrd="0" presId="urn:microsoft.com/office/officeart/2005/8/layout/hierarchy2"/>
+    <dgm:cxn modelId="{6D02EFDE-9EC4-7B40-85CD-D76B716459ED}" srcId="{30ADB701-E92F-5040-A5F1-743C5A11E9F6}" destId="{83962F82-338A-CE46-B755-2E0D9A69C36F}" srcOrd="0" destOrd="0" parTransId="{F0E18B84-23F9-CA48-B3B8-4A6F607A6DD4}" sibTransId="{B995FAD3-0582-3B46-9840-4758C3121348}"/>
+    <dgm:cxn modelId="{DA645EE0-F90A-C847-8DC0-78001DC18566}" srcId="{83962F82-338A-CE46-B755-2E0D9A69C36F}" destId="{46CF4A32-F371-5948-956C-5BD0283CF34C}" srcOrd="1" destOrd="0" parTransId="{002B7137-C036-5743-9F99-821C591BD10D}" sibTransId="{0553A024-2276-994C-A7DF-34458F7C4351}"/>
+    <dgm:cxn modelId="{81E5ECED-DF1F-B340-922A-374055B2686E}" type="presOf" srcId="{CF230C71-FED3-BC43-B9FA-FF3F83EC4966}" destId="{868D541A-242B-4D48-AC18-80884F6F6FB1}" srcOrd="0" destOrd="0" presId="urn:microsoft.com/office/officeart/2005/8/layout/hierarchy2"/>
+    <dgm:cxn modelId="{E5CFE7EF-E5B7-294C-8F53-BFE5A4A1A8AD}" type="presOf" srcId="{4B42F27F-488F-CD4B-89F8-C9B9126DCC15}" destId="{A639F8C6-7609-074B-A2F0-7835CB2ABAF3}" srcOrd="0" destOrd="0" presId="urn:microsoft.com/office/officeart/2005/8/layout/hierarchy2"/>
+    <dgm:cxn modelId="{63EBA8F1-EE1A-454E-B905-59C322062FCB}" type="presOf" srcId="{CF230C71-FED3-BC43-B9FA-FF3F83EC4966}" destId="{FED9B719-9177-2A46-B232-127585333CDC}" srcOrd="1" destOrd="0" presId="urn:microsoft.com/office/officeart/2005/8/layout/hierarchy2"/>
+    <dgm:cxn modelId="{FE68C4F8-8584-0F4D-A845-CCE5086D6ED0}" type="presOf" srcId="{562AC8EF-082A-934C-89FB-86142763C646}" destId="{E0F39DA9-7477-1D4F-9C4C-521C67211920}" srcOrd="0" destOrd="0" presId="urn:microsoft.com/office/officeart/2005/8/layout/hierarchy2"/>
+    <dgm:cxn modelId="{AE7D19FF-85D2-CB4C-9899-F7BB38BF3944}" type="presOf" srcId="{C582A396-71FA-7541-AD29-FEE7343C5B4C}" destId="{33391D5A-6D9C-8F49-94DA-87977452523B}" srcOrd="0" destOrd="0" presId="urn:microsoft.com/office/officeart/2005/8/layout/hierarchy2"/>
+    <dgm:cxn modelId="{6C3127EA-EFAA-4A44-AA03-8B850ADF3647}" type="presParOf" srcId="{141FC52D-E96F-2B41-8342-9ED8D2BFD0E2}" destId="{6E6CB3C1-3508-D94C-8E0B-C973F5F0ED66}" srcOrd="0" destOrd="0" presId="urn:microsoft.com/office/officeart/2005/8/layout/hierarchy2"/>
+    <dgm:cxn modelId="{E580CD97-955A-5D42-A28F-1D03EC33FC4D}" type="presParOf" srcId="{6E6CB3C1-3508-D94C-8E0B-C973F5F0ED66}" destId="{AD8C8B1B-021B-0244-BB9B-55C4E4B798D4}" srcOrd="0" destOrd="0" presId="urn:microsoft.com/office/officeart/2005/8/layout/hierarchy2"/>
+    <dgm:cxn modelId="{5783BE2A-33C8-974E-A387-094662EAF9D2}" type="presParOf" srcId="{6E6CB3C1-3508-D94C-8E0B-C973F5F0ED66}" destId="{07BD2742-BA11-9B45-A2DF-5DDE8852D7CE}" srcOrd="1" destOrd="0" presId="urn:microsoft.com/office/officeart/2005/8/layout/hierarchy2"/>
+    <dgm:cxn modelId="{3945801A-0E6E-2F4C-B423-AC2E49F73DCC}" type="presParOf" srcId="{07BD2742-BA11-9B45-A2DF-5DDE8852D7CE}" destId="{3AC78F2F-1B24-8B49-8E7E-6870FB278B1A}" srcOrd="0" destOrd="0" presId="urn:microsoft.com/office/officeart/2005/8/layout/hierarchy2"/>
+    <dgm:cxn modelId="{F9388570-C429-C04B-AE8F-F9D8873E1020}" type="presParOf" srcId="{3AC78F2F-1B24-8B49-8E7E-6870FB278B1A}" destId="{AE1AD929-23AB-224D-B92C-66781CA1AE5D}" srcOrd="0" destOrd="0" presId="urn:microsoft.com/office/officeart/2005/8/layout/hierarchy2"/>
+    <dgm:cxn modelId="{F9AEE90F-CC9D-2D47-A537-4545B6384697}" type="presParOf" srcId="{07BD2742-BA11-9B45-A2DF-5DDE8852D7CE}" destId="{C3AF1821-3B04-7745-BF97-A8DACA607958}" srcOrd="1" destOrd="0" presId="urn:microsoft.com/office/officeart/2005/8/layout/hierarchy2"/>
+    <dgm:cxn modelId="{32BFCF93-9EB5-664B-BF1F-158FE8C42DC5}" type="presParOf" srcId="{C3AF1821-3B04-7745-BF97-A8DACA607958}" destId="{3DCF7715-F7AA-A040-94EE-8B5279109B56}" srcOrd="0" destOrd="0" presId="urn:microsoft.com/office/officeart/2005/8/layout/hierarchy2"/>
+    <dgm:cxn modelId="{BA889388-CB4D-B74A-9E91-780ECE3ED953}" type="presParOf" srcId="{C3AF1821-3B04-7745-BF97-A8DACA607958}" destId="{8F15DFDE-B364-B845-89DF-EE5DCF6FD5F4}" srcOrd="1" destOrd="0" presId="urn:microsoft.com/office/officeart/2005/8/layout/hierarchy2"/>
+    <dgm:cxn modelId="{81E57EE8-DFC2-3C40-B203-A733A2436C34}" type="presParOf" srcId="{8F15DFDE-B364-B845-89DF-EE5DCF6FD5F4}" destId="{C751F64C-D3AD-1341-91BE-FDEBCE8F183E}" srcOrd="0" destOrd="0" presId="urn:microsoft.com/office/officeart/2005/8/layout/hierarchy2"/>
+    <dgm:cxn modelId="{6C812144-E21C-C94D-A3CE-01FCD0BE48D0}" type="presParOf" srcId="{C751F64C-D3AD-1341-91BE-FDEBCE8F183E}" destId="{8349B6F4-E9B2-8442-BE77-DCFA84495764}" srcOrd="0" destOrd="0" presId="urn:microsoft.com/office/officeart/2005/8/layout/hierarchy2"/>
+    <dgm:cxn modelId="{EF7E10A0-EB2D-E94F-B3F8-A8D2F37E68E7}" type="presParOf" srcId="{8F15DFDE-B364-B845-89DF-EE5DCF6FD5F4}" destId="{A8A55CF8-6458-284F-8CE1-60C47DF82607}" srcOrd="1" destOrd="0" presId="urn:microsoft.com/office/officeart/2005/8/layout/hierarchy2"/>
+    <dgm:cxn modelId="{DDF31A63-BCE8-8E45-9C79-D5C417115807}" type="presParOf" srcId="{A8A55CF8-6458-284F-8CE1-60C47DF82607}" destId="{33391D5A-6D9C-8F49-94DA-87977452523B}" srcOrd="0" destOrd="0" presId="urn:microsoft.com/office/officeart/2005/8/layout/hierarchy2"/>
+    <dgm:cxn modelId="{471B6079-31B8-B344-B14C-F1C4632971DC}" type="presParOf" srcId="{A8A55CF8-6458-284F-8CE1-60C47DF82607}" destId="{19F22A4A-31CF-4A4B-90B8-1EF18E1CB429}" srcOrd="1" destOrd="0" presId="urn:microsoft.com/office/officeart/2005/8/layout/hierarchy2"/>
+    <dgm:cxn modelId="{0A178B5F-4FC9-5C4D-B9BF-9394CFAB79E3}" type="presParOf" srcId="{8F15DFDE-B364-B845-89DF-EE5DCF6FD5F4}" destId="{DC114F2E-5EDF-6E42-AC5A-E6A700211480}" srcOrd="2" destOrd="0" presId="urn:microsoft.com/office/officeart/2005/8/layout/hierarchy2"/>
+    <dgm:cxn modelId="{6A46F885-00E2-B041-9E8A-E3C754721AA8}" type="presParOf" srcId="{DC114F2E-5EDF-6E42-AC5A-E6A700211480}" destId="{02F53E06-F62B-8C4F-8E06-4E940DFEBAB1}" srcOrd="0" destOrd="0" presId="urn:microsoft.com/office/officeart/2005/8/layout/hierarchy2"/>
+    <dgm:cxn modelId="{B29E278F-1DC6-394C-843F-F34CD37805E7}" type="presParOf" srcId="{8F15DFDE-B364-B845-89DF-EE5DCF6FD5F4}" destId="{13BBBFD6-7570-1E40-9A23-9F1970DD5E94}" srcOrd="3" destOrd="0" presId="urn:microsoft.com/office/officeart/2005/8/layout/hierarchy2"/>
+    <dgm:cxn modelId="{40122A44-CC74-504D-976A-ECDE7AFF8A12}" type="presParOf" srcId="{13BBBFD6-7570-1E40-9A23-9F1970DD5E94}" destId="{C09D9E6A-324F-834B-A169-077C50CD7ABD}" srcOrd="0" destOrd="0" presId="urn:microsoft.com/office/officeart/2005/8/layout/hierarchy2"/>
+    <dgm:cxn modelId="{0AAF4EEA-8E56-204E-BCAB-2B467A7CEFF8}" type="presParOf" srcId="{13BBBFD6-7570-1E40-9A23-9F1970DD5E94}" destId="{36A72B09-11F4-3444-91A9-1FAE532F7990}" srcOrd="1" destOrd="0" presId="urn:microsoft.com/office/officeart/2005/8/layout/hierarchy2"/>
+    <dgm:cxn modelId="{EFF6AE4E-27B8-7743-942B-32BE5DEBBF37}" type="presParOf" srcId="{07BD2742-BA11-9B45-A2DF-5DDE8852D7CE}" destId="{56E5EE07-3148-B748-9392-E469372FA3DF}" srcOrd="2" destOrd="0" presId="urn:microsoft.com/office/officeart/2005/8/layout/hierarchy2"/>
+    <dgm:cxn modelId="{52F53F36-BD2F-0F49-8403-32D4DFDF1646}" type="presParOf" srcId="{56E5EE07-3148-B748-9392-E469372FA3DF}" destId="{00A6C9EF-D210-2940-9DA9-30C466CA75D2}" srcOrd="0" destOrd="0" presId="urn:microsoft.com/office/officeart/2005/8/layout/hierarchy2"/>
+    <dgm:cxn modelId="{65822972-8CA7-CB45-91A2-36B6078D9454}" type="presParOf" srcId="{07BD2742-BA11-9B45-A2DF-5DDE8852D7CE}" destId="{28A8978C-F5BF-2847-8D85-1DA569ABC237}" srcOrd="3" destOrd="0" presId="urn:microsoft.com/office/officeart/2005/8/layout/hierarchy2"/>
+    <dgm:cxn modelId="{B9EDC466-03E4-D145-9A08-1A3E0BC1EADD}" type="presParOf" srcId="{28A8978C-F5BF-2847-8D85-1DA569ABC237}" destId="{6C594C74-5CE8-4646-A8BD-6991672402D6}" srcOrd="0" destOrd="0" presId="urn:microsoft.com/office/officeart/2005/8/layout/hierarchy2"/>
+    <dgm:cxn modelId="{F900E750-A2D1-084D-B245-A08B342EFEE6}" type="presParOf" srcId="{28A8978C-F5BF-2847-8D85-1DA569ABC237}" destId="{ABFF605B-1D95-1642-B5FA-82FD724E2727}" srcOrd="1" destOrd="0" presId="urn:microsoft.com/office/officeart/2005/8/layout/hierarchy2"/>
+    <dgm:cxn modelId="{403A4F67-D9BE-E14A-9E3A-F171D3F81A5E}" type="presParOf" srcId="{ABFF605B-1D95-1642-B5FA-82FD724E2727}" destId="{A639F8C6-7609-074B-A2F0-7835CB2ABAF3}" srcOrd="0" destOrd="0" presId="urn:microsoft.com/office/officeart/2005/8/layout/hierarchy2"/>
+    <dgm:cxn modelId="{CDC3E460-7E56-874B-BC9C-D1974ADF8BE0}" type="presParOf" srcId="{A639F8C6-7609-074B-A2F0-7835CB2ABAF3}" destId="{EA02D949-22B7-3241-9E68-6C2FEBB8E30F}" srcOrd="0" destOrd="0" presId="urn:microsoft.com/office/officeart/2005/8/layout/hierarchy2"/>
+    <dgm:cxn modelId="{0E0D4DFE-4473-DC4E-85F9-6072E1E9730B}" type="presParOf" srcId="{ABFF605B-1D95-1642-B5FA-82FD724E2727}" destId="{5685E3F4-05E1-2C48-B9DD-5680B50E3E40}" srcOrd="1" destOrd="0" presId="urn:microsoft.com/office/officeart/2005/8/layout/hierarchy2"/>
+    <dgm:cxn modelId="{710AFEED-7F5E-8A4D-B075-45438BC8FD73}" type="presParOf" srcId="{5685E3F4-05E1-2C48-B9DD-5680B50E3E40}" destId="{6572CC6F-7451-0846-A396-94EF4DF7F241}" srcOrd="0" destOrd="0" presId="urn:microsoft.com/office/officeart/2005/8/layout/hierarchy2"/>
+    <dgm:cxn modelId="{059FABCE-FD8D-5848-81FD-9AF771B69D11}" type="presParOf" srcId="{5685E3F4-05E1-2C48-B9DD-5680B50E3E40}" destId="{5C43EF3B-22DD-8D44-85D6-10994AD96227}" srcOrd="1" destOrd="0" presId="urn:microsoft.com/office/officeart/2005/8/layout/hierarchy2"/>
+    <dgm:cxn modelId="{F73E4F7B-0E29-DA43-A7A8-9B6EDBB3FB3C}" type="presParOf" srcId="{5C43EF3B-22DD-8D44-85D6-10994AD96227}" destId="{A4473233-2DA2-DE40-A14B-5ED6AD78AD4D}" srcOrd="0" destOrd="0" presId="urn:microsoft.com/office/officeart/2005/8/layout/hierarchy2"/>
+    <dgm:cxn modelId="{E7007A7E-CEE2-9C4D-A915-8FC8271196FD}" type="presParOf" srcId="{A4473233-2DA2-DE40-A14B-5ED6AD78AD4D}" destId="{4000DBE0-2CD8-1140-AE17-E2927F2930A4}" srcOrd="0" destOrd="0" presId="urn:microsoft.com/office/officeart/2005/8/layout/hierarchy2"/>
+    <dgm:cxn modelId="{06339F05-FD51-2841-AA8C-5497BEAAEB76}" type="presParOf" srcId="{5C43EF3B-22DD-8D44-85D6-10994AD96227}" destId="{3DF165E3-8313-8848-BEFD-EE4A657A04BC}" srcOrd="1" destOrd="0" presId="urn:microsoft.com/office/officeart/2005/8/layout/hierarchy2"/>
+    <dgm:cxn modelId="{B0C6F8E6-B135-6C4A-892A-EFBB6DB06BF1}" type="presParOf" srcId="{3DF165E3-8313-8848-BEFD-EE4A657A04BC}" destId="{088D0DD8-8579-C746-8A93-D6FACD0FC1FB}" srcOrd="0" destOrd="0" presId="urn:microsoft.com/office/officeart/2005/8/layout/hierarchy2"/>
+    <dgm:cxn modelId="{D25FAB78-3336-A64C-B7EA-BF630478D8E4}" type="presParOf" srcId="{3DF165E3-8313-8848-BEFD-EE4A657A04BC}" destId="{F5067A1A-B777-1C44-BB06-03D449E05210}" srcOrd="1" destOrd="0" presId="urn:microsoft.com/office/officeart/2005/8/layout/hierarchy2"/>
+    <dgm:cxn modelId="{49B54113-60D4-724B-B01D-DE0586A6CDB4}" type="presParOf" srcId="{5C43EF3B-22DD-8D44-85D6-10994AD96227}" destId="{CB86404A-9438-9D4F-B2B0-548CC15B4EB2}" srcOrd="2" destOrd="0" presId="urn:microsoft.com/office/officeart/2005/8/layout/hierarchy2"/>
+    <dgm:cxn modelId="{EBA760FD-38C5-F04D-90E9-5328412E6307}" type="presParOf" srcId="{CB86404A-9438-9D4F-B2B0-548CC15B4EB2}" destId="{0DDCEA34-BDA8-BB48-9DC9-5149DE0F71E8}" srcOrd="0" destOrd="0" presId="urn:microsoft.com/office/officeart/2005/8/layout/hierarchy2"/>
+    <dgm:cxn modelId="{A035EC69-3986-A440-99C0-88B121C223DD}" type="presParOf" srcId="{5C43EF3B-22DD-8D44-85D6-10994AD96227}" destId="{0F9A65C5-2915-1F40-89CC-07C35087F3BC}" srcOrd="3" destOrd="0" presId="urn:microsoft.com/office/officeart/2005/8/layout/hierarchy2"/>
+    <dgm:cxn modelId="{4B564754-C2E1-A64D-A4E3-8205C5D8B992}" type="presParOf" srcId="{0F9A65C5-2915-1F40-89CC-07C35087F3BC}" destId="{E0F39DA9-7477-1D4F-9C4C-521C67211920}" srcOrd="0" destOrd="0" presId="urn:microsoft.com/office/officeart/2005/8/layout/hierarchy2"/>
+    <dgm:cxn modelId="{9188B412-C790-C14C-94E3-60369093283F}" type="presParOf" srcId="{0F9A65C5-2915-1F40-89CC-07C35087F3BC}" destId="{F4491407-B9F1-3942-8658-89291690104A}" srcOrd="1" destOrd="0" presId="urn:microsoft.com/office/officeart/2005/8/layout/hierarchy2"/>
+    <dgm:cxn modelId="{991E2EBB-6564-4546-8231-DF88BE42A2F0}" type="presParOf" srcId="{07BD2742-BA11-9B45-A2DF-5DDE8852D7CE}" destId="{868D541A-242B-4D48-AC18-80884F6F6FB1}" srcOrd="4" destOrd="0" presId="urn:microsoft.com/office/officeart/2005/8/layout/hierarchy2"/>
+    <dgm:cxn modelId="{46BA757B-E275-7843-B71A-0F6BE499CD4A}" type="presParOf" srcId="{868D541A-242B-4D48-AC18-80884F6F6FB1}" destId="{FED9B719-9177-2A46-B232-127585333CDC}" srcOrd="0" destOrd="0" presId="urn:microsoft.com/office/officeart/2005/8/layout/hierarchy2"/>
+    <dgm:cxn modelId="{AEF602C0-62DE-5A42-A43A-DBC254C0CC85}" type="presParOf" srcId="{07BD2742-BA11-9B45-A2DF-5DDE8852D7CE}" destId="{0D4C9113-6FE6-C147-9B4F-1E1F4425384F}" srcOrd="5" destOrd="0" presId="urn:microsoft.com/office/officeart/2005/8/layout/hierarchy2"/>
+    <dgm:cxn modelId="{6042F14A-95CA-FA47-90B6-1849FC8438BD}" type="presParOf" srcId="{0D4C9113-6FE6-C147-9B4F-1E1F4425384F}" destId="{B18233EB-8105-BE40-B187-6C6196C092DC}" srcOrd="0" destOrd="0" presId="urn:microsoft.com/office/officeart/2005/8/layout/hierarchy2"/>
+    <dgm:cxn modelId="{C919CB1C-067C-E442-AA9D-6EEA60945378}" type="presParOf" srcId="{0D4C9113-6FE6-C147-9B4F-1E1F4425384F}" destId="{2FA75E7A-D918-CC4C-BBC7-5DAC3517A901}" srcOrd="1" destOrd="0" presId="urn:microsoft.com/office/officeart/2005/8/layout/hierarchy2"/>
+  </dgm:cxnLst>
+  <dgm:bg/>
+  <dgm:whole/>
+  <dgm:extLst>
+    <a:ext uri="http://schemas.microsoft.com/office/drawing/2008/diagram">
+      <dsp:dataModelExt xmlns:dsp="http://schemas.microsoft.com/office/drawing/2008/diagram" relId="rId10" minVer="http://schemas.openxmlformats.org/drawingml/2006/diagram"/>
+    </a:ext>
+  </dgm:extLst>
+</dgm:dataModel>
+</file>
+
 <file path=ppt/diagrams/drawing1.xml><?xml version="1.0" encoding="utf-8"?>
 <dsp:drawing xmlns:dgm="http://schemas.openxmlformats.org/drawingml/2006/diagram" xmlns:dsp="http://schemas.microsoft.com/office/drawing/2008/diagram" xmlns:a="http://schemas.openxmlformats.org/drawingml/2006/main">
   <dsp:spTree>
@@ -1393,7 +3040,8 @@
           </a:avLst>
         </a:prstGeom>
         <a:solidFill>
-          <a:schemeClr val="accent1">
+          <a:schemeClr val="accent6">
+            <a:shade val="60000"/>
             <a:hueOff val="0"/>
             <a:satOff val="0"/>
             <a:lumOff val="0"/>
@@ -1487,8 +3135,8 @@
         <a:noFill/>
         <a:ln w="12700" cap="flat" cmpd="sng" algn="ctr">
           <a:solidFill>
-            <a:schemeClr val="accent1">
-              <a:shade val="60000"/>
+            <a:schemeClr val="accent6">
+              <a:tint val="90000"/>
               <a:hueOff val="0"/>
               <a:satOff val="0"/>
               <a:lumOff val="0"/>
@@ -1554,7 +3202,8 @@
           </a:avLst>
         </a:prstGeom>
         <a:solidFill>
-          <a:schemeClr val="accent1">
+          <a:schemeClr val="accent6">
+            <a:shade val="80000"/>
             <a:hueOff val="0"/>
             <a:satOff val="0"/>
             <a:lumOff val="0"/>
@@ -1648,8 +3297,8 @@
         <a:noFill/>
         <a:ln w="12700" cap="flat" cmpd="sng" algn="ctr">
           <a:solidFill>
-            <a:schemeClr val="accent1">
-              <a:shade val="80000"/>
+            <a:schemeClr val="accent6">
+              <a:tint val="70000"/>
               <a:hueOff val="0"/>
               <a:satOff val="0"/>
               <a:lumOff val="0"/>
@@ -1715,7 +3364,8 @@
           </a:avLst>
         </a:prstGeom>
         <a:solidFill>
-          <a:schemeClr val="accent1">
+          <a:schemeClr val="accent6">
+            <a:tint val="99000"/>
             <a:hueOff val="0"/>
             <a:satOff val="0"/>
             <a:lumOff val="0"/>
@@ -1810,8 +3460,8 @@
         <a:noFill/>
         <a:ln w="12700" cap="flat" cmpd="sng" algn="ctr">
           <a:solidFill>
-            <a:schemeClr val="accent1">
-              <a:shade val="80000"/>
+            <a:schemeClr val="accent6">
+              <a:tint val="70000"/>
               <a:hueOff val="0"/>
               <a:satOff val="0"/>
               <a:lumOff val="0"/>
@@ -1877,7 +3527,8 @@
           </a:avLst>
         </a:prstGeom>
         <a:solidFill>
-          <a:schemeClr val="accent1">
+          <a:schemeClr val="accent6">
+            <a:tint val="99000"/>
             <a:hueOff val="0"/>
             <a:satOff val="0"/>
             <a:lumOff val="0"/>
@@ -1971,8 +3622,8 @@
         <a:noFill/>
         <a:ln w="12700" cap="flat" cmpd="sng" algn="ctr">
           <a:solidFill>
-            <a:schemeClr val="accent1">
-              <a:shade val="60000"/>
+            <a:schemeClr val="accent6">
+              <a:tint val="90000"/>
               <a:hueOff val="0"/>
               <a:satOff val="0"/>
               <a:lumOff val="0"/>
@@ -2038,7 +3689,8 @@
           </a:avLst>
         </a:prstGeom>
         <a:solidFill>
-          <a:schemeClr val="accent1">
+          <a:schemeClr val="accent6">
+            <a:shade val="80000"/>
             <a:hueOff val="0"/>
             <a:satOff val="0"/>
             <a:lumOff val="0"/>
@@ -2132,8 +3784,8 @@
         <a:noFill/>
         <a:ln w="12700" cap="flat" cmpd="sng" algn="ctr">
           <a:solidFill>
-            <a:schemeClr val="accent1">
-              <a:shade val="80000"/>
+            <a:schemeClr val="accent6">
+              <a:tint val="70000"/>
               <a:hueOff val="0"/>
               <a:satOff val="0"/>
               <a:lumOff val="0"/>
@@ -2199,7 +3851,8 @@
           </a:avLst>
         </a:prstGeom>
         <a:solidFill>
-          <a:schemeClr val="accent1">
+          <a:schemeClr val="accent6">
+            <a:tint val="99000"/>
             <a:hueOff val="0"/>
             <a:satOff val="0"/>
             <a:lumOff val="0"/>
@@ -2294,8 +3947,8 @@
         <a:noFill/>
         <a:ln w="12700" cap="flat" cmpd="sng" algn="ctr">
           <a:solidFill>
-            <a:schemeClr val="accent1">
-              <a:shade val="60000"/>
+            <a:schemeClr val="accent6">
+              <a:tint val="90000"/>
               <a:hueOff val="0"/>
               <a:satOff val="0"/>
               <a:lumOff val="0"/>
@@ -2361,7 +4014,8 @@
           </a:avLst>
         </a:prstGeom>
         <a:solidFill>
-          <a:schemeClr val="accent1">
+          <a:schemeClr val="accent6">
+            <a:shade val="80000"/>
             <a:hueOff val="0"/>
             <a:satOff val="0"/>
             <a:lumOff val="0"/>
@@ -2424,6 +4078,1401 @@
       <dsp:txXfrm>
         <a:off x="1347449" y="1952021"/>
         <a:ext cx="924601" cy="448351"/>
+      </dsp:txXfrm>
+    </dsp:sp>
+  </dsp:spTree>
+</dsp:drawing>
+</file>
+
+<file path=ppt/diagrams/drawing2.xml><?xml version="1.0" encoding="utf-8"?>
+<dsp:drawing xmlns:dgm="http://schemas.openxmlformats.org/drawingml/2006/diagram" xmlns:dsp="http://schemas.microsoft.com/office/drawing/2008/diagram" xmlns:a="http://schemas.openxmlformats.org/drawingml/2006/main">
+  <dsp:spTree>
+    <dsp:nvGrpSpPr>
+      <dsp:cNvPr id="0" name=""/>
+      <dsp:cNvGrpSpPr/>
+    </dsp:nvGrpSpPr>
+    <dsp:grpSpPr/>
+    <dsp:sp modelId="{AD8C8B1B-021B-0244-BB9B-55C4E4B798D4}">
+      <dsp:nvSpPr>
+        <dsp:cNvPr id="0" name=""/>
+        <dsp:cNvSpPr/>
+      </dsp:nvSpPr>
+      <dsp:spPr>
+        <a:xfrm>
+          <a:off x="529" y="1280732"/>
+          <a:ext cx="695854" cy="347927"/>
+        </a:xfrm>
+        <a:prstGeom prst="roundRect">
+          <a:avLst>
+            <a:gd name="adj" fmla="val 10000"/>
+          </a:avLst>
+        </a:prstGeom>
+        <a:solidFill>
+          <a:schemeClr val="accent6">
+            <a:shade val="60000"/>
+            <a:hueOff val="0"/>
+            <a:satOff val="0"/>
+            <a:lumOff val="0"/>
+            <a:alphaOff val="0"/>
+          </a:schemeClr>
+        </a:solidFill>
+        <a:ln w="12700" cap="flat" cmpd="sng" algn="ctr">
+          <a:solidFill>
+            <a:schemeClr val="lt1">
+              <a:hueOff val="0"/>
+              <a:satOff val="0"/>
+              <a:lumOff val="0"/>
+              <a:alphaOff val="0"/>
+            </a:schemeClr>
+          </a:solidFill>
+          <a:prstDash val="solid"/>
+          <a:miter lim="800000"/>
+        </a:ln>
+        <a:effectLst/>
+      </dsp:spPr>
+      <dsp:style>
+        <a:lnRef idx="2">
+          <a:scrgbClr r="0" g="0" b="0"/>
+        </a:lnRef>
+        <a:fillRef idx="1">
+          <a:scrgbClr r="0" g="0" b="0"/>
+        </a:fillRef>
+        <a:effectRef idx="0">
+          <a:scrgbClr r="0" g="0" b="0"/>
+        </a:effectRef>
+        <a:fontRef idx="minor">
+          <a:schemeClr val="lt1"/>
+        </a:fontRef>
+      </dsp:style>
+      <dsp:txBody>
+        <a:bodyPr spcFirstLastPara="0" vert="horz" wrap="square" lIns="5080" tIns="5080" rIns="5080" bIns="5080" numCol="1" spcCol="1270" anchor="ctr" anchorCtr="0">
+          <a:noAutofit/>
+        </a:bodyPr>
+        <a:lstStyle/>
+        <a:p>
+          <a:pPr marL="0" lvl="0" indent="0" algn="ctr" defTabSz="355600">
+            <a:lnSpc>
+              <a:spcPct val="90000"/>
+            </a:lnSpc>
+            <a:spcBef>
+              <a:spcPct val="0"/>
+            </a:spcBef>
+            <a:spcAft>
+              <a:spcPct val="35000"/>
+            </a:spcAft>
+            <a:buNone/>
+          </a:pPr>
+          <a:r>
+            <a:rPr lang="en-US" sz="800" kern="1200" dirty="0"/>
+            <a:t>Root</a:t>
+          </a:r>
+        </a:p>
+      </dsp:txBody>
+      <dsp:txXfrm>
+        <a:off x="10719" y="1290922"/>
+        <a:ext cx="675474" cy="327547"/>
+      </dsp:txXfrm>
+    </dsp:sp>
+    <dsp:sp modelId="{3AC78F2F-1B24-8B49-8E7E-6870FB278B1A}">
+      <dsp:nvSpPr>
+        <dsp:cNvPr id="0" name=""/>
+        <dsp:cNvSpPr/>
+      </dsp:nvSpPr>
+      <dsp:spPr>
+        <a:xfrm rot="17692822">
+          <a:off x="504766" y="1143050"/>
+          <a:ext cx="661576" cy="23115"/>
+        </a:xfrm>
+        <a:custGeom>
+          <a:avLst/>
+          <a:gdLst/>
+          <a:ahLst/>
+          <a:cxnLst/>
+          <a:rect l="0" t="0" r="0" b="0"/>
+          <a:pathLst>
+            <a:path>
+              <a:moveTo>
+                <a:pt x="0" y="11557"/>
+              </a:moveTo>
+              <a:lnTo>
+                <a:pt x="661576" y="11557"/>
+              </a:lnTo>
+            </a:path>
+          </a:pathLst>
+        </a:custGeom>
+        <a:noFill/>
+        <a:ln w="12700" cap="flat" cmpd="sng" algn="ctr">
+          <a:solidFill>
+            <a:schemeClr val="accent6">
+              <a:tint val="90000"/>
+              <a:hueOff val="0"/>
+              <a:satOff val="0"/>
+              <a:lumOff val="0"/>
+              <a:alphaOff val="0"/>
+            </a:schemeClr>
+          </a:solidFill>
+          <a:prstDash val="solid"/>
+          <a:miter lim="800000"/>
+        </a:ln>
+        <a:effectLst/>
+      </dsp:spPr>
+      <dsp:style>
+        <a:lnRef idx="2">
+          <a:scrgbClr r="0" g="0" b="0"/>
+        </a:lnRef>
+        <a:fillRef idx="0">
+          <a:scrgbClr r="0" g="0" b="0"/>
+        </a:fillRef>
+        <a:effectRef idx="0">
+          <a:scrgbClr r="0" g="0" b="0"/>
+        </a:effectRef>
+        <a:fontRef idx="minor"/>
+      </dsp:style>
+      <dsp:txBody>
+        <a:bodyPr spcFirstLastPara="0" vert="horz" wrap="square" lIns="12700" tIns="0" rIns="12700" bIns="0" numCol="1" spcCol="1270" anchor="ctr" anchorCtr="0">
+          <a:noAutofit/>
+        </a:bodyPr>
+        <a:lstStyle/>
+        <a:p>
+          <a:pPr marL="0" lvl="0" indent="0" algn="ctr" defTabSz="222250">
+            <a:lnSpc>
+              <a:spcPct val="90000"/>
+            </a:lnSpc>
+            <a:spcBef>
+              <a:spcPct val="0"/>
+            </a:spcBef>
+            <a:spcAft>
+              <a:spcPct val="35000"/>
+            </a:spcAft>
+            <a:buNone/>
+          </a:pPr>
+          <a:endParaRPr lang="en-US" sz="500" kern="1200"/>
+        </a:p>
+      </dsp:txBody>
+      <dsp:txXfrm>
+        <a:off x="819014" y="1138069"/>
+        <a:ext cx="33078" cy="33078"/>
+      </dsp:txXfrm>
+    </dsp:sp>
+    <dsp:sp modelId="{3DCF7715-F7AA-A040-94EE-8B5279109B56}">
+      <dsp:nvSpPr>
+        <dsp:cNvPr id="0" name=""/>
+        <dsp:cNvSpPr/>
+      </dsp:nvSpPr>
+      <dsp:spPr>
+        <a:xfrm>
+          <a:off x="974725" y="680557"/>
+          <a:ext cx="695854" cy="347927"/>
+        </a:xfrm>
+        <a:prstGeom prst="roundRect">
+          <a:avLst>
+            <a:gd name="adj" fmla="val 10000"/>
+          </a:avLst>
+        </a:prstGeom>
+        <a:solidFill>
+          <a:schemeClr val="accent6">
+            <a:shade val="80000"/>
+            <a:hueOff val="0"/>
+            <a:satOff val="0"/>
+            <a:lumOff val="0"/>
+            <a:alphaOff val="0"/>
+          </a:schemeClr>
+        </a:solidFill>
+        <a:ln w="12700" cap="flat" cmpd="sng" algn="ctr">
+          <a:solidFill>
+            <a:schemeClr val="lt1">
+              <a:hueOff val="0"/>
+              <a:satOff val="0"/>
+              <a:lumOff val="0"/>
+              <a:alphaOff val="0"/>
+            </a:schemeClr>
+          </a:solidFill>
+          <a:prstDash val="solid"/>
+          <a:miter lim="800000"/>
+        </a:ln>
+        <a:effectLst/>
+      </dsp:spPr>
+      <dsp:style>
+        <a:lnRef idx="2">
+          <a:scrgbClr r="0" g="0" b="0"/>
+        </a:lnRef>
+        <a:fillRef idx="1">
+          <a:scrgbClr r="0" g="0" b="0"/>
+        </a:fillRef>
+        <a:effectRef idx="0">
+          <a:scrgbClr r="0" g="0" b="0"/>
+        </a:effectRef>
+        <a:fontRef idx="minor">
+          <a:schemeClr val="lt1"/>
+        </a:fontRef>
+      </dsp:style>
+      <dsp:txBody>
+        <a:bodyPr spcFirstLastPara="0" vert="horz" wrap="square" lIns="5080" tIns="5080" rIns="5080" bIns="5080" numCol="1" spcCol="1270" anchor="ctr" anchorCtr="0">
+          <a:noAutofit/>
+        </a:bodyPr>
+        <a:lstStyle/>
+        <a:p>
+          <a:pPr marL="0" lvl="0" indent="0" algn="ctr" defTabSz="355600">
+            <a:lnSpc>
+              <a:spcPct val="90000"/>
+            </a:lnSpc>
+            <a:spcBef>
+              <a:spcPct val="0"/>
+            </a:spcBef>
+            <a:spcAft>
+              <a:spcPct val="35000"/>
+            </a:spcAft>
+            <a:buNone/>
+          </a:pPr>
+          <a:r>
+            <a:rPr lang="en-US" sz="800" kern="1200" dirty="0"/>
+            <a:t>web</a:t>
+          </a:r>
+        </a:p>
+      </dsp:txBody>
+      <dsp:txXfrm>
+        <a:off x="984915" y="690747"/>
+        <a:ext cx="675474" cy="327547"/>
+      </dsp:txXfrm>
+    </dsp:sp>
+    <dsp:sp modelId="{C751F64C-D3AD-1341-91BE-FDEBCE8F183E}">
+      <dsp:nvSpPr>
+        <dsp:cNvPr id="0" name=""/>
+        <dsp:cNvSpPr/>
+      </dsp:nvSpPr>
+      <dsp:spPr>
+        <a:xfrm rot="19457599">
+          <a:off x="1638360" y="742934"/>
+          <a:ext cx="342778" cy="23115"/>
+        </a:xfrm>
+        <a:custGeom>
+          <a:avLst/>
+          <a:gdLst/>
+          <a:ahLst/>
+          <a:cxnLst/>
+          <a:rect l="0" t="0" r="0" b="0"/>
+          <a:pathLst>
+            <a:path>
+              <a:moveTo>
+                <a:pt x="0" y="11557"/>
+              </a:moveTo>
+              <a:lnTo>
+                <a:pt x="342778" y="11557"/>
+              </a:lnTo>
+            </a:path>
+          </a:pathLst>
+        </a:custGeom>
+        <a:noFill/>
+        <a:ln w="12700" cap="flat" cmpd="sng" algn="ctr">
+          <a:solidFill>
+            <a:schemeClr val="accent6">
+              <a:tint val="70000"/>
+              <a:hueOff val="0"/>
+              <a:satOff val="0"/>
+              <a:lumOff val="0"/>
+              <a:alphaOff val="0"/>
+            </a:schemeClr>
+          </a:solidFill>
+          <a:prstDash val="solid"/>
+          <a:miter lim="800000"/>
+        </a:ln>
+        <a:effectLst/>
+      </dsp:spPr>
+      <dsp:style>
+        <a:lnRef idx="2">
+          <a:scrgbClr r="0" g="0" b="0"/>
+        </a:lnRef>
+        <a:fillRef idx="0">
+          <a:scrgbClr r="0" g="0" b="0"/>
+        </a:fillRef>
+        <a:effectRef idx="0">
+          <a:scrgbClr r="0" g="0" b="0"/>
+        </a:effectRef>
+        <a:fontRef idx="minor"/>
+      </dsp:style>
+      <dsp:txBody>
+        <a:bodyPr spcFirstLastPara="0" vert="horz" wrap="square" lIns="12700" tIns="0" rIns="12700" bIns="0" numCol="1" spcCol="1270" anchor="ctr" anchorCtr="0">
+          <a:noAutofit/>
+        </a:bodyPr>
+        <a:lstStyle/>
+        <a:p>
+          <a:pPr marL="0" lvl="0" indent="0" algn="ctr" defTabSz="222250">
+            <a:lnSpc>
+              <a:spcPct val="90000"/>
+            </a:lnSpc>
+            <a:spcBef>
+              <a:spcPct val="0"/>
+            </a:spcBef>
+            <a:spcAft>
+              <a:spcPct val="35000"/>
+            </a:spcAft>
+            <a:buNone/>
+          </a:pPr>
+          <a:endParaRPr lang="en-US" sz="500" kern="1200"/>
+        </a:p>
+      </dsp:txBody>
+      <dsp:txXfrm>
+        <a:off x="1801180" y="745922"/>
+        <a:ext cx="17138" cy="17138"/>
+      </dsp:txXfrm>
+    </dsp:sp>
+    <dsp:sp modelId="{33391D5A-6D9C-8F49-94DA-87977452523B}">
+      <dsp:nvSpPr>
+        <dsp:cNvPr id="0" name=""/>
+        <dsp:cNvSpPr/>
+      </dsp:nvSpPr>
+      <dsp:spPr>
+        <a:xfrm>
+          <a:off x="1948920" y="480499"/>
+          <a:ext cx="695854" cy="347927"/>
+        </a:xfrm>
+        <a:prstGeom prst="roundRect">
+          <a:avLst>
+            <a:gd name="adj" fmla="val 10000"/>
+          </a:avLst>
+        </a:prstGeom>
+        <a:solidFill>
+          <a:schemeClr val="accent6">
+            <a:tint val="99000"/>
+            <a:hueOff val="0"/>
+            <a:satOff val="0"/>
+            <a:lumOff val="0"/>
+            <a:alphaOff val="0"/>
+          </a:schemeClr>
+        </a:solidFill>
+        <a:ln w="12700" cap="flat" cmpd="sng" algn="ctr">
+          <a:solidFill>
+            <a:schemeClr val="lt1">
+              <a:hueOff val="0"/>
+              <a:satOff val="0"/>
+              <a:lumOff val="0"/>
+              <a:alphaOff val="0"/>
+            </a:schemeClr>
+          </a:solidFill>
+          <a:prstDash val="solid"/>
+          <a:miter lim="800000"/>
+        </a:ln>
+        <a:effectLst/>
+      </dsp:spPr>
+      <dsp:style>
+        <a:lnRef idx="2">
+          <a:scrgbClr r="0" g="0" b="0"/>
+        </a:lnRef>
+        <a:fillRef idx="1">
+          <a:scrgbClr r="0" g="0" b="0"/>
+        </a:fillRef>
+        <a:effectRef idx="0">
+          <a:scrgbClr r="0" g="0" b="0"/>
+        </a:effectRef>
+        <a:fontRef idx="minor">
+          <a:schemeClr val="lt1"/>
+        </a:fontRef>
+      </dsp:style>
+      <dsp:txBody>
+        <a:bodyPr spcFirstLastPara="0" vert="horz" wrap="square" lIns="5080" tIns="5080" rIns="5080" bIns="5080" numCol="1" spcCol="1270" anchor="ctr" anchorCtr="0">
+          <a:noAutofit/>
+        </a:bodyPr>
+        <a:lstStyle/>
+        <a:p>
+          <a:pPr marL="0" lvl="0" indent="0" algn="ctr" defTabSz="355600">
+            <a:lnSpc>
+              <a:spcPct val="90000"/>
+            </a:lnSpc>
+            <a:spcBef>
+              <a:spcPct val="0"/>
+            </a:spcBef>
+            <a:spcAft>
+              <a:spcPct val="35000"/>
+            </a:spcAft>
+            <a:buNone/>
+          </a:pPr>
+          <a:r>
+            <a:rPr lang="en-US" sz="800" kern="1200" dirty="0" err="1"/>
+            <a:t>index.php</a:t>
+          </a:r>
+          <a:endParaRPr lang="en-US" sz="800" kern="1200" dirty="0"/>
+        </a:p>
+      </dsp:txBody>
+      <dsp:txXfrm>
+        <a:off x="1959110" y="490689"/>
+        <a:ext cx="675474" cy="327547"/>
+      </dsp:txXfrm>
+    </dsp:sp>
+    <dsp:sp modelId="{DC114F2E-5EDF-6E42-AC5A-E6A700211480}">
+      <dsp:nvSpPr>
+        <dsp:cNvPr id="0" name=""/>
+        <dsp:cNvSpPr/>
+      </dsp:nvSpPr>
+      <dsp:spPr>
+        <a:xfrm rot="2142401">
+          <a:off x="1638360" y="942992"/>
+          <a:ext cx="342778" cy="23115"/>
+        </a:xfrm>
+        <a:custGeom>
+          <a:avLst/>
+          <a:gdLst/>
+          <a:ahLst/>
+          <a:cxnLst/>
+          <a:rect l="0" t="0" r="0" b="0"/>
+          <a:pathLst>
+            <a:path>
+              <a:moveTo>
+                <a:pt x="0" y="11557"/>
+              </a:moveTo>
+              <a:lnTo>
+                <a:pt x="342778" y="11557"/>
+              </a:lnTo>
+            </a:path>
+          </a:pathLst>
+        </a:custGeom>
+        <a:noFill/>
+        <a:ln w="12700" cap="flat" cmpd="sng" algn="ctr">
+          <a:solidFill>
+            <a:schemeClr val="accent6">
+              <a:tint val="70000"/>
+              <a:hueOff val="0"/>
+              <a:satOff val="0"/>
+              <a:lumOff val="0"/>
+              <a:alphaOff val="0"/>
+            </a:schemeClr>
+          </a:solidFill>
+          <a:prstDash val="solid"/>
+          <a:miter lim="800000"/>
+        </a:ln>
+        <a:effectLst/>
+      </dsp:spPr>
+      <dsp:style>
+        <a:lnRef idx="2">
+          <a:scrgbClr r="0" g="0" b="0"/>
+        </a:lnRef>
+        <a:fillRef idx="0">
+          <a:scrgbClr r="0" g="0" b="0"/>
+        </a:fillRef>
+        <a:effectRef idx="0">
+          <a:scrgbClr r="0" g="0" b="0"/>
+        </a:effectRef>
+        <a:fontRef idx="minor"/>
+      </dsp:style>
+      <dsp:txBody>
+        <a:bodyPr spcFirstLastPara="0" vert="horz" wrap="square" lIns="12700" tIns="0" rIns="12700" bIns="0" numCol="1" spcCol="1270" anchor="ctr" anchorCtr="0">
+          <a:noAutofit/>
+        </a:bodyPr>
+        <a:lstStyle/>
+        <a:p>
+          <a:pPr marL="0" lvl="0" indent="0" algn="ctr" defTabSz="222250">
+            <a:lnSpc>
+              <a:spcPct val="90000"/>
+            </a:lnSpc>
+            <a:spcBef>
+              <a:spcPct val="0"/>
+            </a:spcBef>
+            <a:spcAft>
+              <a:spcPct val="35000"/>
+            </a:spcAft>
+            <a:buNone/>
+          </a:pPr>
+          <a:endParaRPr lang="en-US" sz="500" kern="1200"/>
+        </a:p>
+      </dsp:txBody>
+      <dsp:txXfrm>
+        <a:off x="1801180" y="945980"/>
+        <a:ext cx="17138" cy="17138"/>
+      </dsp:txXfrm>
+    </dsp:sp>
+    <dsp:sp modelId="{C09D9E6A-324F-834B-A169-077C50CD7ABD}">
+      <dsp:nvSpPr>
+        <dsp:cNvPr id="0" name=""/>
+        <dsp:cNvSpPr/>
+      </dsp:nvSpPr>
+      <dsp:spPr>
+        <a:xfrm>
+          <a:off x="1948920" y="880615"/>
+          <a:ext cx="695854" cy="347927"/>
+        </a:xfrm>
+        <a:prstGeom prst="roundRect">
+          <a:avLst>
+            <a:gd name="adj" fmla="val 10000"/>
+          </a:avLst>
+        </a:prstGeom>
+        <a:solidFill>
+          <a:schemeClr val="accent6">
+            <a:tint val="99000"/>
+            <a:hueOff val="0"/>
+            <a:satOff val="0"/>
+            <a:lumOff val="0"/>
+            <a:alphaOff val="0"/>
+          </a:schemeClr>
+        </a:solidFill>
+        <a:ln w="12700" cap="flat" cmpd="sng" algn="ctr">
+          <a:solidFill>
+            <a:schemeClr val="lt1">
+              <a:hueOff val="0"/>
+              <a:satOff val="0"/>
+              <a:lumOff val="0"/>
+              <a:alphaOff val="0"/>
+            </a:schemeClr>
+          </a:solidFill>
+          <a:prstDash val="solid"/>
+          <a:miter lim="800000"/>
+        </a:ln>
+        <a:effectLst/>
+      </dsp:spPr>
+      <dsp:style>
+        <a:lnRef idx="2">
+          <a:scrgbClr r="0" g="0" b="0"/>
+        </a:lnRef>
+        <a:fillRef idx="1">
+          <a:scrgbClr r="0" g="0" b="0"/>
+        </a:fillRef>
+        <a:effectRef idx="0">
+          <a:scrgbClr r="0" g="0" b="0"/>
+        </a:effectRef>
+        <a:fontRef idx="minor">
+          <a:schemeClr val="lt1"/>
+        </a:fontRef>
+      </dsp:style>
+      <dsp:txBody>
+        <a:bodyPr spcFirstLastPara="0" vert="horz" wrap="square" lIns="5080" tIns="5080" rIns="5080" bIns="5080" numCol="1" spcCol="1270" anchor="ctr" anchorCtr="0">
+          <a:noAutofit/>
+        </a:bodyPr>
+        <a:lstStyle/>
+        <a:p>
+          <a:pPr marL="0" lvl="0" indent="0" algn="ctr" defTabSz="355600">
+            <a:lnSpc>
+              <a:spcPct val="90000"/>
+            </a:lnSpc>
+            <a:spcBef>
+              <a:spcPct val="0"/>
+            </a:spcBef>
+            <a:spcAft>
+              <a:spcPct val="35000"/>
+            </a:spcAft>
+            <a:buNone/>
+          </a:pPr>
+          <a:r>
+            <a:rPr lang="en-US" sz="800" kern="1200" dirty="0" err="1"/>
+            <a:t>ma_page.php</a:t>
+          </a:r>
+          <a:endParaRPr lang="en-US" sz="800" kern="1200" dirty="0"/>
+        </a:p>
+      </dsp:txBody>
+      <dsp:txXfrm>
+        <a:off x="1959110" y="890805"/>
+        <a:ext cx="675474" cy="327547"/>
+      </dsp:txXfrm>
+    </dsp:sp>
+    <dsp:sp modelId="{56E5EE07-3148-B748-9392-E469372FA3DF}">
+      <dsp:nvSpPr>
+        <dsp:cNvPr id="0" name=""/>
+        <dsp:cNvSpPr/>
+      </dsp:nvSpPr>
+      <dsp:spPr>
+        <a:xfrm rot="2142401">
+          <a:off x="664164" y="1543166"/>
+          <a:ext cx="342778" cy="23115"/>
+        </a:xfrm>
+        <a:custGeom>
+          <a:avLst/>
+          <a:gdLst/>
+          <a:ahLst/>
+          <a:cxnLst/>
+          <a:rect l="0" t="0" r="0" b="0"/>
+          <a:pathLst>
+            <a:path>
+              <a:moveTo>
+                <a:pt x="0" y="11557"/>
+              </a:moveTo>
+              <a:lnTo>
+                <a:pt x="342778" y="11557"/>
+              </a:lnTo>
+            </a:path>
+          </a:pathLst>
+        </a:custGeom>
+        <a:noFill/>
+        <a:ln w="12700" cap="flat" cmpd="sng" algn="ctr">
+          <a:solidFill>
+            <a:schemeClr val="accent6">
+              <a:tint val="90000"/>
+              <a:hueOff val="0"/>
+              <a:satOff val="0"/>
+              <a:lumOff val="0"/>
+              <a:alphaOff val="0"/>
+            </a:schemeClr>
+          </a:solidFill>
+          <a:prstDash val="solid"/>
+          <a:miter lim="800000"/>
+        </a:ln>
+        <a:effectLst/>
+      </dsp:spPr>
+      <dsp:style>
+        <a:lnRef idx="2">
+          <a:scrgbClr r="0" g="0" b="0"/>
+        </a:lnRef>
+        <a:fillRef idx="0">
+          <a:scrgbClr r="0" g="0" b="0"/>
+        </a:fillRef>
+        <a:effectRef idx="0">
+          <a:scrgbClr r="0" g="0" b="0"/>
+        </a:effectRef>
+        <a:fontRef idx="minor"/>
+      </dsp:style>
+      <dsp:txBody>
+        <a:bodyPr spcFirstLastPara="0" vert="horz" wrap="square" lIns="12700" tIns="0" rIns="12700" bIns="0" numCol="1" spcCol="1270" anchor="ctr" anchorCtr="0">
+          <a:noAutofit/>
+        </a:bodyPr>
+        <a:lstStyle/>
+        <a:p>
+          <a:pPr marL="0" lvl="0" indent="0" algn="ctr" defTabSz="222250">
+            <a:lnSpc>
+              <a:spcPct val="90000"/>
+            </a:lnSpc>
+            <a:spcBef>
+              <a:spcPct val="0"/>
+            </a:spcBef>
+            <a:spcAft>
+              <a:spcPct val="35000"/>
+            </a:spcAft>
+            <a:buNone/>
+          </a:pPr>
+          <a:endParaRPr lang="en-US" sz="500" kern="1200"/>
+        </a:p>
+      </dsp:txBody>
+      <dsp:txXfrm>
+        <a:off x="826984" y="1546155"/>
+        <a:ext cx="17138" cy="17138"/>
+      </dsp:txXfrm>
+    </dsp:sp>
+    <dsp:sp modelId="{6C594C74-5CE8-4646-A8BD-6991672402D6}">
+      <dsp:nvSpPr>
+        <dsp:cNvPr id="0" name=""/>
+        <dsp:cNvSpPr/>
+      </dsp:nvSpPr>
+      <dsp:spPr>
+        <a:xfrm>
+          <a:off x="974725" y="1480790"/>
+          <a:ext cx="695854" cy="347927"/>
+        </a:xfrm>
+        <a:prstGeom prst="roundRect">
+          <a:avLst>
+            <a:gd name="adj" fmla="val 10000"/>
+          </a:avLst>
+        </a:prstGeom>
+        <a:solidFill>
+          <a:schemeClr val="accent6">
+            <a:shade val="80000"/>
+            <a:hueOff val="0"/>
+            <a:satOff val="0"/>
+            <a:lumOff val="0"/>
+            <a:alphaOff val="0"/>
+          </a:schemeClr>
+        </a:solidFill>
+        <a:ln w="12700" cap="flat" cmpd="sng" algn="ctr">
+          <a:solidFill>
+            <a:schemeClr val="lt1">
+              <a:hueOff val="0"/>
+              <a:satOff val="0"/>
+              <a:lumOff val="0"/>
+              <a:alphaOff val="0"/>
+            </a:schemeClr>
+          </a:solidFill>
+          <a:prstDash val="solid"/>
+          <a:miter lim="800000"/>
+        </a:ln>
+        <a:effectLst/>
+      </dsp:spPr>
+      <dsp:style>
+        <a:lnRef idx="2">
+          <a:scrgbClr r="0" g="0" b="0"/>
+        </a:lnRef>
+        <a:fillRef idx="1">
+          <a:scrgbClr r="0" g="0" b="0"/>
+        </a:fillRef>
+        <a:effectRef idx="0">
+          <a:scrgbClr r="0" g="0" b="0"/>
+        </a:effectRef>
+        <a:fontRef idx="minor">
+          <a:schemeClr val="lt1"/>
+        </a:fontRef>
+      </dsp:style>
+      <dsp:txBody>
+        <a:bodyPr spcFirstLastPara="0" vert="horz" wrap="square" lIns="5080" tIns="5080" rIns="5080" bIns="5080" numCol="1" spcCol="1270" anchor="ctr" anchorCtr="0">
+          <a:noAutofit/>
+        </a:bodyPr>
+        <a:lstStyle/>
+        <a:p>
+          <a:pPr marL="0" lvl="0" indent="0" algn="ctr" defTabSz="355600">
+            <a:lnSpc>
+              <a:spcPct val="90000"/>
+            </a:lnSpc>
+            <a:spcBef>
+              <a:spcPct val="0"/>
+            </a:spcBef>
+            <a:spcAft>
+              <a:spcPct val="35000"/>
+            </a:spcAft>
+            <a:buNone/>
+          </a:pPr>
+          <a:r>
+            <a:rPr lang="en-US" sz="800" kern="1200" dirty="0" err="1"/>
+            <a:t>api</a:t>
+          </a:r>
+          <a:endParaRPr lang="en-US" sz="800" kern="1200" dirty="0"/>
+        </a:p>
+      </dsp:txBody>
+      <dsp:txXfrm>
+        <a:off x="984915" y="1490980"/>
+        <a:ext cx="675474" cy="327547"/>
+      </dsp:txXfrm>
+    </dsp:sp>
+    <dsp:sp modelId="{A639F8C6-7609-074B-A2F0-7835CB2ABAF3}">
+      <dsp:nvSpPr>
+        <dsp:cNvPr id="0" name=""/>
+        <dsp:cNvSpPr/>
+      </dsp:nvSpPr>
+      <dsp:spPr>
+        <a:xfrm>
+          <a:off x="1670579" y="1643195"/>
+          <a:ext cx="278341" cy="23115"/>
+        </a:xfrm>
+        <a:custGeom>
+          <a:avLst/>
+          <a:gdLst/>
+          <a:ahLst/>
+          <a:cxnLst/>
+          <a:rect l="0" t="0" r="0" b="0"/>
+          <a:pathLst>
+            <a:path>
+              <a:moveTo>
+                <a:pt x="0" y="11557"/>
+              </a:moveTo>
+              <a:lnTo>
+                <a:pt x="278341" y="11557"/>
+              </a:lnTo>
+            </a:path>
+          </a:pathLst>
+        </a:custGeom>
+        <a:noFill/>
+        <a:ln w="12700" cap="flat" cmpd="sng" algn="ctr">
+          <a:solidFill>
+            <a:schemeClr val="accent6">
+              <a:tint val="70000"/>
+              <a:hueOff val="0"/>
+              <a:satOff val="0"/>
+              <a:lumOff val="0"/>
+              <a:alphaOff val="0"/>
+            </a:schemeClr>
+          </a:solidFill>
+          <a:prstDash val="solid"/>
+          <a:miter lim="800000"/>
+        </a:ln>
+        <a:effectLst/>
+      </dsp:spPr>
+      <dsp:style>
+        <a:lnRef idx="2">
+          <a:scrgbClr r="0" g="0" b="0"/>
+        </a:lnRef>
+        <a:fillRef idx="0">
+          <a:scrgbClr r="0" g="0" b="0"/>
+        </a:fillRef>
+        <a:effectRef idx="0">
+          <a:scrgbClr r="0" g="0" b="0"/>
+        </a:effectRef>
+        <a:fontRef idx="minor"/>
+      </dsp:style>
+      <dsp:txBody>
+        <a:bodyPr spcFirstLastPara="0" vert="horz" wrap="square" lIns="12700" tIns="0" rIns="12700" bIns="0" numCol="1" spcCol="1270" anchor="ctr" anchorCtr="0">
+          <a:noAutofit/>
+        </a:bodyPr>
+        <a:lstStyle/>
+        <a:p>
+          <a:pPr marL="0" lvl="0" indent="0" algn="ctr" defTabSz="222250">
+            <a:lnSpc>
+              <a:spcPct val="90000"/>
+            </a:lnSpc>
+            <a:spcBef>
+              <a:spcPct val="0"/>
+            </a:spcBef>
+            <a:spcAft>
+              <a:spcPct val="35000"/>
+            </a:spcAft>
+            <a:buNone/>
+          </a:pPr>
+          <a:endParaRPr lang="en-US" sz="500" kern="1200"/>
+        </a:p>
+      </dsp:txBody>
+      <dsp:txXfrm>
+        <a:off x="1802791" y="1647795"/>
+        <a:ext cx="13917" cy="13917"/>
+      </dsp:txXfrm>
+    </dsp:sp>
+    <dsp:sp modelId="{6572CC6F-7451-0846-A396-94EF4DF7F241}">
+      <dsp:nvSpPr>
+        <dsp:cNvPr id="0" name=""/>
+        <dsp:cNvSpPr/>
+      </dsp:nvSpPr>
+      <dsp:spPr>
+        <a:xfrm>
+          <a:off x="1948920" y="1480790"/>
+          <a:ext cx="695854" cy="347927"/>
+        </a:xfrm>
+        <a:prstGeom prst="roundRect">
+          <a:avLst>
+            <a:gd name="adj" fmla="val 10000"/>
+          </a:avLst>
+        </a:prstGeom>
+        <a:solidFill>
+          <a:schemeClr val="accent6">
+            <a:tint val="99000"/>
+            <a:hueOff val="0"/>
+            <a:satOff val="0"/>
+            <a:lumOff val="0"/>
+            <a:alphaOff val="0"/>
+          </a:schemeClr>
+        </a:solidFill>
+        <a:ln w="12700" cap="flat" cmpd="sng" algn="ctr">
+          <a:solidFill>
+            <a:schemeClr val="lt1">
+              <a:hueOff val="0"/>
+              <a:satOff val="0"/>
+              <a:lumOff val="0"/>
+              <a:alphaOff val="0"/>
+            </a:schemeClr>
+          </a:solidFill>
+          <a:prstDash val="solid"/>
+          <a:miter lim="800000"/>
+        </a:ln>
+        <a:effectLst/>
+      </dsp:spPr>
+      <dsp:style>
+        <a:lnRef idx="2">
+          <a:scrgbClr r="0" g="0" b="0"/>
+        </a:lnRef>
+        <a:fillRef idx="1">
+          <a:scrgbClr r="0" g="0" b="0"/>
+        </a:fillRef>
+        <a:effectRef idx="0">
+          <a:scrgbClr r="0" g="0" b="0"/>
+        </a:effectRef>
+        <a:fontRef idx="minor">
+          <a:schemeClr val="lt1"/>
+        </a:fontRef>
+      </dsp:style>
+      <dsp:txBody>
+        <a:bodyPr spcFirstLastPara="0" vert="horz" wrap="square" lIns="5080" tIns="5080" rIns="5080" bIns="5080" numCol="1" spcCol="1270" anchor="ctr" anchorCtr="0">
+          <a:noAutofit/>
+        </a:bodyPr>
+        <a:lstStyle/>
+        <a:p>
+          <a:pPr marL="0" lvl="0" indent="0" algn="ctr" defTabSz="355600">
+            <a:lnSpc>
+              <a:spcPct val="90000"/>
+            </a:lnSpc>
+            <a:spcBef>
+              <a:spcPct val="0"/>
+            </a:spcBef>
+            <a:spcAft>
+              <a:spcPct val="35000"/>
+            </a:spcAft>
+            <a:buNone/>
+          </a:pPr>
+          <a:r>
+            <a:rPr lang="en-US" sz="800" kern="1200" dirty="0"/>
+            <a:t>clients</a:t>
+          </a:r>
+        </a:p>
+      </dsp:txBody>
+      <dsp:txXfrm>
+        <a:off x="1959110" y="1490980"/>
+        <a:ext cx="675474" cy="327547"/>
+      </dsp:txXfrm>
+    </dsp:sp>
+    <dsp:sp modelId="{A4473233-2DA2-DE40-A14B-5ED6AD78AD4D}">
+      <dsp:nvSpPr>
+        <dsp:cNvPr id="0" name=""/>
+        <dsp:cNvSpPr/>
+      </dsp:nvSpPr>
+      <dsp:spPr>
+        <a:xfrm rot="19457599">
+          <a:off x="2612556" y="1543166"/>
+          <a:ext cx="342778" cy="23115"/>
+        </a:xfrm>
+        <a:custGeom>
+          <a:avLst/>
+          <a:gdLst/>
+          <a:ahLst/>
+          <a:cxnLst/>
+          <a:rect l="0" t="0" r="0" b="0"/>
+          <a:pathLst>
+            <a:path>
+              <a:moveTo>
+                <a:pt x="0" y="11557"/>
+              </a:moveTo>
+              <a:lnTo>
+                <a:pt x="342778" y="11557"/>
+              </a:lnTo>
+            </a:path>
+          </a:pathLst>
+        </a:custGeom>
+        <a:noFill/>
+        <a:ln w="12700" cap="flat" cmpd="sng" algn="ctr">
+          <a:solidFill>
+            <a:schemeClr val="accent6">
+              <a:tint val="50000"/>
+              <a:hueOff val="0"/>
+              <a:satOff val="0"/>
+              <a:lumOff val="0"/>
+              <a:alphaOff val="0"/>
+            </a:schemeClr>
+          </a:solidFill>
+          <a:prstDash val="solid"/>
+          <a:miter lim="800000"/>
+        </a:ln>
+        <a:effectLst/>
+      </dsp:spPr>
+      <dsp:style>
+        <a:lnRef idx="2">
+          <a:scrgbClr r="0" g="0" b="0"/>
+        </a:lnRef>
+        <a:fillRef idx="0">
+          <a:scrgbClr r="0" g="0" b="0"/>
+        </a:fillRef>
+        <a:effectRef idx="0">
+          <a:scrgbClr r="0" g="0" b="0"/>
+        </a:effectRef>
+        <a:fontRef idx="minor"/>
+      </dsp:style>
+      <dsp:txBody>
+        <a:bodyPr spcFirstLastPara="0" vert="horz" wrap="square" lIns="12700" tIns="0" rIns="12700" bIns="0" numCol="1" spcCol="1270" anchor="ctr" anchorCtr="0">
+          <a:noAutofit/>
+        </a:bodyPr>
+        <a:lstStyle/>
+        <a:p>
+          <a:pPr marL="0" lvl="0" indent="0" algn="ctr" defTabSz="222250">
+            <a:lnSpc>
+              <a:spcPct val="90000"/>
+            </a:lnSpc>
+            <a:spcBef>
+              <a:spcPct val="0"/>
+            </a:spcBef>
+            <a:spcAft>
+              <a:spcPct val="35000"/>
+            </a:spcAft>
+            <a:buNone/>
+          </a:pPr>
+          <a:endParaRPr lang="en-US" sz="500" kern="1200"/>
+        </a:p>
+      </dsp:txBody>
+      <dsp:txXfrm>
+        <a:off x="2775376" y="1546155"/>
+        <a:ext cx="17138" cy="17138"/>
+      </dsp:txXfrm>
+    </dsp:sp>
+    <dsp:sp modelId="{088D0DD8-8579-C746-8A93-D6FACD0FC1FB}">
+      <dsp:nvSpPr>
+        <dsp:cNvPr id="0" name=""/>
+        <dsp:cNvSpPr/>
+      </dsp:nvSpPr>
+      <dsp:spPr>
+        <a:xfrm>
+          <a:off x="2923116" y="1280732"/>
+          <a:ext cx="695854" cy="347927"/>
+        </a:xfrm>
+        <a:prstGeom prst="roundRect">
+          <a:avLst>
+            <a:gd name="adj" fmla="val 10000"/>
+          </a:avLst>
+        </a:prstGeom>
+        <a:solidFill>
+          <a:schemeClr val="accent6">
+            <a:tint val="70000"/>
+            <a:hueOff val="0"/>
+            <a:satOff val="0"/>
+            <a:lumOff val="0"/>
+            <a:alphaOff val="0"/>
+          </a:schemeClr>
+        </a:solidFill>
+        <a:ln w="12700" cap="flat" cmpd="sng" algn="ctr">
+          <a:solidFill>
+            <a:schemeClr val="lt1">
+              <a:hueOff val="0"/>
+              <a:satOff val="0"/>
+              <a:lumOff val="0"/>
+              <a:alphaOff val="0"/>
+            </a:schemeClr>
+          </a:solidFill>
+          <a:prstDash val="solid"/>
+          <a:miter lim="800000"/>
+        </a:ln>
+        <a:effectLst/>
+      </dsp:spPr>
+      <dsp:style>
+        <a:lnRef idx="2">
+          <a:scrgbClr r="0" g="0" b="0"/>
+        </a:lnRef>
+        <a:fillRef idx="1">
+          <a:scrgbClr r="0" g="0" b="0"/>
+        </a:fillRef>
+        <a:effectRef idx="0">
+          <a:scrgbClr r="0" g="0" b="0"/>
+        </a:effectRef>
+        <a:fontRef idx="minor">
+          <a:schemeClr val="lt1"/>
+        </a:fontRef>
+      </dsp:style>
+      <dsp:txBody>
+        <a:bodyPr spcFirstLastPara="0" vert="horz" wrap="square" lIns="5080" tIns="5080" rIns="5080" bIns="5080" numCol="1" spcCol="1270" anchor="ctr" anchorCtr="0">
+          <a:noAutofit/>
+        </a:bodyPr>
+        <a:lstStyle/>
+        <a:p>
+          <a:pPr marL="0" lvl="0" indent="0" algn="ctr" defTabSz="355600">
+            <a:lnSpc>
+              <a:spcPct val="90000"/>
+            </a:lnSpc>
+            <a:spcBef>
+              <a:spcPct val="0"/>
+            </a:spcBef>
+            <a:spcAft>
+              <a:spcPct val="35000"/>
+            </a:spcAft>
+            <a:buNone/>
+          </a:pPr>
+          <a:r>
+            <a:rPr lang="en-US" sz="800" kern="1200" dirty="0" err="1"/>
+            <a:t>getClients.php</a:t>
+          </a:r>
+          <a:endParaRPr lang="en-US" sz="800" kern="1200" dirty="0"/>
+        </a:p>
+      </dsp:txBody>
+      <dsp:txXfrm>
+        <a:off x="2933306" y="1290922"/>
+        <a:ext cx="675474" cy="327547"/>
+      </dsp:txXfrm>
+    </dsp:sp>
+    <dsp:sp modelId="{CB86404A-9438-9D4F-B2B0-548CC15B4EB2}">
+      <dsp:nvSpPr>
+        <dsp:cNvPr id="0" name=""/>
+        <dsp:cNvSpPr/>
+      </dsp:nvSpPr>
+      <dsp:spPr>
+        <a:xfrm rot="2142401">
+          <a:off x="2612556" y="1743224"/>
+          <a:ext cx="342778" cy="23115"/>
+        </a:xfrm>
+        <a:custGeom>
+          <a:avLst/>
+          <a:gdLst/>
+          <a:ahLst/>
+          <a:cxnLst/>
+          <a:rect l="0" t="0" r="0" b="0"/>
+          <a:pathLst>
+            <a:path>
+              <a:moveTo>
+                <a:pt x="0" y="11557"/>
+              </a:moveTo>
+              <a:lnTo>
+                <a:pt x="342778" y="11557"/>
+              </a:lnTo>
+            </a:path>
+          </a:pathLst>
+        </a:custGeom>
+        <a:noFill/>
+        <a:ln w="12700" cap="flat" cmpd="sng" algn="ctr">
+          <a:solidFill>
+            <a:schemeClr val="accent6">
+              <a:tint val="50000"/>
+              <a:hueOff val="0"/>
+              <a:satOff val="0"/>
+              <a:lumOff val="0"/>
+              <a:alphaOff val="0"/>
+            </a:schemeClr>
+          </a:solidFill>
+          <a:prstDash val="solid"/>
+          <a:miter lim="800000"/>
+        </a:ln>
+        <a:effectLst/>
+      </dsp:spPr>
+      <dsp:style>
+        <a:lnRef idx="2">
+          <a:scrgbClr r="0" g="0" b="0"/>
+        </a:lnRef>
+        <a:fillRef idx="0">
+          <a:scrgbClr r="0" g="0" b="0"/>
+        </a:fillRef>
+        <a:effectRef idx="0">
+          <a:scrgbClr r="0" g="0" b="0"/>
+        </a:effectRef>
+        <a:fontRef idx="minor"/>
+      </dsp:style>
+      <dsp:txBody>
+        <a:bodyPr spcFirstLastPara="0" vert="horz" wrap="square" lIns="12700" tIns="0" rIns="12700" bIns="0" numCol="1" spcCol="1270" anchor="ctr" anchorCtr="0">
+          <a:noAutofit/>
+        </a:bodyPr>
+        <a:lstStyle/>
+        <a:p>
+          <a:pPr marL="0" lvl="0" indent="0" algn="ctr" defTabSz="222250">
+            <a:lnSpc>
+              <a:spcPct val="90000"/>
+            </a:lnSpc>
+            <a:spcBef>
+              <a:spcPct val="0"/>
+            </a:spcBef>
+            <a:spcAft>
+              <a:spcPct val="35000"/>
+            </a:spcAft>
+            <a:buNone/>
+          </a:pPr>
+          <a:endParaRPr lang="en-US" sz="500" kern="1200"/>
+        </a:p>
+      </dsp:txBody>
+      <dsp:txXfrm>
+        <a:off x="2775376" y="1746213"/>
+        <a:ext cx="17138" cy="17138"/>
+      </dsp:txXfrm>
+    </dsp:sp>
+    <dsp:sp modelId="{E0F39DA9-7477-1D4F-9C4C-521C67211920}">
+      <dsp:nvSpPr>
+        <dsp:cNvPr id="0" name=""/>
+        <dsp:cNvSpPr/>
+      </dsp:nvSpPr>
+      <dsp:spPr>
+        <a:xfrm>
+          <a:off x="2923116" y="1680848"/>
+          <a:ext cx="695854" cy="347927"/>
+        </a:xfrm>
+        <a:prstGeom prst="roundRect">
+          <a:avLst>
+            <a:gd name="adj" fmla="val 10000"/>
+          </a:avLst>
+        </a:prstGeom>
+        <a:solidFill>
+          <a:schemeClr val="accent6">
+            <a:tint val="70000"/>
+            <a:hueOff val="0"/>
+            <a:satOff val="0"/>
+            <a:lumOff val="0"/>
+            <a:alphaOff val="0"/>
+          </a:schemeClr>
+        </a:solidFill>
+        <a:ln w="12700" cap="flat" cmpd="sng" algn="ctr">
+          <a:solidFill>
+            <a:schemeClr val="lt1">
+              <a:hueOff val="0"/>
+              <a:satOff val="0"/>
+              <a:lumOff val="0"/>
+              <a:alphaOff val="0"/>
+            </a:schemeClr>
+          </a:solidFill>
+          <a:prstDash val="solid"/>
+          <a:miter lim="800000"/>
+        </a:ln>
+        <a:effectLst/>
+      </dsp:spPr>
+      <dsp:style>
+        <a:lnRef idx="2">
+          <a:scrgbClr r="0" g="0" b="0"/>
+        </a:lnRef>
+        <a:fillRef idx="1">
+          <a:scrgbClr r="0" g="0" b="0"/>
+        </a:fillRef>
+        <a:effectRef idx="0">
+          <a:scrgbClr r="0" g="0" b="0"/>
+        </a:effectRef>
+        <a:fontRef idx="minor">
+          <a:schemeClr val="lt1"/>
+        </a:fontRef>
+      </dsp:style>
+      <dsp:txBody>
+        <a:bodyPr spcFirstLastPara="0" vert="horz" wrap="square" lIns="5080" tIns="5080" rIns="5080" bIns="5080" numCol="1" spcCol="1270" anchor="ctr" anchorCtr="0">
+          <a:noAutofit/>
+        </a:bodyPr>
+        <a:lstStyle/>
+        <a:p>
+          <a:pPr marL="0" lvl="0" indent="0" algn="ctr" defTabSz="355600">
+            <a:lnSpc>
+              <a:spcPct val="90000"/>
+            </a:lnSpc>
+            <a:spcBef>
+              <a:spcPct val="0"/>
+            </a:spcBef>
+            <a:spcAft>
+              <a:spcPct val="35000"/>
+            </a:spcAft>
+            <a:buNone/>
+          </a:pPr>
+          <a:r>
+            <a:rPr lang="en-US" sz="800" kern="1200" dirty="0" err="1"/>
+            <a:t>postClient.php</a:t>
+          </a:r>
+          <a:endParaRPr lang="en-US" sz="800" kern="1200" dirty="0"/>
+        </a:p>
+      </dsp:txBody>
+      <dsp:txXfrm>
+        <a:off x="2933306" y="1691038"/>
+        <a:ext cx="675474" cy="327547"/>
+      </dsp:txXfrm>
+    </dsp:sp>
+    <dsp:sp modelId="{868D541A-242B-4D48-AC18-80884F6F6FB1}">
+      <dsp:nvSpPr>
+        <dsp:cNvPr id="0" name=""/>
+        <dsp:cNvSpPr/>
+      </dsp:nvSpPr>
+      <dsp:spPr>
+        <a:xfrm rot="3907178">
+          <a:off x="504766" y="1743224"/>
+          <a:ext cx="661576" cy="23115"/>
+        </a:xfrm>
+        <a:custGeom>
+          <a:avLst/>
+          <a:gdLst/>
+          <a:ahLst/>
+          <a:cxnLst/>
+          <a:rect l="0" t="0" r="0" b="0"/>
+          <a:pathLst>
+            <a:path>
+              <a:moveTo>
+                <a:pt x="0" y="11557"/>
+              </a:moveTo>
+              <a:lnTo>
+                <a:pt x="661576" y="11557"/>
+              </a:lnTo>
+            </a:path>
+          </a:pathLst>
+        </a:custGeom>
+        <a:noFill/>
+        <a:ln w="12700" cap="flat" cmpd="sng" algn="ctr">
+          <a:solidFill>
+            <a:schemeClr val="accent6">
+              <a:tint val="90000"/>
+              <a:hueOff val="0"/>
+              <a:satOff val="0"/>
+              <a:lumOff val="0"/>
+              <a:alphaOff val="0"/>
+            </a:schemeClr>
+          </a:solidFill>
+          <a:prstDash val="solid"/>
+          <a:miter lim="800000"/>
+        </a:ln>
+        <a:effectLst/>
+      </dsp:spPr>
+      <dsp:style>
+        <a:lnRef idx="2">
+          <a:scrgbClr r="0" g="0" b="0"/>
+        </a:lnRef>
+        <a:fillRef idx="0">
+          <a:scrgbClr r="0" g="0" b="0"/>
+        </a:fillRef>
+        <a:effectRef idx="0">
+          <a:scrgbClr r="0" g="0" b="0"/>
+        </a:effectRef>
+        <a:fontRef idx="minor"/>
+      </dsp:style>
+      <dsp:txBody>
+        <a:bodyPr spcFirstLastPara="0" vert="horz" wrap="square" lIns="12700" tIns="0" rIns="12700" bIns="0" numCol="1" spcCol="1270" anchor="ctr" anchorCtr="0">
+          <a:noAutofit/>
+        </a:bodyPr>
+        <a:lstStyle/>
+        <a:p>
+          <a:pPr marL="0" lvl="0" indent="0" algn="ctr" defTabSz="222250">
+            <a:lnSpc>
+              <a:spcPct val="90000"/>
+            </a:lnSpc>
+            <a:spcBef>
+              <a:spcPct val="0"/>
+            </a:spcBef>
+            <a:spcAft>
+              <a:spcPct val="35000"/>
+            </a:spcAft>
+            <a:buNone/>
+          </a:pPr>
+          <a:endParaRPr lang="en-US" sz="500" kern="1200"/>
+        </a:p>
+      </dsp:txBody>
+      <dsp:txXfrm>
+        <a:off x="819014" y="1738243"/>
+        <a:ext cx="33078" cy="33078"/>
+      </dsp:txXfrm>
+    </dsp:sp>
+    <dsp:sp modelId="{B18233EB-8105-BE40-B187-6C6196C092DC}">
+      <dsp:nvSpPr>
+        <dsp:cNvPr id="0" name=""/>
+        <dsp:cNvSpPr/>
+      </dsp:nvSpPr>
+      <dsp:spPr>
+        <a:xfrm>
+          <a:off x="974725" y="1880906"/>
+          <a:ext cx="695854" cy="347927"/>
+        </a:xfrm>
+        <a:prstGeom prst="roundRect">
+          <a:avLst>
+            <a:gd name="adj" fmla="val 10000"/>
+          </a:avLst>
+        </a:prstGeom>
+        <a:solidFill>
+          <a:schemeClr val="accent6">
+            <a:shade val="80000"/>
+            <a:hueOff val="0"/>
+            <a:satOff val="0"/>
+            <a:lumOff val="0"/>
+            <a:alphaOff val="0"/>
+          </a:schemeClr>
+        </a:solidFill>
+        <a:ln w="12700" cap="flat" cmpd="sng" algn="ctr">
+          <a:solidFill>
+            <a:schemeClr val="lt1">
+              <a:hueOff val="0"/>
+              <a:satOff val="0"/>
+              <a:lumOff val="0"/>
+              <a:alphaOff val="0"/>
+            </a:schemeClr>
+          </a:solidFill>
+          <a:prstDash val="solid"/>
+          <a:miter lim="800000"/>
+        </a:ln>
+        <a:effectLst/>
+      </dsp:spPr>
+      <dsp:style>
+        <a:lnRef idx="2">
+          <a:scrgbClr r="0" g="0" b="0"/>
+        </a:lnRef>
+        <a:fillRef idx="1">
+          <a:scrgbClr r="0" g="0" b="0"/>
+        </a:fillRef>
+        <a:effectRef idx="0">
+          <a:scrgbClr r="0" g="0" b="0"/>
+        </a:effectRef>
+        <a:fontRef idx="minor">
+          <a:schemeClr val="lt1"/>
+        </a:fontRef>
+      </dsp:style>
+      <dsp:txBody>
+        <a:bodyPr spcFirstLastPara="0" vert="horz" wrap="square" lIns="5080" tIns="5080" rIns="5080" bIns="5080" numCol="1" spcCol="1270" anchor="ctr" anchorCtr="0">
+          <a:noAutofit/>
+        </a:bodyPr>
+        <a:lstStyle/>
+        <a:p>
+          <a:pPr marL="0" lvl="0" indent="0" algn="ctr" defTabSz="355600">
+            <a:lnSpc>
+              <a:spcPct val="90000"/>
+            </a:lnSpc>
+            <a:spcBef>
+              <a:spcPct val="0"/>
+            </a:spcBef>
+            <a:spcAft>
+              <a:spcPct val="35000"/>
+            </a:spcAft>
+            <a:buNone/>
+          </a:pPr>
+          <a:r>
+            <a:rPr lang="en-US" sz="800" kern="1200" dirty="0" err="1"/>
+            <a:t>routes.php</a:t>
+          </a:r>
+          <a:endParaRPr lang="en-US" sz="800" kern="1200" dirty="0"/>
+        </a:p>
+      </dsp:txBody>
+      <dsp:txXfrm>
+        <a:off x="984915" y="1891096"/>
+        <a:ext cx="675474" cy="327547"/>
       </dsp:txXfrm>
     </dsp:sp>
   </dsp:spTree>
@@ -2750,7 +5799,1361 @@
 </dgm:layoutDef>
 </file>
 
+<file path=ppt/diagrams/layout2.xml><?xml version="1.0" encoding="utf-8"?>
+<dgm:layoutDef xmlns:dgm="http://schemas.openxmlformats.org/drawingml/2006/diagram" xmlns:a="http://schemas.openxmlformats.org/drawingml/2006/main" uniqueId="urn:microsoft.com/office/officeart/2005/8/layout/hierarchy2">
+  <dgm:title val=""/>
+  <dgm:desc val=""/>
+  <dgm:catLst>
+    <dgm:cat type="hierarchy" pri="5000"/>
+  </dgm:catLst>
+  <dgm:sampData>
+    <dgm:dataModel>
+      <dgm:ptLst>
+        <dgm:pt modelId="0" type="doc"/>
+        <dgm:pt modelId="1">
+          <dgm:prSet phldr="1"/>
+        </dgm:pt>
+        <dgm:pt modelId="2">
+          <dgm:prSet phldr="1"/>
+        </dgm:pt>
+        <dgm:pt modelId="21">
+          <dgm:prSet phldr="1"/>
+        </dgm:pt>
+        <dgm:pt modelId="22">
+          <dgm:prSet phldr="1"/>
+        </dgm:pt>
+        <dgm:pt modelId="3">
+          <dgm:prSet phldr="1"/>
+        </dgm:pt>
+        <dgm:pt modelId="31">
+          <dgm:prSet phldr="1"/>
+        </dgm:pt>
+      </dgm:ptLst>
+      <dgm:cxnLst>
+        <dgm:cxn modelId="4" srcId="0" destId="1" srcOrd="0" destOrd="0"/>
+        <dgm:cxn modelId="5" srcId="1" destId="2" srcOrd="0" destOrd="0"/>
+        <dgm:cxn modelId="6" srcId="1" destId="3" srcOrd="1" destOrd="0"/>
+        <dgm:cxn modelId="23" srcId="2" destId="21" srcOrd="0" destOrd="0"/>
+        <dgm:cxn modelId="24" srcId="2" destId="22" srcOrd="1" destOrd="0"/>
+        <dgm:cxn modelId="33" srcId="3" destId="31" srcOrd="0" destOrd="0"/>
+      </dgm:cxnLst>
+      <dgm:bg/>
+      <dgm:whole/>
+    </dgm:dataModel>
+  </dgm:sampData>
+  <dgm:styleData>
+    <dgm:dataModel>
+      <dgm:ptLst>
+        <dgm:pt modelId="0" type="doc"/>
+        <dgm:pt modelId="1"/>
+        <dgm:pt modelId="11"/>
+        <dgm:pt modelId="12"/>
+      </dgm:ptLst>
+      <dgm:cxnLst>
+        <dgm:cxn modelId="2" srcId="0" destId="1" srcOrd="0" destOrd="0"/>
+        <dgm:cxn modelId="13" srcId="1" destId="11" srcOrd="0" destOrd="0"/>
+        <dgm:cxn modelId="14" srcId="1" destId="12" srcOrd="1" destOrd="0"/>
+      </dgm:cxnLst>
+      <dgm:bg/>
+      <dgm:whole/>
+    </dgm:dataModel>
+  </dgm:styleData>
+  <dgm:clrData>
+    <dgm:dataModel>
+      <dgm:ptLst>
+        <dgm:pt modelId="0" type="doc"/>
+        <dgm:pt modelId="1"/>
+        <dgm:pt modelId="2"/>
+        <dgm:pt modelId="21"/>
+        <dgm:pt modelId="211"/>
+        <dgm:pt modelId="3"/>
+        <dgm:pt modelId="31"/>
+        <dgm:pt modelId="311"/>
+      </dgm:ptLst>
+      <dgm:cxnLst>
+        <dgm:cxn modelId="4" srcId="0" destId="1" srcOrd="0" destOrd="0"/>
+        <dgm:cxn modelId="5" srcId="1" destId="2" srcOrd="0" destOrd="0"/>
+        <dgm:cxn modelId="6" srcId="1" destId="3" srcOrd="1" destOrd="0"/>
+        <dgm:cxn modelId="23" srcId="2" destId="21" srcOrd="0" destOrd="0"/>
+        <dgm:cxn modelId="24" srcId="21" destId="211" srcOrd="0" destOrd="0"/>
+        <dgm:cxn modelId="33" srcId="3" destId="31" srcOrd="0" destOrd="0"/>
+        <dgm:cxn modelId="34" srcId="31" destId="311" srcOrd="0" destOrd="0"/>
+      </dgm:cxnLst>
+      <dgm:bg/>
+      <dgm:whole/>
+    </dgm:dataModel>
+  </dgm:clrData>
+  <dgm:layoutNode name="diagram">
+    <dgm:varLst>
+      <dgm:chPref val="1"/>
+      <dgm:dir/>
+      <dgm:animOne val="branch"/>
+      <dgm:animLvl val="lvl"/>
+      <dgm:resizeHandles val="exact"/>
+    </dgm:varLst>
+    <dgm:choose name="Name0">
+      <dgm:if name="Name1" func="var" arg="dir" op="equ" val="norm">
+        <dgm:alg type="hierChild">
+          <dgm:param type="linDir" val="fromT"/>
+          <dgm:param type="chAlign" val="l"/>
+        </dgm:alg>
+      </dgm:if>
+      <dgm:else name="Name2">
+        <dgm:alg type="hierChild">
+          <dgm:param type="linDir" val="fromT"/>
+          <dgm:param type="chAlign" val="r"/>
+        </dgm:alg>
+      </dgm:else>
+    </dgm:choose>
+    <dgm:shape xmlns:r="http://schemas.openxmlformats.org/officeDocument/2006/relationships" r:blip="">
+      <dgm:adjLst/>
+    </dgm:shape>
+    <dgm:presOf/>
+    <dgm:constrLst>
+      <dgm:constr type="h" for="des" ptType="node" refType="h"/>
+      <dgm:constr type="w" for="des" ptType="node" refType="h" refFor="des" refPtType="node" fact="2"/>
+      <dgm:constr type="sibSp" refType="h" refFor="des" refPtType="node" op="equ" fact="0.15"/>
+      <dgm:constr type="sibSp" for="des" forName="level2hierChild" refType="h" refFor="des" refPtType="node" op="equ" fact="0.15"/>
+      <dgm:constr type="sibSp" for="des" forName="level3hierChild" refType="h" refFor="des" refPtType="node" op="equ" fact="0.15"/>
+      <dgm:constr type="sp" for="des" forName="root1" refType="w" refFor="des" refPtType="node" fact="0.4"/>
+      <dgm:constr type="sp" for="des" forName="root2" refType="sp" refFor="des" refForName="root1" op="equ"/>
+      <dgm:constr type="primFontSz" for="des" ptType="node" op="equ" val="65"/>
+      <dgm:constr type="primFontSz" for="des" forName="connTx" op="equ" val="55"/>
+      <dgm:constr type="primFontSz" for="des" forName="connTx" refType="primFontSz" refFor="des" refPtType="node" op="lte" fact="0.8"/>
+    </dgm:constrLst>
+    <dgm:ruleLst/>
+    <dgm:forEach name="Name3" axis="ch">
+      <dgm:forEach name="Name4" axis="self" ptType="node">
+        <dgm:layoutNode name="root1">
+          <dgm:choose name="Name5">
+            <dgm:if name="Name6" func="var" arg="dir" op="equ" val="norm">
+              <dgm:alg type="hierRoot">
+                <dgm:param type="hierAlign" val="lCtrCh"/>
+              </dgm:alg>
+            </dgm:if>
+            <dgm:else name="Name7">
+              <dgm:alg type="hierRoot">
+                <dgm:param type="hierAlign" val="rCtrCh"/>
+              </dgm:alg>
+            </dgm:else>
+          </dgm:choose>
+          <dgm:shape xmlns:r="http://schemas.openxmlformats.org/officeDocument/2006/relationships" r:blip="">
+            <dgm:adjLst/>
+          </dgm:shape>
+          <dgm:presOf/>
+          <dgm:constrLst/>
+          <dgm:ruleLst/>
+          <dgm:layoutNode name="LevelOneTextNode" styleLbl="node0">
+            <dgm:varLst>
+              <dgm:chPref val="3"/>
+            </dgm:varLst>
+            <dgm:alg type="tx"/>
+            <dgm:shape xmlns:r="http://schemas.openxmlformats.org/officeDocument/2006/relationships" type="roundRect" r:blip="">
+              <dgm:adjLst>
+                <dgm:adj idx="1" val="0.1"/>
+              </dgm:adjLst>
+            </dgm:shape>
+            <dgm:presOf axis="self"/>
+            <dgm:constrLst>
+              <dgm:constr type="tMarg" refType="primFontSz" fact="0.05"/>
+              <dgm:constr type="bMarg" refType="primFontSz" fact="0.05"/>
+              <dgm:constr type="lMarg" refType="primFontSz" fact="0.05"/>
+              <dgm:constr type="rMarg" refType="primFontSz" fact="0.05"/>
+            </dgm:constrLst>
+            <dgm:ruleLst>
+              <dgm:rule type="primFontSz" val="5" fact="NaN" max="NaN"/>
+            </dgm:ruleLst>
+          </dgm:layoutNode>
+          <dgm:layoutNode name="level2hierChild">
+            <dgm:choose name="Name8">
+              <dgm:if name="Name9" func="var" arg="dir" op="equ" val="norm">
+                <dgm:alg type="hierChild">
+                  <dgm:param type="linDir" val="fromT"/>
+                  <dgm:param type="chAlign" val="l"/>
+                </dgm:alg>
+              </dgm:if>
+              <dgm:else name="Name10">
+                <dgm:alg type="hierChild">
+                  <dgm:param type="linDir" val="fromT"/>
+                  <dgm:param type="chAlign" val="r"/>
+                </dgm:alg>
+              </dgm:else>
+            </dgm:choose>
+            <dgm:shape xmlns:r="http://schemas.openxmlformats.org/officeDocument/2006/relationships" r:blip="">
+              <dgm:adjLst/>
+            </dgm:shape>
+            <dgm:presOf/>
+            <dgm:constrLst/>
+            <dgm:ruleLst/>
+            <dgm:forEach name="repeat" axis="ch">
+              <dgm:forEach name="Name11" axis="self" ptType="parTrans" cnt="1">
+                <dgm:layoutNode name="conn2-1">
+                  <dgm:choose name="Name12">
+                    <dgm:if name="Name13" func="var" arg="dir" op="equ" val="norm">
+                      <dgm:alg type="conn">
+                        <dgm:param type="dim" val="1D"/>
+                        <dgm:param type="begPts" val="midR"/>
+                        <dgm:param type="endPts" val="midL"/>
+                        <dgm:param type="endSty" val="noArr"/>
+                      </dgm:alg>
+                    </dgm:if>
+                    <dgm:else name="Name14">
+                      <dgm:alg type="conn">
+                        <dgm:param type="dim" val="1D"/>
+                        <dgm:param type="begPts" val="midL"/>
+                        <dgm:param type="endPts" val="midR"/>
+                        <dgm:param type="endSty" val="noArr"/>
+                      </dgm:alg>
+                    </dgm:else>
+                  </dgm:choose>
+                  <dgm:shape xmlns:r="http://schemas.openxmlformats.org/officeDocument/2006/relationships" type="conn" r:blip="">
+                    <dgm:adjLst/>
+                  </dgm:shape>
+                  <dgm:presOf axis="self"/>
+                  <dgm:constrLst>
+                    <dgm:constr type="w" val="1"/>
+                    <dgm:constr type="h" val="5"/>
+                    <dgm:constr type="connDist"/>
+                    <dgm:constr type="begPad"/>
+                    <dgm:constr type="endPad"/>
+                    <dgm:constr type="userA" for="ch" refType="connDist"/>
+                  </dgm:constrLst>
+                  <dgm:ruleLst/>
+                  <dgm:layoutNode name="connTx">
+                    <dgm:alg type="tx">
+                      <dgm:param type="autoTxRot" val="grav"/>
+                    </dgm:alg>
+                    <dgm:shape xmlns:r="http://schemas.openxmlformats.org/officeDocument/2006/relationships" type="rect" r:blip="" hideGeom="1">
+                      <dgm:adjLst/>
+                    </dgm:shape>
+                    <dgm:presOf axis="self"/>
+                    <dgm:constrLst>
+                      <dgm:constr type="userA"/>
+                      <dgm:constr type="w" refType="userA" fact="0.05"/>
+                      <dgm:constr type="h" refType="userA" fact="0.05"/>
+                      <dgm:constr type="lMarg" val="1"/>
+                      <dgm:constr type="rMarg" val="1"/>
+                      <dgm:constr type="tMarg"/>
+                      <dgm:constr type="bMarg"/>
+                    </dgm:constrLst>
+                    <dgm:ruleLst>
+                      <dgm:rule type="h" val="NaN" fact="0.25" max="NaN"/>
+                      <dgm:rule type="w" val="NaN" fact="0.8" max="NaN"/>
+                      <dgm:rule type="primFontSz" val="5" fact="NaN" max="NaN"/>
+                    </dgm:ruleLst>
+                  </dgm:layoutNode>
+                </dgm:layoutNode>
+              </dgm:forEach>
+              <dgm:forEach name="Name15" axis="self" ptType="node">
+                <dgm:layoutNode name="root2">
+                  <dgm:choose name="Name16">
+                    <dgm:if name="Name17" func="var" arg="dir" op="equ" val="norm">
+                      <dgm:alg type="hierRoot">
+                        <dgm:param type="hierAlign" val="lCtrCh"/>
+                      </dgm:alg>
+                    </dgm:if>
+                    <dgm:else name="Name18">
+                      <dgm:alg type="hierRoot">
+                        <dgm:param type="hierAlign" val="rCtrCh"/>
+                      </dgm:alg>
+                    </dgm:else>
+                  </dgm:choose>
+                  <dgm:shape xmlns:r="http://schemas.openxmlformats.org/officeDocument/2006/relationships" r:blip="">
+                    <dgm:adjLst/>
+                  </dgm:shape>
+                  <dgm:presOf/>
+                  <dgm:constrLst/>
+                  <dgm:ruleLst/>
+                  <dgm:layoutNode name="LevelTwoTextNode">
+                    <dgm:varLst>
+                      <dgm:chPref val="3"/>
+                    </dgm:varLst>
+                    <dgm:alg type="tx"/>
+                    <dgm:shape xmlns:r="http://schemas.openxmlformats.org/officeDocument/2006/relationships" type="roundRect" r:blip="">
+                      <dgm:adjLst>
+                        <dgm:adj idx="1" val="0.1"/>
+                      </dgm:adjLst>
+                    </dgm:shape>
+                    <dgm:presOf axis="self"/>
+                    <dgm:constrLst>
+                      <dgm:constr type="tMarg" refType="primFontSz" fact="0.05"/>
+                      <dgm:constr type="bMarg" refType="primFontSz" fact="0.05"/>
+                      <dgm:constr type="lMarg" refType="primFontSz" fact="0.05"/>
+                      <dgm:constr type="rMarg" refType="primFontSz" fact="0.05"/>
+                    </dgm:constrLst>
+                    <dgm:ruleLst>
+                      <dgm:rule type="primFontSz" val="5" fact="NaN" max="NaN"/>
+                    </dgm:ruleLst>
+                  </dgm:layoutNode>
+                  <dgm:layoutNode name="level3hierChild">
+                    <dgm:choose name="Name19">
+                      <dgm:if name="Name20" func="var" arg="dir" op="equ" val="norm">
+                        <dgm:alg type="hierChild">
+                          <dgm:param type="linDir" val="fromT"/>
+                          <dgm:param type="chAlign" val="l"/>
+                        </dgm:alg>
+                      </dgm:if>
+                      <dgm:else name="Name21">
+                        <dgm:alg type="hierChild">
+                          <dgm:param type="linDir" val="fromT"/>
+                          <dgm:param type="chAlign" val="r"/>
+                        </dgm:alg>
+                      </dgm:else>
+                    </dgm:choose>
+                    <dgm:shape xmlns:r="http://schemas.openxmlformats.org/officeDocument/2006/relationships" r:blip="">
+                      <dgm:adjLst/>
+                    </dgm:shape>
+                    <dgm:presOf/>
+                    <dgm:constrLst/>
+                    <dgm:ruleLst/>
+                    <dgm:forEach name="Name22" ref="repeat"/>
+                  </dgm:layoutNode>
+                </dgm:layoutNode>
+              </dgm:forEach>
+            </dgm:forEach>
+          </dgm:layoutNode>
+        </dgm:layoutNode>
+      </dgm:forEach>
+    </dgm:forEach>
+  </dgm:layoutNode>
+</dgm:layoutDef>
+</file>
+
 <file path=ppt/diagrams/quickStyle1.xml><?xml version="1.0" encoding="utf-8"?>
+<dgm:styleDef xmlns:dgm="http://schemas.openxmlformats.org/drawingml/2006/diagram" xmlns:a="http://schemas.openxmlformats.org/drawingml/2006/main" uniqueId="urn:microsoft.com/office/officeart/2005/8/quickstyle/simple1">
+  <dgm:title val=""/>
+  <dgm:desc val=""/>
+  <dgm:catLst>
+    <dgm:cat type="simple" pri="10100"/>
+  </dgm:catLst>
+  <dgm:scene3d>
+    <a:camera prst="orthographicFront"/>
+    <a:lightRig rig="threePt" dir="t"/>
+  </dgm:scene3d>
+  <dgm:styleLbl name="node0">
+    <dgm:scene3d>
+      <a:camera prst="orthographicFront"/>
+      <a:lightRig rig="threePt" dir="t"/>
+    </dgm:scene3d>
+    <dgm:sp3d/>
+    <dgm:txPr/>
+    <dgm:style>
+      <a:lnRef idx="2">
+        <a:scrgbClr r="0" g="0" b="0"/>
+      </a:lnRef>
+      <a:fillRef idx="1">
+        <a:scrgbClr r="0" g="0" b="0"/>
+      </a:fillRef>
+      <a:effectRef idx="0">
+        <a:scrgbClr r="0" g="0" b="0"/>
+      </a:effectRef>
+      <a:fontRef idx="minor">
+        <a:schemeClr val="lt1"/>
+      </a:fontRef>
+    </dgm:style>
+  </dgm:styleLbl>
+  <dgm:styleLbl name="lnNode1">
+    <dgm:scene3d>
+      <a:camera prst="orthographicFront"/>
+      <a:lightRig rig="threePt" dir="t"/>
+    </dgm:scene3d>
+    <dgm:sp3d/>
+    <dgm:txPr/>
+    <dgm:style>
+      <a:lnRef idx="2">
+        <a:scrgbClr r="0" g="0" b="0"/>
+      </a:lnRef>
+      <a:fillRef idx="1">
+        <a:scrgbClr r="0" g="0" b="0"/>
+      </a:fillRef>
+      <a:effectRef idx="0">
+        <a:scrgbClr r="0" g="0" b="0"/>
+      </a:effectRef>
+      <a:fontRef idx="minor">
+        <a:schemeClr val="lt1"/>
+      </a:fontRef>
+    </dgm:style>
+  </dgm:styleLbl>
+  <dgm:styleLbl name="vennNode1">
+    <dgm:scene3d>
+      <a:camera prst="orthographicFront"/>
+      <a:lightRig rig="threePt" dir="t"/>
+    </dgm:scene3d>
+    <dgm:sp3d/>
+    <dgm:txPr/>
+    <dgm:style>
+      <a:lnRef idx="2">
+        <a:scrgbClr r="0" g="0" b="0"/>
+      </a:lnRef>
+      <a:fillRef idx="1">
+        <a:scrgbClr r="0" g="0" b="0"/>
+      </a:fillRef>
+      <a:effectRef idx="0">
+        <a:scrgbClr r="0" g="0" b="0"/>
+      </a:effectRef>
+      <a:fontRef idx="minor">
+        <a:schemeClr val="tx1"/>
+      </a:fontRef>
+    </dgm:style>
+  </dgm:styleLbl>
+  <dgm:styleLbl name="alignNode1">
+    <dgm:scene3d>
+      <a:camera prst="orthographicFront"/>
+      <a:lightRig rig="threePt" dir="t"/>
+    </dgm:scene3d>
+    <dgm:sp3d/>
+    <dgm:txPr/>
+    <dgm:style>
+      <a:lnRef idx="2">
+        <a:scrgbClr r="0" g="0" b="0"/>
+      </a:lnRef>
+      <a:fillRef idx="1">
+        <a:scrgbClr r="0" g="0" b="0"/>
+      </a:fillRef>
+      <a:effectRef idx="0">
+        <a:scrgbClr r="0" g="0" b="0"/>
+      </a:effectRef>
+      <a:fontRef idx="minor">
+        <a:schemeClr val="lt1"/>
+      </a:fontRef>
+    </dgm:style>
+  </dgm:styleLbl>
+  <dgm:styleLbl name="node1">
+    <dgm:scene3d>
+      <a:camera prst="orthographicFront"/>
+      <a:lightRig rig="threePt" dir="t"/>
+    </dgm:scene3d>
+    <dgm:sp3d/>
+    <dgm:txPr/>
+    <dgm:style>
+      <a:lnRef idx="2">
+        <a:scrgbClr r="0" g="0" b="0"/>
+      </a:lnRef>
+      <a:fillRef idx="1">
+        <a:scrgbClr r="0" g="0" b="0"/>
+      </a:fillRef>
+      <a:effectRef idx="0">
+        <a:scrgbClr r="0" g="0" b="0"/>
+      </a:effectRef>
+      <a:fontRef idx="minor">
+        <a:schemeClr val="lt1"/>
+      </a:fontRef>
+    </dgm:style>
+  </dgm:styleLbl>
+  <dgm:styleLbl name="node2">
+    <dgm:scene3d>
+      <a:camera prst="orthographicFront"/>
+      <a:lightRig rig="threePt" dir="t"/>
+    </dgm:scene3d>
+    <dgm:sp3d/>
+    <dgm:txPr/>
+    <dgm:style>
+      <a:lnRef idx="2">
+        <a:scrgbClr r="0" g="0" b="0"/>
+      </a:lnRef>
+      <a:fillRef idx="1">
+        <a:scrgbClr r="0" g="0" b="0"/>
+      </a:fillRef>
+      <a:effectRef idx="0">
+        <a:scrgbClr r="0" g="0" b="0"/>
+      </a:effectRef>
+      <a:fontRef idx="minor">
+        <a:schemeClr val="lt1"/>
+      </a:fontRef>
+    </dgm:style>
+  </dgm:styleLbl>
+  <dgm:styleLbl name="node3">
+    <dgm:scene3d>
+      <a:camera prst="orthographicFront"/>
+      <a:lightRig rig="threePt" dir="t"/>
+    </dgm:scene3d>
+    <dgm:sp3d/>
+    <dgm:txPr/>
+    <dgm:style>
+      <a:lnRef idx="2">
+        <a:scrgbClr r="0" g="0" b="0"/>
+      </a:lnRef>
+      <a:fillRef idx="1">
+        <a:scrgbClr r="0" g="0" b="0"/>
+      </a:fillRef>
+      <a:effectRef idx="0">
+        <a:scrgbClr r="0" g="0" b="0"/>
+      </a:effectRef>
+      <a:fontRef idx="minor">
+        <a:schemeClr val="lt1"/>
+      </a:fontRef>
+    </dgm:style>
+  </dgm:styleLbl>
+  <dgm:styleLbl name="node4">
+    <dgm:scene3d>
+      <a:camera prst="orthographicFront"/>
+      <a:lightRig rig="threePt" dir="t"/>
+    </dgm:scene3d>
+    <dgm:sp3d/>
+    <dgm:txPr/>
+    <dgm:style>
+      <a:lnRef idx="2">
+        <a:scrgbClr r="0" g="0" b="0"/>
+      </a:lnRef>
+      <a:fillRef idx="1">
+        <a:scrgbClr r="0" g="0" b="0"/>
+      </a:fillRef>
+      <a:effectRef idx="0">
+        <a:scrgbClr r="0" g="0" b="0"/>
+      </a:effectRef>
+      <a:fontRef idx="minor">
+        <a:schemeClr val="lt1"/>
+      </a:fontRef>
+    </dgm:style>
+  </dgm:styleLbl>
+  <dgm:styleLbl name="fgImgPlace1">
+    <dgm:scene3d>
+      <a:camera prst="orthographicFront"/>
+      <a:lightRig rig="threePt" dir="t"/>
+    </dgm:scene3d>
+    <dgm:sp3d/>
+    <dgm:txPr/>
+    <dgm:style>
+      <a:lnRef idx="2">
+        <a:scrgbClr r="0" g="0" b="0"/>
+      </a:lnRef>
+      <a:fillRef idx="1">
+        <a:scrgbClr r="0" g="0" b="0"/>
+      </a:fillRef>
+      <a:effectRef idx="0">
+        <a:scrgbClr r="0" g="0" b="0"/>
+      </a:effectRef>
+      <a:fontRef idx="minor"/>
+    </dgm:style>
+  </dgm:styleLbl>
+  <dgm:styleLbl name="alignImgPlace1">
+    <dgm:scene3d>
+      <a:camera prst="orthographicFront"/>
+      <a:lightRig rig="threePt" dir="t"/>
+    </dgm:scene3d>
+    <dgm:sp3d/>
+    <dgm:txPr/>
+    <dgm:style>
+      <a:lnRef idx="2">
+        <a:scrgbClr r="0" g="0" b="0"/>
+      </a:lnRef>
+      <a:fillRef idx="1">
+        <a:scrgbClr r="0" g="0" b="0"/>
+      </a:fillRef>
+      <a:effectRef idx="0">
+        <a:scrgbClr r="0" g="0" b="0"/>
+      </a:effectRef>
+      <a:fontRef idx="minor"/>
+    </dgm:style>
+  </dgm:styleLbl>
+  <dgm:styleLbl name="bgImgPlace1">
+    <dgm:scene3d>
+      <a:camera prst="orthographicFront"/>
+      <a:lightRig rig="threePt" dir="t"/>
+    </dgm:scene3d>
+    <dgm:sp3d/>
+    <dgm:txPr/>
+    <dgm:style>
+      <a:lnRef idx="2">
+        <a:scrgbClr r="0" g="0" b="0"/>
+      </a:lnRef>
+      <a:fillRef idx="1">
+        <a:scrgbClr r="0" g="0" b="0"/>
+      </a:fillRef>
+      <a:effectRef idx="0">
+        <a:scrgbClr r="0" g="0" b="0"/>
+      </a:effectRef>
+      <a:fontRef idx="minor"/>
+    </dgm:style>
+  </dgm:styleLbl>
+  <dgm:styleLbl name="sibTrans2D1">
+    <dgm:scene3d>
+      <a:camera prst="orthographicFront"/>
+      <a:lightRig rig="threePt" dir="t"/>
+    </dgm:scene3d>
+    <dgm:sp3d/>
+    <dgm:txPr/>
+    <dgm:style>
+      <a:lnRef idx="0">
+        <a:scrgbClr r="0" g="0" b="0"/>
+      </a:lnRef>
+      <a:fillRef idx="1">
+        <a:scrgbClr r="0" g="0" b="0"/>
+      </a:fillRef>
+      <a:effectRef idx="0">
+        <a:scrgbClr r="0" g="0" b="0"/>
+      </a:effectRef>
+      <a:fontRef idx="minor">
+        <a:schemeClr val="lt1"/>
+      </a:fontRef>
+    </dgm:style>
+  </dgm:styleLbl>
+  <dgm:styleLbl name="fgSibTrans2D1">
+    <dgm:scene3d>
+      <a:camera prst="orthographicFront"/>
+      <a:lightRig rig="threePt" dir="t"/>
+    </dgm:scene3d>
+    <dgm:sp3d/>
+    <dgm:txPr/>
+    <dgm:style>
+      <a:lnRef idx="0">
+        <a:scrgbClr r="0" g="0" b="0"/>
+      </a:lnRef>
+      <a:fillRef idx="1">
+        <a:scrgbClr r="0" g="0" b="0"/>
+      </a:fillRef>
+      <a:effectRef idx="0">
+        <a:scrgbClr r="0" g="0" b="0"/>
+      </a:effectRef>
+      <a:fontRef idx="minor">
+        <a:schemeClr val="lt1"/>
+      </a:fontRef>
+    </dgm:style>
+  </dgm:styleLbl>
+  <dgm:styleLbl name="bgSibTrans2D1">
+    <dgm:scene3d>
+      <a:camera prst="orthographicFront"/>
+      <a:lightRig rig="threePt" dir="t"/>
+    </dgm:scene3d>
+    <dgm:sp3d/>
+    <dgm:txPr/>
+    <dgm:style>
+      <a:lnRef idx="0">
+        <a:scrgbClr r="0" g="0" b="0"/>
+      </a:lnRef>
+      <a:fillRef idx="1">
+        <a:scrgbClr r="0" g="0" b="0"/>
+      </a:fillRef>
+      <a:effectRef idx="0">
+        <a:scrgbClr r="0" g="0" b="0"/>
+      </a:effectRef>
+      <a:fontRef idx="minor">
+        <a:schemeClr val="lt1"/>
+      </a:fontRef>
+    </dgm:style>
+  </dgm:styleLbl>
+  <dgm:styleLbl name="sibTrans1D1">
+    <dgm:scene3d>
+      <a:camera prst="orthographicFront"/>
+      <a:lightRig rig="threePt" dir="t"/>
+    </dgm:scene3d>
+    <dgm:sp3d/>
+    <dgm:txPr/>
+    <dgm:style>
+      <a:lnRef idx="1">
+        <a:scrgbClr r="0" g="0" b="0"/>
+      </a:lnRef>
+      <a:fillRef idx="0">
+        <a:scrgbClr r="0" g="0" b="0"/>
+      </a:fillRef>
+      <a:effectRef idx="0">
+        <a:scrgbClr r="0" g="0" b="0"/>
+      </a:effectRef>
+      <a:fontRef idx="minor"/>
+    </dgm:style>
+  </dgm:styleLbl>
+  <dgm:styleLbl name="callout">
+    <dgm:scene3d>
+      <a:camera prst="orthographicFront"/>
+      <a:lightRig rig="threePt" dir="t"/>
+    </dgm:scene3d>
+    <dgm:sp3d/>
+    <dgm:txPr/>
+    <dgm:style>
+      <a:lnRef idx="2">
+        <a:scrgbClr r="0" g="0" b="0"/>
+      </a:lnRef>
+      <a:fillRef idx="1">
+        <a:scrgbClr r="0" g="0" b="0"/>
+      </a:fillRef>
+      <a:effectRef idx="0">
+        <a:scrgbClr r="0" g="0" b="0"/>
+      </a:effectRef>
+      <a:fontRef idx="minor"/>
+    </dgm:style>
+  </dgm:styleLbl>
+  <dgm:styleLbl name="asst0">
+    <dgm:scene3d>
+      <a:camera prst="orthographicFront"/>
+      <a:lightRig rig="threePt" dir="t"/>
+    </dgm:scene3d>
+    <dgm:sp3d/>
+    <dgm:txPr/>
+    <dgm:style>
+      <a:lnRef idx="2">
+        <a:scrgbClr r="0" g="0" b="0"/>
+      </a:lnRef>
+      <a:fillRef idx="1">
+        <a:scrgbClr r="0" g="0" b="0"/>
+      </a:fillRef>
+      <a:effectRef idx="0">
+        <a:scrgbClr r="0" g="0" b="0"/>
+      </a:effectRef>
+      <a:fontRef idx="minor">
+        <a:schemeClr val="lt1"/>
+      </a:fontRef>
+    </dgm:style>
+  </dgm:styleLbl>
+  <dgm:styleLbl name="asst1">
+    <dgm:scene3d>
+      <a:camera prst="orthographicFront"/>
+      <a:lightRig rig="threePt" dir="t"/>
+    </dgm:scene3d>
+    <dgm:sp3d/>
+    <dgm:txPr/>
+    <dgm:style>
+      <a:lnRef idx="2">
+        <a:scrgbClr r="0" g="0" b="0"/>
+      </a:lnRef>
+      <a:fillRef idx="1">
+        <a:scrgbClr r="0" g="0" b="0"/>
+      </a:fillRef>
+      <a:effectRef idx="0">
+        <a:scrgbClr r="0" g="0" b="0"/>
+      </a:effectRef>
+      <a:fontRef idx="minor">
+        <a:schemeClr val="lt1"/>
+      </a:fontRef>
+    </dgm:style>
+  </dgm:styleLbl>
+  <dgm:styleLbl name="asst2">
+    <dgm:scene3d>
+      <a:camera prst="orthographicFront"/>
+      <a:lightRig rig="threePt" dir="t"/>
+    </dgm:scene3d>
+    <dgm:sp3d/>
+    <dgm:txPr/>
+    <dgm:style>
+      <a:lnRef idx="2">
+        <a:scrgbClr r="0" g="0" b="0"/>
+      </a:lnRef>
+      <a:fillRef idx="1">
+        <a:scrgbClr r="0" g="0" b="0"/>
+      </a:fillRef>
+      <a:effectRef idx="0">
+        <a:scrgbClr r="0" g="0" b="0"/>
+      </a:effectRef>
+      <a:fontRef idx="minor">
+        <a:schemeClr val="lt1"/>
+      </a:fontRef>
+    </dgm:style>
+  </dgm:styleLbl>
+  <dgm:styleLbl name="asst3">
+    <dgm:scene3d>
+      <a:camera prst="orthographicFront"/>
+      <a:lightRig rig="threePt" dir="t"/>
+    </dgm:scene3d>
+    <dgm:sp3d/>
+    <dgm:txPr/>
+    <dgm:style>
+      <a:lnRef idx="2">
+        <a:scrgbClr r="0" g="0" b="0"/>
+      </a:lnRef>
+      <a:fillRef idx="1">
+        <a:scrgbClr r="0" g="0" b="0"/>
+      </a:fillRef>
+      <a:effectRef idx="0">
+        <a:scrgbClr r="0" g="0" b="0"/>
+      </a:effectRef>
+      <a:fontRef idx="minor">
+        <a:schemeClr val="lt1"/>
+      </a:fontRef>
+    </dgm:style>
+  </dgm:styleLbl>
+  <dgm:styleLbl name="asst4">
+    <dgm:scene3d>
+      <a:camera prst="orthographicFront"/>
+      <a:lightRig rig="threePt" dir="t"/>
+    </dgm:scene3d>
+    <dgm:sp3d/>
+    <dgm:txPr/>
+    <dgm:style>
+      <a:lnRef idx="2">
+        <a:scrgbClr r="0" g="0" b="0"/>
+      </a:lnRef>
+      <a:fillRef idx="1">
+        <a:scrgbClr r="0" g="0" b="0"/>
+      </a:fillRef>
+      <a:effectRef idx="0">
+        <a:scrgbClr r="0" g="0" b="0"/>
+      </a:effectRef>
+      <a:fontRef idx="minor">
+        <a:schemeClr val="lt1"/>
+      </a:fontRef>
+    </dgm:style>
+  </dgm:styleLbl>
+  <dgm:styleLbl name="parChTrans2D1">
+    <dgm:scene3d>
+      <a:camera prst="orthographicFront"/>
+      <a:lightRig rig="threePt" dir="t"/>
+    </dgm:scene3d>
+    <dgm:sp3d/>
+    <dgm:txPr/>
+    <dgm:style>
+      <a:lnRef idx="2">
+        <a:scrgbClr r="0" g="0" b="0"/>
+      </a:lnRef>
+      <a:fillRef idx="1">
+        <a:scrgbClr r="0" g="0" b="0"/>
+      </a:fillRef>
+      <a:effectRef idx="0">
+        <a:scrgbClr r="0" g="0" b="0"/>
+      </a:effectRef>
+      <a:fontRef idx="minor">
+        <a:schemeClr val="lt1"/>
+      </a:fontRef>
+    </dgm:style>
+  </dgm:styleLbl>
+  <dgm:styleLbl name="parChTrans2D2">
+    <dgm:scene3d>
+      <a:camera prst="orthographicFront"/>
+      <a:lightRig rig="threePt" dir="t"/>
+    </dgm:scene3d>
+    <dgm:sp3d/>
+    <dgm:txPr/>
+    <dgm:style>
+      <a:lnRef idx="2">
+        <a:scrgbClr r="0" g="0" b="0"/>
+      </a:lnRef>
+      <a:fillRef idx="1">
+        <a:scrgbClr r="0" g="0" b="0"/>
+      </a:fillRef>
+      <a:effectRef idx="0">
+        <a:scrgbClr r="0" g="0" b="0"/>
+      </a:effectRef>
+      <a:fontRef idx="minor">
+        <a:schemeClr val="lt1"/>
+      </a:fontRef>
+    </dgm:style>
+  </dgm:styleLbl>
+  <dgm:styleLbl name="parChTrans2D3">
+    <dgm:scene3d>
+      <a:camera prst="orthographicFront"/>
+      <a:lightRig rig="threePt" dir="t"/>
+    </dgm:scene3d>
+    <dgm:sp3d/>
+    <dgm:txPr/>
+    <dgm:style>
+      <a:lnRef idx="2">
+        <a:scrgbClr r="0" g="0" b="0"/>
+      </a:lnRef>
+      <a:fillRef idx="1">
+        <a:scrgbClr r="0" g="0" b="0"/>
+      </a:fillRef>
+      <a:effectRef idx="0">
+        <a:scrgbClr r="0" g="0" b="0"/>
+      </a:effectRef>
+      <a:fontRef idx="minor">
+        <a:schemeClr val="lt1"/>
+      </a:fontRef>
+    </dgm:style>
+  </dgm:styleLbl>
+  <dgm:styleLbl name="parChTrans2D4">
+    <dgm:scene3d>
+      <a:camera prst="orthographicFront"/>
+      <a:lightRig rig="threePt" dir="t"/>
+    </dgm:scene3d>
+    <dgm:sp3d/>
+    <dgm:txPr/>
+    <dgm:style>
+      <a:lnRef idx="2">
+        <a:scrgbClr r="0" g="0" b="0"/>
+      </a:lnRef>
+      <a:fillRef idx="1">
+        <a:scrgbClr r="0" g="0" b="0"/>
+      </a:fillRef>
+      <a:effectRef idx="0">
+        <a:scrgbClr r="0" g="0" b="0"/>
+      </a:effectRef>
+      <a:fontRef idx="minor">
+        <a:schemeClr val="lt1"/>
+      </a:fontRef>
+    </dgm:style>
+  </dgm:styleLbl>
+  <dgm:styleLbl name="parChTrans1D1">
+    <dgm:scene3d>
+      <a:camera prst="orthographicFront"/>
+      <a:lightRig rig="threePt" dir="t"/>
+    </dgm:scene3d>
+    <dgm:sp3d/>
+    <dgm:txPr/>
+    <dgm:style>
+      <a:lnRef idx="2">
+        <a:scrgbClr r="0" g="0" b="0"/>
+      </a:lnRef>
+      <a:fillRef idx="0">
+        <a:scrgbClr r="0" g="0" b="0"/>
+      </a:fillRef>
+      <a:effectRef idx="0">
+        <a:scrgbClr r="0" g="0" b="0"/>
+      </a:effectRef>
+      <a:fontRef idx="minor"/>
+    </dgm:style>
+  </dgm:styleLbl>
+  <dgm:styleLbl name="parChTrans1D2">
+    <dgm:scene3d>
+      <a:camera prst="orthographicFront"/>
+      <a:lightRig rig="threePt" dir="t"/>
+    </dgm:scene3d>
+    <dgm:sp3d/>
+    <dgm:txPr/>
+    <dgm:style>
+      <a:lnRef idx="2">
+        <a:scrgbClr r="0" g="0" b="0"/>
+      </a:lnRef>
+      <a:fillRef idx="0">
+        <a:scrgbClr r="0" g="0" b="0"/>
+      </a:fillRef>
+      <a:effectRef idx="0">
+        <a:scrgbClr r="0" g="0" b="0"/>
+      </a:effectRef>
+      <a:fontRef idx="minor"/>
+    </dgm:style>
+  </dgm:styleLbl>
+  <dgm:styleLbl name="parChTrans1D3">
+    <dgm:scene3d>
+      <a:camera prst="orthographicFront"/>
+      <a:lightRig rig="threePt" dir="t"/>
+    </dgm:scene3d>
+    <dgm:sp3d/>
+    <dgm:txPr/>
+    <dgm:style>
+      <a:lnRef idx="2">
+        <a:scrgbClr r="0" g="0" b="0"/>
+      </a:lnRef>
+      <a:fillRef idx="0">
+        <a:scrgbClr r="0" g="0" b="0"/>
+      </a:fillRef>
+      <a:effectRef idx="0">
+        <a:scrgbClr r="0" g="0" b="0"/>
+      </a:effectRef>
+      <a:fontRef idx="minor"/>
+    </dgm:style>
+  </dgm:styleLbl>
+  <dgm:styleLbl name="parChTrans1D4">
+    <dgm:scene3d>
+      <a:camera prst="orthographicFront"/>
+      <a:lightRig rig="threePt" dir="t"/>
+    </dgm:scene3d>
+    <dgm:sp3d/>
+    <dgm:txPr/>
+    <dgm:style>
+      <a:lnRef idx="2">
+        <a:scrgbClr r="0" g="0" b="0"/>
+      </a:lnRef>
+      <a:fillRef idx="0">
+        <a:scrgbClr r="0" g="0" b="0"/>
+      </a:fillRef>
+      <a:effectRef idx="0">
+        <a:scrgbClr r="0" g="0" b="0"/>
+      </a:effectRef>
+      <a:fontRef idx="minor"/>
+    </dgm:style>
+  </dgm:styleLbl>
+  <dgm:styleLbl name="fgAcc1">
+    <dgm:scene3d>
+      <a:camera prst="orthographicFront"/>
+      <a:lightRig rig="threePt" dir="t"/>
+    </dgm:scene3d>
+    <dgm:sp3d/>
+    <dgm:txPr/>
+    <dgm:style>
+      <a:lnRef idx="2">
+        <a:scrgbClr r="0" g="0" b="0"/>
+      </a:lnRef>
+      <a:fillRef idx="1">
+        <a:scrgbClr r="0" g="0" b="0"/>
+      </a:fillRef>
+      <a:effectRef idx="0">
+        <a:scrgbClr r="0" g="0" b="0"/>
+      </a:effectRef>
+      <a:fontRef idx="minor"/>
+    </dgm:style>
+  </dgm:styleLbl>
+  <dgm:styleLbl name="conFgAcc1">
+    <dgm:scene3d>
+      <a:camera prst="orthographicFront"/>
+      <a:lightRig rig="threePt" dir="t"/>
+    </dgm:scene3d>
+    <dgm:sp3d/>
+    <dgm:txPr/>
+    <dgm:style>
+      <a:lnRef idx="2">
+        <a:scrgbClr r="0" g="0" b="0"/>
+      </a:lnRef>
+      <a:fillRef idx="1">
+        <a:scrgbClr r="0" g="0" b="0"/>
+      </a:fillRef>
+      <a:effectRef idx="0">
+        <a:scrgbClr r="0" g="0" b="0"/>
+      </a:effectRef>
+      <a:fontRef idx="minor"/>
+    </dgm:style>
+  </dgm:styleLbl>
+  <dgm:styleLbl name="alignAcc1">
+    <dgm:scene3d>
+      <a:camera prst="orthographicFront"/>
+      <a:lightRig rig="threePt" dir="t"/>
+    </dgm:scene3d>
+    <dgm:sp3d/>
+    <dgm:txPr/>
+    <dgm:style>
+      <a:lnRef idx="2">
+        <a:scrgbClr r="0" g="0" b="0"/>
+      </a:lnRef>
+      <a:fillRef idx="1">
+        <a:scrgbClr r="0" g="0" b="0"/>
+      </a:fillRef>
+      <a:effectRef idx="0">
+        <a:scrgbClr r="0" g="0" b="0"/>
+      </a:effectRef>
+      <a:fontRef idx="minor"/>
+    </dgm:style>
+  </dgm:styleLbl>
+  <dgm:styleLbl name="trAlignAcc1">
+    <dgm:scene3d>
+      <a:camera prst="orthographicFront"/>
+      <a:lightRig rig="threePt" dir="t"/>
+    </dgm:scene3d>
+    <dgm:sp3d/>
+    <dgm:txPr/>
+    <dgm:style>
+      <a:lnRef idx="1">
+        <a:scrgbClr r="0" g="0" b="0"/>
+      </a:lnRef>
+      <a:fillRef idx="1">
+        <a:scrgbClr r="0" g="0" b="0"/>
+      </a:fillRef>
+      <a:effectRef idx="0">
+        <a:scrgbClr r="0" g="0" b="0"/>
+      </a:effectRef>
+      <a:fontRef idx="minor"/>
+    </dgm:style>
+  </dgm:styleLbl>
+  <dgm:styleLbl name="bgAcc1">
+    <dgm:scene3d>
+      <a:camera prst="orthographicFront"/>
+      <a:lightRig rig="threePt" dir="t"/>
+    </dgm:scene3d>
+    <dgm:sp3d/>
+    <dgm:txPr/>
+    <dgm:style>
+      <a:lnRef idx="2">
+        <a:scrgbClr r="0" g="0" b="0"/>
+      </a:lnRef>
+      <a:fillRef idx="1">
+        <a:scrgbClr r="0" g="0" b="0"/>
+      </a:fillRef>
+      <a:effectRef idx="0">
+        <a:scrgbClr r="0" g="0" b="0"/>
+      </a:effectRef>
+      <a:fontRef idx="minor"/>
+    </dgm:style>
+  </dgm:styleLbl>
+  <dgm:styleLbl name="solidFgAcc1">
+    <dgm:scene3d>
+      <a:camera prst="orthographicFront"/>
+      <a:lightRig rig="threePt" dir="t"/>
+    </dgm:scene3d>
+    <dgm:sp3d/>
+    <dgm:txPr/>
+    <dgm:style>
+      <a:lnRef idx="2">
+        <a:scrgbClr r="0" g="0" b="0"/>
+      </a:lnRef>
+      <a:fillRef idx="1">
+        <a:scrgbClr r="0" g="0" b="0"/>
+      </a:fillRef>
+      <a:effectRef idx="0">
+        <a:scrgbClr r="0" g="0" b="0"/>
+      </a:effectRef>
+      <a:fontRef idx="minor"/>
+    </dgm:style>
+  </dgm:styleLbl>
+  <dgm:styleLbl name="solidAlignAcc1">
+    <dgm:scene3d>
+      <a:camera prst="orthographicFront"/>
+      <a:lightRig rig="threePt" dir="t"/>
+    </dgm:scene3d>
+    <dgm:sp3d/>
+    <dgm:txPr/>
+    <dgm:style>
+      <a:lnRef idx="2">
+        <a:scrgbClr r="0" g="0" b="0"/>
+      </a:lnRef>
+      <a:fillRef idx="1">
+        <a:scrgbClr r="0" g="0" b="0"/>
+      </a:fillRef>
+      <a:effectRef idx="0">
+        <a:scrgbClr r="0" g="0" b="0"/>
+      </a:effectRef>
+      <a:fontRef idx="minor"/>
+    </dgm:style>
+  </dgm:styleLbl>
+  <dgm:styleLbl name="solidBgAcc1">
+    <dgm:scene3d>
+      <a:camera prst="orthographicFront"/>
+      <a:lightRig rig="threePt" dir="t"/>
+    </dgm:scene3d>
+    <dgm:sp3d/>
+    <dgm:txPr/>
+    <dgm:style>
+      <a:lnRef idx="2">
+        <a:scrgbClr r="0" g="0" b="0"/>
+      </a:lnRef>
+      <a:fillRef idx="1">
+        <a:scrgbClr r="0" g="0" b="0"/>
+      </a:fillRef>
+      <a:effectRef idx="0">
+        <a:scrgbClr r="0" g="0" b="0"/>
+      </a:effectRef>
+      <a:fontRef idx="minor"/>
+    </dgm:style>
+  </dgm:styleLbl>
+  <dgm:styleLbl name="fgAccFollowNode1">
+    <dgm:scene3d>
+      <a:camera prst="orthographicFront"/>
+      <a:lightRig rig="threePt" dir="t"/>
+    </dgm:scene3d>
+    <dgm:sp3d/>
+    <dgm:txPr/>
+    <dgm:style>
+      <a:lnRef idx="2">
+        <a:scrgbClr r="0" g="0" b="0"/>
+      </a:lnRef>
+      <a:fillRef idx="1">
+        <a:scrgbClr r="0" g="0" b="0"/>
+      </a:fillRef>
+      <a:effectRef idx="0">
+        <a:scrgbClr r="0" g="0" b="0"/>
+      </a:effectRef>
+      <a:fontRef idx="minor"/>
+    </dgm:style>
+  </dgm:styleLbl>
+  <dgm:styleLbl name="alignAccFollowNode1">
+    <dgm:scene3d>
+      <a:camera prst="orthographicFront"/>
+      <a:lightRig rig="threePt" dir="t"/>
+    </dgm:scene3d>
+    <dgm:sp3d/>
+    <dgm:txPr/>
+    <dgm:style>
+      <a:lnRef idx="2">
+        <a:scrgbClr r="0" g="0" b="0"/>
+      </a:lnRef>
+      <a:fillRef idx="1">
+        <a:scrgbClr r="0" g="0" b="0"/>
+      </a:fillRef>
+      <a:effectRef idx="0">
+        <a:scrgbClr r="0" g="0" b="0"/>
+      </a:effectRef>
+      <a:fontRef idx="minor"/>
+    </dgm:style>
+  </dgm:styleLbl>
+  <dgm:styleLbl name="bgAccFollowNode1">
+    <dgm:scene3d>
+      <a:camera prst="orthographicFront"/>
+      <a:lightRig rig="threePt" dir="t"/>
+    </dgm:scene3d>
+    <dgm:sp3d/>
+    <dgm:txPr/>
+    <dgm:style>
+      <a:lnRef idx="2">
+        <a:scrgbClr r="0" g="0" b="0"/>
+      </a:lnRef>
+      <a:fillRef idx="1">
+        <a:scrgbClr r="0" g="0" b="0"/>
+      </a:fillRef>
+      <a:effectRef idx="0">
+        <a:scrgbClr r="0" g="0" b="0"/>
+      </a:effectRef>
+      <a:fontRef idx="minor"/>
+    </dgm:style>
+  </dgm:styleLbl>
+  <dgm:styleLbl name="fgAcc0">
+    <dgm:scene3d>
+      <a:camera prst="orthographicFront"/>
+      <a:lightRig rig="threePt" dir="t"/>
+    </dgm:scene3d>
+    <dgm:sp3d/>
+    <dgm:txPr/>
+    <dgm:style>
+      <a:lnRef idx="2">
+        <a:scrgbClr r="0" g="0" b="0"/>
+      </a:lnRef>
+      <a:fillRef idx="1">
+        <a:scrgbClr r="0" g="0" b="0"/>
+      </a:fillRef>
+      <a:effectRef idx="0">
+        <a:scrgbClr r="0" g="0" b="0"/>
+      </a:effectRef>
+      <a:fontRef idx="minor"/>
+    </dgm:style>
+  </dgm:styleLbl>
+  <dgm:styleLbl name="fgAcc2">
+    <dgm:scene3d>
+      <a:camera prst="orthographicFront"/>
+      <a:lightRig rig="threePt" dir="t"/>
+    </dgm:scene3d>
+    <dgm:sp3d/>
+    <dgm:txPr/>
+    <dgm:style>
+      <a:lnRef idx="2">
+        <a:scrgbClr r="0" g="0" b="0"/>
+      </a:lnRef>
+      <a:fillRef idx="1">
+        <a:scrgbClr r="0" g="0" b="0"/>
+      </a:fillRef>
+      <a:effectRef idx="0">
+        <a:scrgbClr r="0" g="0" b="0"/>
+      </a:effectRef>
+      <a:fontRef idx="minor"/>
+    </dgm:style>
+  </dgm:styleLbl>
+  <dgm:styleLbl name="fgAcc3">
+    <dgm:scene3d>
+      <a:camera prst="orthographicFront"/>
+      <a:lightRig rig="threePt" dir="t"/>
+    </dgm:scene3d>
+    <dgm:sp3d/>
+    <dgm:txPr/>
+    <dgm:style>
+      <a:lnRef idx="2">
+        <a:scrgbClr r="0" g="0" b="0"/>
+      </a:lnRef>
+      <a:fillRef idx="1">
+        <a:scrgbClr r="0" g="0" b="0"/>
+      </a:fillRef>
+      <a:effectRef idx="0">
+        <a:scrgbClr r="0" g="0" b="0"/>
+      </a:effectRef>
+      <a:fontRef idx="minor"/>
+    </dgm:style>
+  </dgm:styleLbl>
+  <dgm:styleLbl name="fgAcc4">
+    <dgm:scene3d>
+      <a:camera prst="orthographicFront"/>
+      <a:lightRig rig="threePt" dir="t"/>
+    </dgm:scene3d>
+    <dgm:sp3d/>
+    <dgm:txPr/>
+    <dgm:style>
+      <a:lnRef idx="2">
+        <a:scrgbClr r="0" g="0" b="0"/>
+      </a:lnRef>
+      <a:fillRef idx="1">
+        <a:scrgbClr r="0" g="0" b="0"/>
+      </a:fillRef>
+      <a:effectRef idx="0">
+        <a:scrgbClr r="0" g="0" b="0"/>
+      </a:effectRef>
+      <a:fontRef idx="minor"/>
+    </dgm:style>
+  </dgm:styleLbl>
+  <dgm:styleLbl name="bgShp">
+    <dgm:scene3d>
+      <a:camera prst="orthographicFront"/>
+      <a:lightRig rig="threePt" dir="t"/>
+    </dgm:scene3d>
+    <dgm:sp3d/>
+    <dgm:txPr/>
+    <dgm:style>
+      <a:lnRef idx="0">
+        <a:scrgbClr r="0" g="0" b="0"/>
+      </a:lnRef>
+      <a:fillRef idx="1">
+        <a:scrgbClr r="0" g="0" b="0"/>
+      </a:fillRef>
+      <a:effectRef idx="0">
+        <a:scrgbClr r="0" g="0" b="0"/>
+      </a:effectRef>
+      <a:fontRef idx="minor"/>
+    </dgm:style>
+  </dgm:styleLbl>
+  <dgm:styleLbl name="dkBgShp">
+    <dgm:scene3d>
+      <a:camera prst="orthographicFront"/>
+      <a:lightRig rig="threePt" dir="t"/>
+    </dgm:scene3d>
+    <dgm:sp3d/>
+    <dgm:txPr/>
+    <dgm:style>
+      <a:lnRef idx="0">
+        <a:scrgbClr r="0" g="0" b="0"/>
+      </a:lnRef>
+      <a:fillRef idx="1">
+        <a:scrgbClr r="0" g="0" b="0"/>
+      </a:fillRef>
+      <a:effectRef idx="0">
+        <a:scrgbClr r="0" g="0" b="0"/>
+      </a:effectRef>
+      <a:fontRef idx="minor"/>
+    </dgm:style>
+  </dgm:styleLbl>
+  <dgm:styleLbl name="trBgShp">
+    <dgm:scene3d>
+      <a:camera prst="orthographicFront"/>
+      <a:lightRig rig="threePt" dir="t"/>
+    </dgm:scene3d>
+    <dgm:sp3d/>
+    <dgm:txPr/>
+    <dgm:style>
+      <a:lnRef idx="0">
+        <a:scrgbClr r="0" g="0" b="0"/>
+      </a:lnRef>
+      <a:fillRef idx="1">
+        <a:scrgbClr r="0" g="0" b="0"/>
+      </a:fillRef>
+      <a:effectRef idx="0">
+        <a:scrgbClr r="0" g="0" b="0"/>
+      </a:effectRef>
+      <a:fontRef idx="minor"/>
+    </dgm:style>
+  </dgm:styleLbl>
+  <dgm:styleLbl name="fgShp">
+    <dgm:scene3d>
+      <a:camera prst="orthographicFront"/>
+      <a:lightRig rig="threePt" dir="t"/>
+    </dgm:scene3d>
+    <dgm:sp3d/>
+    <dgm:txPr/>
+    <dgm:style>
+      <a:lnRef idx="2">
+        <a:scrgbClr r="0" g="0" b="0"/>
+      </a:lnRef>
+      <a:fillRef idx="1">
+        <a:scrgbClr r="0" g="0" b="0"/>
+      </a:fillRef>
+      <a:effectRef idx="0">
+        <a:scrgbClr r="0" g="0" b="0"/>
+      </a:effectRef>
+      <a:fontRef idx="minor"/>
+    </dgm:style>
+  </dgm:styleLbl>
+  <dgm:styleLbl name="revTx">
+    <dgm:scene3d>
+      <a:camera prst="orthographicFront"/>
+      <a:lightRig rig="threePt" dir="t"/>
+    </dgm:scene3d>
+    <dgm:sp3d/>
+    <dgm:txPr/>
+    <dgm:style>
+      <a:lnRef idx="0">
+        <a:scrgbClr r="0" g="0" b="0"/>
+      </a:lnRef>
+      <a:fillRef idx="0">
+        <a:scrgbClr r="0" g="0" b="0"/>
+      </a:fillRef>
+      <a:effectRef idx="0">
+        <a:scrgbClr r="0" g="0" b="0"/>
+      </a:effectRef>
+      <a:fontRef idx="minor"/>
+    </dgm:style>
+  </dgm:styleLbl>
+</dgm:styleDef>
+</file>
+
+<file path=ppt/diagrams/quickStyle2.xml><?xml version="1.0" encoding="utf-8"?>
 <dgm:styleDef xmlns:dgm="http://schemas.openxmlformats.org/drawingml/2006/diagram" xmlns:a="http://schemas.openxmlformats.org/drawingml/2006/main" uniqueId="urn:microsoft.com/office/officeart/2005/8/quickstyle/simple1">
   <dgm:title val=""/>
   <dgm:desc val=""/>
@@ -7231,8 +11634,8 @@
         </p:nvSpPr>
         <p:spPr>
           <a:xfrm>
-            <a:off x="4824418" y="3186668"/>
-            <a:ext cx="3800464" cy="369332"/>
+            <a:off x="4748218" y="3186668"/>
+            <a:ext cx="3917483" cy="369332"/>
           </a:xfrm>
           <a:prstGeom prst="rect">
             <a:avLst/>
@@ -7247,7 +11650,7 @@
           <a:p>
             <a:r>
               <a:rPr lang="fr-CA" dirty="0"/>
-              <a:t>http://localhost/dossier/</a:t>
+              <a:t>http://localhost/dossier2/</a:t>
             </a:r>
             <a:r>
               <a:rPr lang="fr-CA" dirty="0" err="1"/>
@@ -7270,7 +11673,7 @@
           <p:nvPr>
             <p:extLst>
               <p:ext uri="{D42A27DB-BD31-4B8C-83A1-F6EECF244321}">
-                <p14:modId xmlns:p14="http://schemas.microsoft.com/office/powerpoint/2010/main" val="1870202019"/>
+                <p14:modId xmlns:p14="http://schemas.microsoft.com/office/powerpoint/2010/main" val="1521970269"/>
               </p:ext>
             </p:extLst>
           </p:nvPr>
@@ -7399,19 +11802,17 @@
           </a:prstGeom>
         </p:spPr>
         <p:style>
-          <a:lnRef idx="2">
-            <a:schemeClr val="accent1">
-              <a:shade val="15000"/>
-            </a:schemeClr>
+          <a:lnRef idx="1">
+            <a:schemeClr val="accent3"/>
           </a:lnRef>
-          <a:fillRef idx="1">
-            <a:schemeClr val="accent1"/>
+          <a:fillRef idx="2">
+            <a:schemeClr val="accent3"/>
           </a:fillRef>
-          <a:effectRef idx="0">
-            <a:schemeClr val="accent1"/>
+          <a:effectRef idx="1">
+            <a:schemeClr val="accent3"/>
           </a:effectRef>
           <a:fontRef idx="minor">
-            <a:schemeClr val="lt1"/>
+            <a:schemeClr val="dk1"/>
           </a:fontRef>
         </p:style>
         <p:txBody>
@@ -7817,6 +12218,971 @@
 </p:sld>
 </file>
 
+<file path=ppt/slides/slide3.xml><?xml version="1.0" encoding="utf-8"?>
+<p:sld xmlns:a="http://schemas.openxmlformats.org/drawingml/2006/main" xmlns:r="http://schemas.openxmlformats.org/officeDocument/2006/relationships" xmlns:p="http://schemas.openxmlformats.org/presentationml/2006/main">
+  <p:cSld>
+    <p:spTree>
+      <p:nvGrpSpPr>
+        <p:cNvPr id="1" name=""/>
+        <p:cNvGrpSpPr/>
+        <p:nvPr/>
+      </p:nvGrpSpPr>
+      <p:grpSpPr>
+        <a:xfrm>
+          <a:off x="0" y="0"/>
+          <a:ext cx="0" cy="0"/>
+          <a:chOff x="0" y="0"/>
+          <a:chExt cx="0" cy="0"/>
+        </a:xfrm>
+      </p:grpSpPr>
+      <p:pic>
+        <p:nvPicPr>
+          <p:cNvPr id="20" name="Graphic 19" descr="Server with solid fill">
+            <a:extLst>
+              <a:ext uri="{FF2B5EF4-FFF2-40B4-BE49-F238E27FC236}">
+                <a16:creationId xmlns:a16="http://schemas.microsoft.com/office/drawing/2014/main" id="{D7C61572-D171-FB51-54F0-247CA79EED11}"/>
+              </a:ext>
+            </a:extLst>
+          </p:cNvPr>
+          <p:cNvPicPr>
+            <a:picLocks noChangeAspect="1"/>
+          </p:cNvPicPr>
+          <p:nvPr/>
+        </p:nvPicPr>
+        <p:blipFill>
+          <a:blip r:embed="rId2">
+            <a:extLst>
+              <a:ext uri="{96DAC541-7B7A-43D3-8B79-37D633B846F1}">
+                <asvg:svgBlip xmlns:asvg="http://schemas.microsoft.com/office/drawing/2016/SVG/main" r:embed="rId3"/>
+              </a:ext>
+            </a:extLst>
+          </a:blip>
+          <a:stretch>
+            <a:fillRect/>
+          </a:stretch>
+        </p:blipFill>
+        <p:spPr>
+          <a:xfrm>
+            <a:off x="3060700" y="2628900"/>
+            <a:ext cx="2095500" cy="2095500"/>
+          </a:xfrm>
+          <a:prstGeom prst="rect">
+            <a:avLst/>
+          </a:prstGeom>
+        </p:spPr>
+      </p:pic>
+      <p:pic>
+        <p:nvPicPr>
+          <p:cNvPr id="21" name="Graphic 20" descr="Browser window outline">
+            <a:extLst>
+              <a:ext uri="{FF2B5EF4-FFF2-40B4-BE49-F238E27FC236}">
+                <a16:creationId xmlns:a16="http://schemas.microsoft.com/office/drawing/2014/main" id="{3F4F4CEA-EA8E-C671-FBCA-649264DB5E5D}"/>
+              </a:ext>
+            </a:extLst>
+          </p:cNvPr>
+          <p:cNvPicPr>
+            <a:picLocks noChangeAspect="1"/>
+          </p:cNvPicPr>
+          <p:nvPr/>
+        </p:nvPicPr>
+        <p:blipFill>
+          <a:blip r:embed="rId4">
+            <a:extLst>
+              <a:ext uri="{96DAC541-7B7A-43D3-8B79-37D633B846F1}">
+                <asvg:svgBlip xmlns:asvg="http://schemas.microsoft.com/office/drawing/2016/SVG/main" r:embed="rId5"/>
+              </a:ext>
+            </a:extLst>
+          </a:blip>
+          <a:stretch>
+            <a:fillRect/>
+          </a:stretch>
+        </p:blipFill>
+        <p:spPr>
+          <a:xfrm>
+            <a:off x="8394700" y="2628900"/>
+            <a:ext cx="2095500" cy="2095500"/>
+          </a:xfrm>
+          <a:prstGeom prst="rect">
+            <a:avLst/>
+          </a:prstGeom>
+        </p:spPr>
+      </p:pic>
+      <p:sp>
+        <p:nvSpPr>
+          <p:cNvPr id="22" name="Left Arrow 21">
+            <a:extLst>
+              <a:ext uri="{FF2B5EF4-FFF2-40B4-BE49-F238E27FC236}">
+                <a16:creationId xmlns:a16="http://schemas.microsoft.com/office/drawing/2014/main" id="{1A9DC94A-9364-DBB5-DCDA-ECCDDD9ADA21}"/>
+              </a:ext>
+            </a:extLst>
+          </p:cNvPr>
+          <p:cNvSpPr/>
+          <p:nvPr/>
+        </p:nvSpPr>
+        <p:spPr>
+          <a:xfrm>
+            <a:off x="5029200" y="3556000"/>
+            <a:ext cx="3263900" cy="304800"/>
+          </a:xfrm>
+          <a:prstGeom prst="leftArrow">
+            <a:avLst/>
+          </a:prstGeom>
+        </p:spPr>
+        <p:style>
+          <a:lnRef idx="2">
+            <a:schemeClr val="accent1">
+              <a:shade val="15000"/>
+            </a:schemeClr>
+          </a:lnRef>
+          <a:fillRef idx="1">
+            <a:schemeClr val="accent1"/>
+          </a:fillRef>
+          <a:effectRef idx="0">
+            <a:schemeClr val="accent1"/>
+          </a:effectRef>
+          <a:fontRef idx="minor">
+            <a:schemeClr val="lt1"/>
+          </a:fontRef>
+        </p:style>
+        <p:txBody>
+          <a:bodyPr rtlCol="0" anchor="ctr"/>
+          <a:lstStyle/>
+          <a:p>
+            <a:pPr algn="ctr"/>
+            <a:endParaRPr lang="fr-CA"/>
+          </a:p>
+        </p:txBody>
+      </p:sp>
+      <p:sp>
+        <p:nvSpPr>
+          <p:cNvPr id="23" name="TextBox 22">
+            <a:extLst>
+              <a:ext uri="{FF2B5EF4-FFF2-40B4-BE49-F238E27FC236}">
+                <a16:creationId xmlns:a16="http://schemas.microsoft.com/office/drawing/2014/main" id="{7DD5493B-3DE8-9610-CB53-24299A1E1B90}"/>
+              </a:ext>
+            </a:extLst>
+          </p:cNvPr>
+          <p:cNvSpPr txBox="1"/>
+          <p:nvPr/>
+        </p:nvSpPr>
+        <p:spPr>
+          <a:xfrm>
+            <a:off x="4748218" y="3186668"/>
+            <a:ext cx="3917483" cy="369332"/>
+          </a:xfrm>
+          <a:prstGeom prst="rect">
+            <a:avLst/>
+          </a:prstGeom>
+          <a:noFill/>
+        </p:spPr>
+        <p:txBody>
+          <a:bodyPr wrap="none" rtlCol="0">
+            <a:spAutoFit/>
+          </a:bodyPr>
+          <a:lstStyle/>
+          <a:p>
+            <a:r>
+              <a:rPr lang="fr-CA" dirty="0"/>
+              <a:t>http://localhost/dossier2/</a:t>
+            </a:r>
+            <a:r>
+              <a:rPr lang="fr-CA" dirty="0" err="1"/>
+              <a:t>ma_page.php</a:t>
+            </a:r>
+            <a:endParaRPr lang="fr-CA" dirty="0"/>
+          </a:p>
+        </p:txBody>
+      </p:sp>
+      <p:graphicFrame>
+        <p:nvGraphicFramePr>
+          <p:cNvPr id="24" name="Diagram 23">
+            <a:extLst>
+              <a:ext uri="{FF2B5EF4-FFF2-40B4-BE49-F238E27FC236}">
+                <a16:creationId xmlns:a16="http://schemas.microsoft.com/office/drawing/2014/main" id="{82D122E2-DF33-B280-1D58-E9B2F5516143}"/>
+              </a:ext>
+            </a:extLst>
+          </p:cNvPr>
+          <p:cNvGraphicFramePr/>
+          <p:nvPr>
+            <p:extLst>
+              <p:ext uri="{D42A27DB-BD31-4B8C-83A1-F6EECF244321}">
+                <p14:modId xmlns:p14="http://schemas.microsoft.com/office/powerpoint/2010/main" val="4026246145"/>
+              </p:ext>
+            </p:extLst>
+          </p:nvPr>
+        </p:nvGraphicFramePr>
+        <p:xfrm>
+          <a:off x="873136" y="-232833"/>
+          <a:ext cx="3619500" cy="2709333"/>
+        </p:xfrm>
+        <a:graphic>
+          <a:graphicData uri="http://schemas.openxmlformats.org/drawingml/2006/diagram">
+            <dgm:relIds xmlns:dgm="http://schemas.openxmlformats.org/drawingml/2006/diagram" xmlns:r="http://schemas.openxmlformats.org/officeDocument/2006/relationships" r:dm="rId6" r:lo="rId7" r:qs="rId8" r:cs="rId9"/>
+          </a:graphicData>
+        </a:graphic>
+      </p:graphicFrame>
+      <p:cxnSp>
+        <p:nvCxnSpPr>
+          <p:cNvPr id="25" name="Curved Connector 24">
+            <a:extLst>
+              <a:ext uri="{FF2B5EF4-FFF2-40B4-BE49-F238E27FC236}">
+                <a16:creationId xmlns:a16="http://schemas.microsoft.com/office/drawing/2014/main" id="{FC6E6A6F-3912-E99C-D4F7-A529855A4000}"/>
+              </a:ext>
+            </a:extLst>
+          </p:cNvPr>
+          <p:cNvCxnSpPr>
+            <a:cxnSpLocks/>
+          </p:cNvCxnSpPr>
+          <p:nvPr/>
+        </p:nvCxnSpPr>
+        <p:spPr>
+          <a:xfrm rot="5400000" flipH="1" flipV="1">
+            <a:off x="1094992" y="1213001"/>
+            <a:ext cx="2282567" cy="1736167"/>
+          </a:xfrm>
+          <a:prstGeom prst="curvedConnector3">
+            <a:avLst>
+              <a:gd name="adj1" fmla="val 50000"/>
+            </a:avLst>
+          </a:prstGeom>
+          <a:ln w="31750">
+            <a:solidFill>
+              <a:schemeClr val="accent2"/>
+            </a:solidFill>
+            <a:tailEnd type="triangle"/>
+          </a:ln>
+        </p:spPr>
+        <p:style>
+          <a:lnRef idx="1">
+            <a:schemeClr val="accent1"/>
+          </a:lnRef>
+          <a:fillRef idx="0">
+            <a:schemeClr val="accent1"/>
+          </a:fillRef>
+          <a:effectRef idx="0">
+            <a:schemeClr val="accent1"/>
+          </a:effectRef>
+          <a:fontRef idx="minor">
+            <a:schemeClr val="tx1"/>
+          </a:fontRef>
+        </p:style>
+      </p:cxnSp>
+      <p:sp>
+        <p:nvSpPr>
+          <p:cNvPr id="26" name="Left Arrow 25">
+            <a:extLst>
+              <a:ext uri="{FF2B5EF4-FFF2-40B4-BE49-F238E27FC236}">
+                <a16:creationId xmlns:a16="http://schemas.microsoft.com/office/drawing/2014/main" id="{9D759FA6-8CC6-41B6-4351-A54D1DFA9408}"/>
+              </a:ext>
+            </a:extLst>
+          </p:cNvPr>
+          <p:cNvSpPr/>
+          <p:nvPr/>
+        </p:nvSpPr>
+        <p:spPr>
+          <a:xfrm rot="10800000">
+            <a:off x="5156200" y="4096266"/>
+            <a:ext cx="3136900" cy="267732"/>
+          </a:xfrm>
+          <a:prstGeom prst="leftArrow">
+            <a:avLst/>
+          </a:prstGeom>
+        </p:spPr>
+        <p:style>
+          <a:lnRef idx="2">
+            <a:schemeClr val="accent1">
+              <a:shade val="15000"/>
+            </a:schemeClr>
+          </a:lnRef>
+          <a:fillRef idx="1">
+            <a:schemeClr val="accent1"/>
+          </a:fillRef>
+          <a:effectRef idx="0">
+            <a:schemeClr val="accent1"/>
+          </a:effectRef>
+          <a:fontRef idx="minor">
+            <a:schemeClr val="lt1"/>
+          </a:fontRef>
+        </p:style>
+        <p:txBody>
+          <a:bodyPr rtlCol="0" anchor="ctr"/>
+          <a:lstStyle/>
+          <a:p>
+            <a:pPr algn="ctr"/>
+            <a:endParaRPr lang="fr-CA"/>
+          </a:p>
+        </p:txBody>
+      </p:sp>
+      <p:sp>
+        <p:nvSpPr>
+          <p:cNvPr id="27" name="Rectangle 26">
+            <a:extLst>
+              <a:ext uri="{FF2B5EF4-FFF2-40B4-BE49-F238E27FC236}">
+                <a16:creationId xmlns:a16="http://schemas.microsoft.com/office/drawing/2014/main" id="{A64EECD3-214C-7355-EA3E-470EB3E57ED2}"/>
+              </a:ext>
+            </a:extLst>
+          </p:cNvPr>
+          <p:cNvSpPr/>
+          <p:nvPr/>
+        </p:nvSpPr>
+        <p:spPr>
+          <a:xfrm>
+            <a:off x="3225800" y="5040868"/>
+            <a:ext cx="1752600" cy="768865"/>
+          </a:xfrm>
+          <a:prstGeom prst="rect">
+            <a:avLst/>
+          </a:prstGeom>
+        </p:spPr>
+        <p:style>
+          <a:lnRef idx="1">
+            <a:schemeClr val="accent3"/>
+          </a:lnRef>
+          <a:fillRef idx="2">
+            <a:schemeClr val="accent3"/>
+          </a:fillRef>
+          <a:effectRef idx="1">
+            <a:schemeClr val="accent3"/>
+          </a:effectRef>
+          <a:fontRef idx="minor">
+            <a:schemeClr val="dk1"/>
+          </a:fontRef>
+        </p:style>
+        <p:txBody>
+          <a:bodyPr rtlCol="0" anchor="ctr"/>
+          <a:lstStyle/>
+          <a:p>
+            <a:pPr algn="ctr"/>
+            <a:r>
+              <a:rPr lang="fr-CA" dirty="0"/>
+              <a:t>Processeur PHP</a:t>
+            </a:r>
+          </a:p>
+        </p:txBody>
+      </p:sp>
+      <p:cxnSp>
+        <p:nvCxnSpPr>
+          <p:cNvPr id="28" name="Straight Arrow Connector 27">
+            <a:extLst>
+              <a:ext uri="{FF2B5EF4-FFF2-40B4-BE49-F238E27FC236}">
+                <a16:creationId xmlns:a16="http://schemas.microsoft.com/office/drawing/2014/main" id="{56C382CF-6C39-A1ED-2DF7-ADBD0CD63097}"/>
+              </a:ext>
+            </a:extLst>
+          </p:cNvPr>
+          <p:cNvCxnSpPr/>
+          <p:nvPr/>
+        </p:nvCxnSpPr>
+        <p:spPr>
+          <a:xfrm>
+            <a:off x="3746500" y="4508500"/>
+            <a:ext cx="0" cy="532368"/>
+          </a:xfrm>
+          <a:prstGeom prst="straightConnector1">
+            <a:avLst/>
+          </a:prstGeom>
+          <a:ln w="28575">
+            <a:solidFill>
+              <a:schemeClr val="accent6"/>
+            </a:solidFill>
+            <a:tailEnd type="triangle"/>
+          </a:ln>
+        </p:spPr>
+        <p:style>
+          <a:lnRef idx="1">
+            <a:schemeClr val="accent1"/>
+          </a:lnRef>
+          <a:fillRef idx="0">
+            <a:schemeClr val="accent1"/>
+          </a:fillRef>
+          <a:effectRef idx="0">
+            <a:schemeClr val="accent1"/>
+          </a:effectRef>
+          <a:fontRef idx="minor">
+            <a:schemeClr val="tx1"/>
+          </a:fontRef>
+        </p:style>
+      </p:cxnSp>
+      <p:cxnSp>
+        <p:nvCxnSpPr>
+          <p:cNvPr id="29" name="Straight Arrow Connector 28">
+            <a:extLst>
+              <a:ext uri="{FF2B5EF4-FFF2-40B4-BE49-F238E27FC236}">
+                <a16:creationId xmlns:a16="http://schemas.microsoft.com/office/drawing/2014/main" id="{B49CB625-FEE2-FC6B-091C-31A3CE7DFCE5}"/>
+              </a:ext>
+            </a:extLst>
+          </p:cNvPr>
+          <p:cNvCxnSpPr/>
+          <p:nvPr/>
+        </p:nvCxnSpPr>
+        <p:spPr>
+          <a:xfrm flipV="1">
+            <a:off x="4492636" y="4483100"/>
+            <a:ext cx="0" cy="557768"/>
+          </a:xfrm>
+          <a:prstGeom prst="straightConnector1">
+            <a:avLst/>
+          </a:prstGeom>
+          <a:ln w="28575">
+            <a:solidFill>
+              <a:schemeClr val="accent6"/>
+            </a:solidFill>
+            <a:tailEnd type="triangle"/>
+          </a:ln>
+        </p:spPr>
+        <p:style>
+          <a:lnRef idx="1">
+            <a:schemeClr val="accent1"/>
+          </a:lnRef>
+          <a:fillRef idx="0">
+            <a:schemeClr val="accent1"/>
+          </a:fillRef>
+          <a:effectRef idx="0">
+            <a:schemeClr val="accent1"/>
+          </a:effectRef>
+          <a:fontRef idx="minor">
+            <a:schemeClr val="tx1"/>
+          </a:fontRef>
+        </p:style>
+      </p:cxnSp>
+      <p:sp>
+        <p:nvSpPr>
+          <p:cNvPr id="30" name="Oval 29">
+            <a:extLst>
+              <a:ext uri="{FF2B5EF4-FFF2-40B4-BE49-F238E27FC236}">
+                <a16:creationId xmlns:a16="http://schemas.microsoft.com/office/drawing/2014/main" id="{0158E4CB-1E5E-CE86-88CA-0F970979D37E}"/>
+              </a:ext>
+            </a:extLst>
+          </p:cNvPr>
+          <p:cNvSpPr/>
+          <p:nvPr/>
+        </p:nvSpPr>
+        <p:spPr>
+          <a:xfrm>
+            <a:off x="6438900" y="2628900"/>
+            <a:ext cx="419100" cy="393700"/>
+          </a:xfrm>
+          <a:prstGeom prst="ellipse">
+            <a:avLst/>
+          </a:prstGeom>
+        </p:spPr>
+        <p:style>
+          <a:lnRef idx="2">
+            <a:schemeClr val="accent1">
+              <a:shade val="15000"/>
+            </a:schemeClr>
+          </a:lnRef>
+          <a:fillRef idx="1">
+            <a:schemeClr val="accent1"/>
+          </a:fillRef>
+          <a:effectRef idx="0">
+            <a:schemeClr val="accent1"/>
+          </a:effectRef>
+          <a:fontRef idx="minor">
+            <a:schemeClr val="lt1"/>
+          </a:fontRef>
+        </p:style>
+        <p:txBody>
+          <a:bodyPr rtlCol="0" anchor="ctr"/>
+          <a:lstStyle/>
+          <a:p>
+            <a:pPr algn="ctr"/>
+            <a:r>
+              <a:rPr lang="fr-CA" dirty="0"/>
+              <a:t>1</a:t>
+            </a:r>
+          </a:p>
+        </p:txBody>
+      </p:sp>
+      <p:sp>
+        <p:nvSpPr>
+          <p:cNvPr id="31" name="Oval 30">
+            <a:extLst>
+              <a:ext uri="{FF2B5EF4-FFF2-40B4-BE49-F238E27FC236}">
+                <a16:creationId xmlns:a16="http://schemas.microsoft.com/office/drawing/2014/main" id="{35B32ED2-7DE1-FD07-4636-8CE47492A820}"/>
+              </a:ext>
+            </a:extLst>
+          </p:cNvPr>
+          <p:cNvSpPr/>
+          <p:nvPr/>
+        </p:nvSpPr>
+        <p:spPr>
+          <a:xfrm>
+            <a:off x="2531521" y="2871747"/>
+            <a:ext cx="419100" cy="393700"/>
+          </a:xfrm>
+          <a:prstGeom prst="ellipse">
+            <a:avLst/>
+          </a:prstGeom>
+        </p:spPr>
+        <p:style>
+          <a:lnRef idx="2">
+            <a:schemeClr val="accent1">
+              <a:shade val="15000"/>
+            </a:schemeClr>
+          </a:lnRef>
+          <a:fillRef idx="1">
+            <a:schemeClr val="accent1"/>
+          </a:fillRef>
+          <a:effectRef idx="0">
+            <a:schemeClr val="accent1"/>
+          </a:effectRef>
+          <a:fontRef idx="minor">
+            <a:schemeClr val="lt1"/>
+          </a:fontRef>
+        </p:style>
+        <p:txBody>
+          <a:bodyPr rtlCol="0" anchor="ctr"/>
+          <a:lstStyle/>
+          <a:p>
+            <a:pPr algn="ctr"/>
+            <a:r>
+              <a:rPr lang="fr-CA" dirty="0"/>
+              <a:t>2</a:t>
+            </a:r>
+          </a:p>
+        </p:txBody>
+      </p:sp>
+      <p:sp>
+        <p:nvSpPr>
+          <p:cNvPr id="32" name="Oval 31">
+            <a:extLst>
+              <a:ext uri="{FF2B5EF4-FFF2-40B4-BE49-F238E27FC236}">
+                <a16:creationId xmlns:a16="http://schemas.microsoft.com/office/drawing/2014/main" id="{B1D90DC5-95FD-5C1E-0E76-E539D1F6B07C}"/>
+              </a:ext>
+            </a:extLst>
+          </p:cNvPr>
+          <p:cNvSpPr/>
+          <p:nvPr/>
+        </p:nvSpPr>
+        <p:spPr>
+          <a:xfrm>
+            <a:off x="3209936" y="4534416"/>
+            <a:ext cx="419100" cy="393700"/>
+          </a:xfrm>
+          <a:prstGeom prst="ellipse">
+            <a:avLst/>
+          </a:prstGeom>
+        </p:spPr>
+        <p:style>
+          <a:lnRef idx="2">
+            <a:schemeClr val="accent1">
+              <a:shade val="15000"/>
+            </a:schemeClr>
+          </a:lnRef>
+          <a:fillRef idx="1">
+            <a:schemeClr val="accent1"/>
+          </a:fillRef>
+          <a:effectRef idx="0">
+            <a:schemeClr val="accent1"/>
+          </a:effectRef>
+          <a:fontRef idx="minor">
+            <a:schemeClr val="lt1"/>
+          </a:fontRef>
+        </p:style>
+        <p:txBody>
+          <a:bodyPr rtlCol="0" anchor="ctr"/>
+          <a:lstStyle/>
+          <a:p>
+            <a:pPr algn="ctr"/>
+            <a:r>
+              <a:rPr lang="fr-CA" i="1" dirty="0"/>
+              <a:t>5</a:t>
+            </a:r>
+          </a:p>
+        </p:txBody>
+      </p:sp>
+      <p:sp>
+        <p:nvSpPr>
+          <p:cNvPr id="33" name="Oval 32">
+            <a:extLst>
+              <a:ext uri="{FF2B5EF4-FFF2-40B4-BE49-F238E27FC236}">
+                <a16:creationId xmlns:a16="http://schemas.microsoft.com/office/drawing/2014/main" id="{B9277EBA-C6E8-7F9A-D266-C360C4823A60}"/>
+              </a:ext>
+            </a:extLst>
+          </p:cNvPr>
+          <p:cNvSpPr/>
+          <p:nvPr/>
+        </p:nvSpPr>
+        <p:spPr>
+          <a:xfrm>
+            <a:off x="4641872" y="4565134"/>
+            <a:ext cx="419100" cy="393700"/>
+          </a:xfrm>
+          <a:prstGeom prst="ellipse">
+            <a:avLst/>
+          </a:prstGeom>
+        </p:spPr>
+        <p:style>
+          <a:lnRef idx="2">
+            <a:schemeClr val="accent1">
+              <a:shade val="15000"/>
+            </a:schemeClr>
+          </a:lnRef>
+          <a:fillRef idx="1">
+            <a:schemeClr val="accent1"/>
+          </a:fillRef>
+          <a:effectRef idx="0">
+            <a:schemeClr val="accent1"/>
+          </a:effectRef>
+          <a:fontRef idx="minor">
+            <a:schemeClr val="lt1"/>
+          </a:fontRef>
+        </p:style>
+        <p:txBody>
+          <a:bodyPr rtlCol="0" anchor="ctr"/>
+          <a:lstStyle/>
+          <a:p>
+            <a:pPr algn="ctr"/>
+            <a:r>
+              <a:rPr lang="fr-CA" dirty="0"/>
+              <a:t>6</a:t>
+            </a:r>
+          </a:p>
+        </p:txBody>
+      </p:sp>
+      <p:sp>
+        <p:nvSpPr>
+          <p:cNvPr id="34" name="Oval 33">
+            <a:extLst>
+              <a:ext uri="{FF2B5EF4-FFF2-40B4-BE49-F238E27FC236}">
+                <a16:creationId xmlns:a16="http://schemas.microsoft.com/office/drawing/2014/main" id="{0AEEE4C9-7E52-4015-AC87-6F3E10DFA680}"/>
+              </a:ext>
+            </a:extLst>
+          </p:cNvPr>
+          <p:cNvSpPr/>
+          <p:nvPr/>
+        </p:nvSpPr>
+        <p:spPr>
+          <a:xfrm>
+            <a:off x="6511936" y="4368284"/>
+            <a:ext cx="419100" cy="393700"/>
+          </a:xfrm>
+          <a:prstGeom prst="ellipse">
+            <a:avLst/>
+          </a:prstGeom>
+        </p:spPr>
+        <p:style>
+          <a:lnRef idx="2">
+            <a:schemeClr val="accent1">
+              <a:shade val="15000"/>
+            </a:schemeClr>
+          </a:lnRef>
+          <a:fillRef idx="1">
+            <a:schemeClr val="accent1"/>
+          </a:fillRef>
+          <a:effectRef idx="0">
+            <a:schemeClr val="accent1"/>
+          </a:effectRef>
+          <a:fontRef idx="minor">
+            <a:schemeClr val="lt1"/>
+          </a:fontRef>
+        </p:style>
+        <p:txBody>
+          <a:bodyPr rtlCol="0" anchor="ctr"/>
+          <a:lstStyle/>
+          <a:p>
+            <a:pPr algn="ctr"/>
+            <a:r>
+              <a:rPr lang="fr-CA" dirty="0"/>
+              <a:t>7</a:t>
+            </a:r>
+          </a:p>
+        </p:txBody>
+      </p:sp>
+      <p:sp>
+        <p:nvSpPr>
+          <p:cNvPr id="35" name="Oval 34">
+            <a:extLst>
+              <a:ext uri="{FF2B5EF4-FFF2-40B4-BE49-F238E27FC236}">
+                <a16:creationId xmlns:a16="http://schemas.microsoft.com/office/drawing/2014/main" id="{4FD179A7-B549-B28D-3927-FC94FDD2E531}"/>
+              </a:ext>
+            </a:extLst>
+          </p:cNvPr>
+          <p:cNvSpPr/>
+          <p:nvPr/>
+        </p:nvSpPr>
+        <p:spPr>
+          <a:xfrm>
+            <a:off x="9232900" y="3556000"/>
+            <a:ext cx="419100" cy="393700"/>
+          </a:xfrm>
+          <a:prstGeom prst="ellipse">
+            <a:avLst/>
+          </a:prstGeom>
+        </p:spPr>
+        <p:style>
+          <a:lnRef idx="2">
+            <a:schemeClr val="accent1">
+              <a:shade val="15000"/>
+            </a:schemeClr>
+          </a:lnRef>
+          <a:fillRef idx="1">
+            <a:schemeClr val="accent1"/>
+          </a:fillRef>
+          <a:effectRef idx="0">
+            <a:schemeClr val="accent1"/>
+          </a:effectRef>
+          <a:fontRef idx="minor">
+            <a:schemeClr val="lt1"/>
+          </a:fontRef>
+        </p:style>
+        <p:txBody>
+          <a:bodyPr rtlCol="0" anchor="ctr"/>
+          <a:lstStyle/>
+          <a:p>
+            <a:pPr algn="ctr"/>
+            <a:r>
+              <a:rPr lang="fr-CA" dirty="0"/>
+              <a:t>8</a:t>
+            </a:r>
+          </a:p>
+        </p:txBody>
+      </p:sp>
+      <p:sp>
+        <p:nvSpPr>
+          <p:cNvPr id="39" name="Rectangle 38">
+            <a:extLst>
+              <a:ext uri="{FF2B5EF4-FFF2-40B4-BE49-F238E27FC236}">
+                <a16:creationId xmlns:a16="http://schemas.microsoft.com/office/drawing/2014/main" id="{C79601FF-CE32-BA17-CD76-B7FB9669D76B}"/>
+              </a:ext>
+            </a:extLst>
+          </p:cNvPr>
+          <p:cNvSpPr/>
+          <p:nvPr/>
+        </p:nvSpPr>
+        <p:spPr>
+          <a:xfrm>
+            <a:off x="730272" y="3222367"/>
+            <a:ext cx="1308100" cy="667266"/>
+          </a:xfrm>
+          <a:prstGeom prst="rect">
+            <a:avLst/>
+          </a:prstGeom>
+        </p:spPr>
+        <p:style>
+          <a:lnRef idx="2">
+            <a:schemeClr val="accent1">
+              <a:shade val="15000"/>
+            </a:schemeClr>
+          </a:lnRef>
+          <a:fillRef idx="1">
+            <a:schemeClr val="accent1"/>
+          </a:fillRef>
+          <a:effectRef idx="0">
+            <a:schemeClr val="accent1"/>
+          </a:effectRef>
+          <a:fontRef idx="minor">
+            <a:schemeClr val="lt1"/>
+          </a:fontRef>
+        </p:style>
+        <p:txBody>
+          <a:bodyPr rtlCol="0" anchor="ctr"/>
+          <a:lstStyle/>
+          <a:p>
+            <a:pPr algn="ctr"/>
+            <a:r>
+              <a:rPr lang="fr-CA" dirty="0" err="1"/>
+              <a:t>routes.php</a:t>
+            </a:r>
+            <a:endParaRPr lang="fr-CA" dirty="0"/>
+          </a:p>
+        </p:txBody>
+      </p:sp>
+      <p:cxnSp>
+        <p:nvCxnSpPr>
+          <p:cNvPr id="43" name="Straight Arrow Connector 42">
+            <a:extLst>
+              <a:ext uri="{FF2B5EF4-FFF2-40B4-BE49-F238E27FC236}">
+                <a16:creationId xmlns:a16="http://schemas.microsoft.com/office/drawing/2014/main" id="{AEDCDB9E-9998-5752-A6EA-7E068FBECE61}"/>
+              </a:ext>
+            </a:extLst>
+          </p:cNvPr>
+          <p:cNvCxnSpPr/>
+          <p:nvPr/>
+        </p:nvCxnSpPr>
+        <p:spPr>
+          <a:xfrm flipH="1">
+            <a:off x="2038372" y="3371334"/>
+            <a:ext cx="1381114" cy="0"/>
+          </a:xfrm>
+          <a:prstGeom prst="straightConnector1">
+            <a:avLst/>
+          </a:prstGeom>
+          <a:ln w="22225">
+            <a:solidFill>
+              <a:schemeClr val="accent2"/>
+            </a:solidFill>
+            <a:tailEnd type="triangle"/>
+          </a:ln>
+        </p:spPr>
+        <p:style>
+          <a:lnRef idx="1">
+            <a:schemeClr val="accent1"/>
+          </a:lnRef>
+          <a:fillRef idx="0">
+            <a:schemeClr val="accent1"/>
+          </a:fillRef>
+          <a:effectRef idx="0">
+            <a:schemeClr val="accent1"/>
+          </a:effectRef>
+          <a:fontRef idx="minor">
+            <a:schemeClr val="tx1"/>
+          </a:fontRef>
+        </p:style>
+      </p:cxnSp>
+      <p:cxnSp>
+        <p:nvCxnSpPr>
+          <p:cNvPr id="45" name="Straight Arrow Connector 44">
+            <a:extLst>
+              <a:ext uri="{FF2B5EF4-FFF2-40B4-BE49-F238E27FC236}">
+                <a16:creationId xmlns:a16="http://schemas.microsoft.com/office/drawing/2014/main" id="{8308A5AA-DD03-5472-7C1D-531A5245ED28}"/>
+              </a:ext>
+            </a:extLst>
+          </p:cNvPr>
+          <p:cNvCxnSpPr/>
+          <p:nvPr/>
+        </p:nvCxnSpPr>
+        <p:spPr>
+          <a:xfrm>
+            <a:off x="2038372" y="3752850"/>
+            <a:ext cx="1381114" cy="0"/>
+          </a:xfrm>
+          <a:prstGeom prst="straightConnector1">
+            <a:avLst/>
+          </a:prstGeom>
+          <a:ln w="22225">
+            <a:solidFill>
+              <a:schemeClr val="accent2"/>
+            </a:solidFill>
+            <a:tailEnd type="triangle"/>
+          </a:ln>
+        </p:spPr>
+        <p:style>
+          <a:lnRef idx="1">
+            <a:schemeClr val="accent1"/>
+          </a:lnRef>
+          <a:fillRef idx="0">
+            <a:schemeClr val="accent1"/>
+          </a:fillRef>
+          <a:effectRef idx="0">
+            <a:schemeClr val="accent1"/>
+          </a:effectRef>
+          <a:fontRef idx="minor">
+            <a:schemeClr val="tx1"/>
+          </a:fontRef>
+        </p:style>
+      </p:cxnSp>
+      <p:sp>
+        <p:nvSpPr>
+          <p:cNvPr id="46" name="Oval 45">
+            <a:extLst>
+              <a:ext uri="{FF2B5EF4-FFF2-40B4-BE49-F238E27FC236}">
+                <a16:creationId xmlns:a16="http://schemas.microsoft.com/office/drawing/2014/main" id="{C6120482-8826-B6A3-D22D-FAE589AFBC44}"/>
+              </a:ext>
+            </a:extLst>
+          </p:cNvPr>
+          <p:cNvSpPr/>
+          <p:nvPr/>
+        </p:nvSpPr>
+        <p:spPr>
+          <a:xfrm>
+            <a:off x="1008859" y="2478047"/>
+            <a:ext cx="419100" cy="393700"/>
+          </a:xfrm>
+          <a:prstGeom prst="ellipse">
+            <a:avLst/>
+          </a:prstGeom>
+        </p:spPr>
+        <p:style>
+          <a:lnRef idx="2">
+            <a:schemeClr val="accent1">
+              <a:shade val="15000"/>
+            </a:schemeClr>
+          </a:lnRef>
+          <a:fillRef idx="1">
+            <a:schemeClr val="accent1"/>
+          </a:fillRef>
+          <a:effectRef idx="0">
+            <a:schemeClr val="accent1"/>
+          </a:effectRef>
+          <a:fontRef idx="minor">
+            <a:schemeClr val="lt1"/>
+          </a:fontRef>
+        </p:style>
+        <p:txBody>
+          <a:bodyPr rtlCol="0" anchor="ctr"/>
+          <a:lstStyle/>
+          <a:p>
+            <a:pPr algn="ctr"/>
+            <a:r>
+              <a:rPr lang="fr-CA" dirty="0"/>
+              <a:t>3</a:t>
+            </a:r>
+          </a:p>
+        </p:txBody>
+      </p:sp>
+      <p:sp>
+        <p:nvSpPr>
+          <p:cNvPr id="47" name="Oval 46">
+            <a:extLst>
+              <a:ext uri="{FF2B5EF4-FFF2-40B4-BE49-F238E27FC236}">
+                <a16:creationId xmlns:a16="http://schemas.microsoft.com/office/drawing/2014/main" id="{FF0526F3-5582-2818-A604-66949DBE0A12}"/>
+              </a:ext>
+            </a:extLst>
+          </p:cNvPr>
+          <p:cNvSpPr/>
+          <p:nvPr/>
+        </p:nvSpPr>
+        <p:spPr>
+          <a:xfrm>
+            <a:off x="2531521" y="3836432"/>
+            <a:ext cx="419100" cy="393700"/>
+          </a:xfrm>
+          <a:prstGeom prst="ellipse">
+            <a:avLst/>
+          </a:prstGeom>
+        </p:spPr>
+        <p:style>
+          <a:lnRef idx="2">
+            <a:schemeClr val="accent1">
+              <a:shade val="15000"/>
+            </a:schemeClr>
+          </a:lnRef>
+          <a:fillRef idx="1">
+            <a:schemeClr val="accent1"/>
+          </a:fillRef>
+          <a:effectRef idx="0">
+            <a:schemeClr val="accent1"/>
+          </a:effectRef>
+          <a:fontRef idx="minor">
+            <a:schemeClr val="lt1"/>
+          </a:fontRef>
+        </p:style>
+        <p:txBody>
+          <a:bodyPr rtlCol="0" anchor="ctr"/>
+          <a:lstStyle/>
+          <a:p>
+            <a:pPr algn="ctr"/>
+            <a:r>
+              <a:rPr lang="fr-CA" dirty="0"/>
+              <a:t>4</a:t>
+            </a:r>
+          </a:p>
+        </p:txBody>
+      </p:sp>
+    </p:spTree>
+    <p:extLst>
+      <p:ext uri="{BB962C8B-B14F-4D97-AF65-F5344CB8AC3E}">
+        <p14:creationId xmlns:p14="http://schemas.microsoft.com/office/powerpoint/2010/main" val="3741501684"/>
+      </p:ext>
+    </p:extLst>
+  </p:cSld>
+  <p:clrMapOvr>
+    <a:masterClrMapping/>
+  </p:clrMapOvr>
+</p:sld>
+</file>
+
 <file path=ppt/theme/theme1.xml><?xml version="1.0" encoding="utf-8"?>
 <a:theme xmlns:a="http://schemas.openxmlformats.org/drawingml/2006/main" name="Office Theme">
   <a:themeElements>
